--- a/図表用.pptx
+++ b/図表用.pptx
@@ -6,6 +6,7 @@
   </p:sldMasterIdLst>
   <p:sldIdLst>
     <p:sldId id="257" r:id="rId2"/>
+    <p:sldId id="258" r:id="rId3"/>
   </p:sldIdLst>
   <p:sldSz cx="12192000" cy="6858000"/>
   <p:notesSz cx="6858000" cy="9144000"/>
@@ -4397,10 +4398,10 @@
               <a:t>図</a:t>
             </a:r>
             <a:r>
-              <a:rPr kumimoji="1" lang="en-US" altLang="ja-JP"/>
+              <a:rPr kumimoji="1" lang="en-US" altLang="ja-JP" dirty="0"/>
               <a:t>1</a:t>
             </a:r>
-            <a:endParaRPr kumimoji="1" lang="ja-JP" altLang="en-US"/>
+            <a:endParaRPr kumimoji="1" lang="ja-JP" altLang="en-US" dirty="0"/>
           </a:p>
         </p:txBody>
       </p:sp>
@@ -4408,6 +4409,838 @@
     <p:extLst>
       <p:ext uri="{BB962C8B-B14F-4D97-AF65-F5344CB8AC3E}">
         <p14:creationId xmlns:p14="http://schemas.microsoft.com/office/powerpoint/2010/main" val="1441040948"/>
+      </p:ext>
+    </p:extLst>
+  </p:cSld>
+  <p:clrMapOvr>
+    <a:masterClrMapping/>
+  </p:clrMapOvr>
+</p:sld>
+</file>
+
+<file path=ppt/slides/slide2.xml><?xml version="1.0" encoding="utf-8"?>
+<p:sld xmlns:a="http://schemas.openxmlformats.org/drawingml/2006/main" xmlns:r="http://schemas.openxmlformats.org/officeDocument/2006/relationships" xmlns:p="http://schemas.openxmlformats.org/presentationml/2006/main">
+  <p:cSld>
+    <p:spTree>
+      <p:nvGrpSpPr>
+        <p:cNvPr id="1" name=""/>
+        <p:cNvGrpSpPr/>
+        <p:nvPr/>
+      </p:nvGrpSpPr>
+      <p:grpSpPr>
+        <a:xfrm>
+          <a:off x="0" y="0"/>
+          <a:ext cx="0" cy="0"/>
+          <a:chOff x="0" y="0"/>
+          <a:chExt cx="0" cy="0"/>
+        </a:xfrm>
+      </p:grpSpPr>
+      <p:sp>
+        <p:nvSpPr>
+          <p:cNvPr id="2" name="フリーフォーム: 図形 1">
+            <a:extLst>
+              <a:ext uri="{FF2B5EF4-FFF2-40B4-BE49-F238E27FC236}">
+                <a16:creationId xmlns:a16="http://schemas.microsoft.com/office/drawing/2014/main" id="{6C922E12-F5E3-4CE5-B8F4-AD78112627B4}"/>
+              </a:ext>
+            </a:extLst>
+          </p:cNvPr>
+          <p:cNvSpPr/>
+          <p:nvPr/>
+        </p:nvSpPr>
+        <p:spPr>
+          <a:xfrm>
+            <a:off x="822960" y="742950"/>
+            <a:ext cx="480060" cy="777240"/>
+          </a:xfrm>
+          <a:custGeom>
+            <a:avLst/>
+            <a:gdLst>
+              <a:gd name="connsiteX0" fmla="*/ 240030 w 480060"/>
+              <a:gd name="connsiteY0" fmla="*/ 0 h 777240"/>
+              <a:gd name="connsiteX1" fmla="*/ 422910 w 480060"/>
+              <a:gd name="connsiteY1" fmla="*/ 240030 h 777240"/>
+              <a:gd name="connsiteX2" fmla="*/ 369346 w 480060"/>
+              <a:gd name="connsiteY2" fmla="*/ 409757 h 777240"/>
+              <a:gd name="connsiteX3" fmla="*/ 318719 w 480060"/>
+              <a:gd name="connsiteY3" fmla="*/ 454557 h 777240"/>
+              <a:gd name="connsiteX4" fmla="*/ 480060 w 480060"/>
+              <a:gd name="connsiteY4" fmla="*/ 777240 h 777240"/>
+              <a:gd name="connsiteX5" fmla="*/ 0 w 480060"/>
+              <a:gd name="connsiteY5" fmla="*/ 777240 h 777240"/>
+              <a:gd name="connsiteX6" fmla="*/ 161341 w 480060"/>
+              <a:gd name="connsiteY6" fmla="*/ 454557 h 777240"/>
+              <a:gd name="connsiteX7" fmla="*/ 110714 w 480060"/>
+              <a:gd name="connsiteY7" fmla="*/ 409757 h 777240"/>
+              <a:gd name="connsiteX8" fmla="*/ 57150 w 480060"/>
+              <a:gd name="connsiteY8" fmla="*/ 240030 h 777240"/>
+              <a:gd name="connsiteX9" fmla="*/ 240030 w 480060"/>
+              <a:gd name="connsiteY9" fmla="*/ 0 h 777240"/>
+            </a:gdLst>
+            <a:ahLst/>
+            <a:cxnLst>
+              <a:cxn ang="0">
+                <a:pos x="connsiteX0" y="connsiteY0"/>
+              </a:cxn>
+              <a:cxn ang="0">
+                <a:pos x="connsiteX1" y="connsiteY1"/>
+              </a:cxn>
+              <a:cxn ang="0">
+                <a:pos x="connsiteX2" y="connsiteY2"/>
+              </a:cxn>
+              <a:cxn ang="0">
+                <a:pos x="connsiteX3" y="connsiteY3"/>
+              </a:cxn>
+              <a:cxn ang="0">
+                <a:pos x="connsiteX4" y="connsiteY4"/>
+              </a:cxn>
+              <a:cxn ang="0">
+                <a:pos x="connsiteX5" y="connsiteY5"/>
+              </a:cxn>
+              <a:cxn ang="0">
+                <a:pos x="connsiteX6" y="connsiteY6"/>
+              </a:cxn>
+              <a:cxn ang="0">
+                <a:pos x="connsiteX7" y="connsiteY7"/>
+              </a:cxn>
+              <a:cxn ang="0">
+                <a:pos x="connsiteX8" y="connsiteY8"/>
+              </a:cxn>
+              <a:cxn ang="0">
+                <a:pos x="connsiteX9" y="connsiteY9"/>
+              </a:cxn>
+            </a:cxnLst>
+            <a:rect l="l" t="t" r="r" b="b"/>
+            <a:pathLst>
+              <a:path w="480060" h="777240">
+                <a:moveTo>
+                  <a:pt x="240030" y="0"/>
+                </a:moveTo>
+                <a:cubicBezTo>
+                  <a:pt x="341032" y="0"/>
+                  <a:pt x="422910" y="107465"/>
+                  <a:pt x="422910" y="240030"/>
+                </a:cubicBezTo>
+                <a:cubicBezTo>
+                  <a:pt x="422910" y="306313"/>
+                  <a:pt x="402441" y="366320"/>
+                  <a:pt x="369346" y="409757"/>
+                </a:cubicBezTo>
+                <a:lnTo>
+                  <a:pt x="318719" y="454557"/>
+                </a:lnTo>
+                <a:lnTo>
+                  <a:pt x="480060" y="777240"/>
+                </a:lnTo>
+                <a:lnTo>
+                  <a:pt x="0" y="777240"/>
+                </a:lnTo>
+                <a:lnTo>
+                  <a:pt x="161341" y="454557"/>
+                </a:lnTo>
+                <a:lnTo>
+                  <a:pt x="110714" y="409757"/>
+                </a:lnTo>
+                <a:cubicBezTo>
+                  <a:pt x="77620" y="366320"/>
+                  <a:pt x="57150" y="306313"/>
+                  <a:pt x="57150" y="240030"/>
+                </a:cubicBezTo>
+                <a:cubicBezTo>
+                  <a:pt x="57150" y="107465"/>
+                  <a:pt x="139028" y="0"/>
+                  <a:pt x="240030" y="0"/>
+                </a:cubicBezTo>
+                <a:close/>
+              </a:path>
+            </a:pathLst>
+          </a:custGeom>
+        </p:spPr>
+        <p:style>
+          <a:lnRef idx="2">
+            <a:schemeClr val="dk1">
+              <a:shade val="50000"/>
+            </a:schemeClr>
+          </a:lnRef>
+          <a:fillRef idx="1">
+            <a:schemeClr val="dk1"/>
+          </a:fillRef>
+          <a:effectRef idx="0">
+            <a:schemeClr val="dk1"/>
+          </a:effectRef>
+          <a:fontRef idx="minor">
+            <a:schemeClr val="lt1"/>
+          </a:fontRef>
+        </p:style>
+        <p:txBody>
+          <a:bodyPr rtlCol="0" anchor="ctr"/>
+          <a:lstStyle/>
+          <a:p>
+            <a:pPr algn="ctr"/>
+            <a:endParaRPr kumimoji="1" lang="ja-JP" altLang="en-US" dirty="0"/>
+          </a:p>
+        </p:txBody>
+      </p:sp>
+      <p:sp>
+        <p:nvSpPr>
+          <p:cNvPr id="3" name="フリーフォーム: 図形 2">
+            <a:extLst>
+              <a:ext uri="{FF2B5EF4-FFF2-40B4-BE49-F238E27FC236}">
+                <a16:creationId xmlns:a16="http://schemas.microsoft.com/office/drawing/2014/main" id="{E5E7E18A-686F-4119-8832-E5800117B0C0}"/>
+              </a:ext>
+            </a:extLst>
+          </p:cNvPr>
+          <p:cNvSpPr/>
+          <p:nvPr/>
+        </p:nvSpPr>
+        <p:spPr>
+          <a:xfrm>
+            <a:off x="3729990" y="742950"/>
+            <a:ext cx="480060" cy="777240"/>
+          </a:xfrm>
+          <a:custGeom>
+            <a:avLst/>
+            <a:gdLst>
+              <a:gd name="connsiteX0" fmla="*/ 240030 w 480060"/>
+              <a:gd name="connsiteY0" fmla="*/ 0 h 777240"/>
+              <a:gd name="connsiteX1" fmla="*/ 422910 w 480060"/>
+              <a:gd name="connsiteY1" fmla="*/ 240030 h 777240"/>
+              <a:gd name="connsiteX2" fmla="*/ 369346 w 480060"/>
+              <a:gd name="connsiteY2" fmla="*/ 409757 h 777240"/>
+              <a:gd name="connsiteX3" fmla="*/ 318719 w 480060"/>
+              <a:gd name="connsiteY3" fmla="*/ 454557 h 777240"/>
+              <a:gd name="connsiteX4" fmla="*/ 480060 w 480060"/>
+              <a:gd name="connsiteY4" fmla="*/ 777240 h 777240"/>
+              <a:gd name="connsiteX5" fmla="*/ 0 w 480060"/>
+              <a:gd name="connsiteY5" fmla="*/ 777240 h 777240"/>
+              <a:gd name="connsiteX6" fmla="*/ 161341 w 480060"/>
+              <a:gd name="connsiteY6" fmla="*/ 454557 h 777240"/>
+              <a:gd name="connsiteX7" fmla="*/ 110714 w 480060"/>
+              <a:gd name="connsiteY7" fmla="*/ 409757 h 777240"/>
+              <a:gd name="connsiteX8" fmla="*/ 57150 w 480060"/>
+              <a:gd name="connsiteY8" fmla="*/ 240030 h 777240"/>
+              <a:gd name="connsiteX9" fmla="*/ 240030 w 480060"/>
+              <a:gd name="connsiteY9" fmla="*/ 0 h 777240"/>
+            </a:gdLst>
+            <a:ahLst/>
+            <a:cxnLst>
+              <a:cxn ang="0">
+                <a:pos x="connsiteX0" y="connsiteY0"/>
+              </a:cxn>
+              <a:cxn ang="0">
+                <a:pos x="connsiteX1" y="connsiteY1"/>
+              </a:cxn>
+              <a:cxn ang="0">
+                <a:pos x="connsiteX2" y="connsiteY2"/>
+              </a:cxn>
+              <a:cxn ang="0">
+                <a:pos x="connsiteX3" y="connsiteY3"/>
+              </a:cxn>
+              <a:cxn ang="0">
+                <a:pos x="connsiteX4" y="connsiteY4"/>
+              </a:cxn>
+              <a:cxn ang="0">
+                <a:pos x="connsiteX5" y="connsiteY5"/>
+              </a:cxn>
+              <a:cxn ang="0">
+                <a:pos x="connsiteX6" y="connsiteY6"/>
+              </a:cxn>
+              <a:cxn ang="0">
+                <a:pos x="connsiteX7" y="connsiteY7"/>
+              </a:cxn>
+              <a:cxn ang="0">
+                <a:pos x="connsiteX8" y="connsiteY8"/>
+              </a:cxn>
+              <a:cxn ang="0">
+                <a:pos x="connsiteX9" y="connsiteY9"/>
+              </a:cxn>
+            </a:cxnLst>
+            <a:rect l="l" t="t" r="r" b="b"/>
+            <a:pathLst>
+              <a:path w="480060" h="777240">
+                <a:moveTo>
+                  <a:pt x="240030" y="0"/>
+                </a:moveTo>
+                <a:cubicBezTo>
+                  <a:pt x="341032" y="0"/>
+                  <a:pt x="422910" y="107465"/>
+                  <a:pt x="422910" y="240030"/>
+                </a:cubicBezTo>
+                <a:cubicBezTo>
+                  <a:pt x="422910" y="306313"/>
+                  <a:pt x="402441" y="366320"/>
+                  <a:pt x="369346" y="409757"/>
+                </a:cubicBezTo>
+                <a:lnTo>
+                  <a:pt x="318719" y="454557"/>
+                </a:lnTo>
+                <a:lnTo>
+                  <a:pt x="480060" y="777240"/>
+                </a:lnTo>
+                <a:lnTo>
+                  <a:pt x="0" y="777240"/>
+                </a:lnTo>
+                <a:lnTo>
+                  <a:pt x="161341" y="454557"/>
+                </a:lnTo>
+                <a:lnTo>
+                  <a:pt x="110714" y="409757"/>
+                </a:lnTo>
+                <a:cubicBezTo>
+                  <a:pt x="77620" y="366320"/>
+                  <a:pt x="57150" y="306313"/>
+                  <a:pt x="57150" y="240030"/>
+                </a:cubicBezTo>
+                <a:cubicBezTo>
+                  <a:pt x="57150" y="107465"/>
+                  <a:pt x="139028" y="0"/>
+                  <a:pt x="240030" y="0"/>
+                </a:cubicBezTo>
+                <a:close/>
+              </a:path>
+            </a:pathLst>
+          </a:custGeom>
+        </p:spPr>
+        <p:style>
+          <a:lnRef idx="2">
+            <a:schemeClr val="dk1">
+              <a:shade val="50000"/>
+            </a:schemeClr>
+          </a:lnRef>
+          <a:fillRef idx="1">
+            <a:schemeClr val="dk1"/>
+          </a:fillRef>
+          <a:effectRef idx="0">
+            <a:schemeClr val="dk1"/>
+          </a:effectRef>
+          <a:fontRef idx="minor">
+            <a:schemeClr val="lt1"/>
+          </a:fontRef>
+        </p:style>
+        <p:txBody>
+          <a:bodyPr rtlCol="0" anchor="ctr"/>
+          <a:lstStyle/>
+          <a:p>
+            <a:pPr algn="ctr"/>
+            <a:endParaRPr kumimoji="1" lang="ja-JP" altLang="en-US" dirty="0"/>
+          </a:p>
+        </p:txBody>
+      </p:sp>
+      <p:graphicFrame>
+        <p:nvGraphicFramePr>
+          <p:cNvPr id="4" name="表 3">
+            <a:extLst>
+              <a:ext uri="{FF2B5EF4-FFF2-40B4-BE49-F238E27FC236}">
+                <a16:creationId xmlns:a16="http://schemas.microsoft.com/office/drawing/2014/main" id="{D4717CDC-EAA5-4E4C-AE20-DF355F7CE1B1}"/>
+              </a:ext>
+            </a:extLst>
+          </p:cNvPr>
+          <p:cNvGraphicFramePr>
+            <a:graphicFrameLocks noGrp="1"/>
+          </p:cNvGraphicFramePr>
+          <p:nvPr>
+            <p:extLst>
+              <p:ext uri="{D42A27DB-BD31-4B8C-83A1-F6EECF244321}">
+                <p14:modId xmlns:p14="http://schemas.microsoft.com/office/powerpoint/2010/main" val="3134039086"/>
+              </p:ext>
+            </p:extLst>
+          </p:nvPr>
+        </p:nvGraphicFramePr>
+        <p:xfrm>
+          <a:off x="4255690" y="2443480"/>
+          <a:ext cx="4768735" cy="1767840"/>
+        </p:xfrm>
+        <a:graphic>
+          <a:graphicData uri="http://schemas.openxmlformats.org/drawingml/2006/table">
+            <a:tbl>
+              <a:tblPr firstRow="1" bandRow="1">
+                <a:tableStyleId>{5940675A-B579-460E-94D1-54222C63F5DA}</a:tableStyleId>
+              </a:tblPr>
+              <a:tblGrid>
+                <a:gridCol w="1170305">
+                  <a:extLst>
+                    <a:ext uri="{9D8B030D-6E8A-4147-A177-3AD203B41FA5}">
+                      <a16:colId xmlns:a16="http://schemas.microsoft.com/office/drawing/2014/main" val="2776323294"/>
+                    </a:ext>
+                  </a:extLst>
+                </a:gridCol>
+                <a:gridCol w="3598430">
+                  <a:extLst>
+                    <a:ext uri="{9D8B030D-6E8A-4147-A177-3AD203B41FA5}">
+                      <a16:colId xmlns:a16="http://schemas.microsoft.com/office/drawing/2014/main" val="1989362957"/>
+                    </a:ext>
+                  </a:extLst>
+                </a:gridCol>
+              </a:tblGrid>
+              <a:tr h="232570">
+                <a:tc>
+                  <a:txBody>
+                    <a:bodyPr/>
+                    <a:lstStyle/>
+                    <a:p>
+                      <a:r>
+                        <a:rPr kumimoji="1" lang="ja-JP" altLang="en-US" dirty="0"/>
+                        <a:t>ユーザ</a:t>
+                      </a:r>
+                      <a:r>
+                        <a:rPr kumimoji="1" lang="en-US" altLang="ja-JP" dirty="0"/>
+                        <a:t>ID</a:t>
+                      </a:r>
+                      <a:endParaRPr kumimoji="1" lang="ja-JP" altLang="en-US" dirty="0"/>
+                    </a:p>
+                  </a:txBody>
+                  <a:tcPr/>
+                </a:tc>
+                <a:tc>
+                  <a:txBody>
+                    <a:bodyPr/>
+                    <a:lstStyle/>
+                    <a:p>
+                      <a:r>
+                        <a:rPr kumimoji="1" lang="ja-JP" altLang="en-US" dirty="0"/>
+                        <a:t>パスワードのハッシュ値</a:t>
+                      </a:r>
+                    </a:p>
+                  </a:txBody>
+                  <a:tcPr/>
+                </a:tc>
+                <a:extLst>
+                  <a:ext uri="{0D108BD9-81ED-4DB2-BD59-A6C34878D82A}">
+                    <a16:rowId xmlns:a16="http://schemas.microsoft.com/office/drawing/2014/main" val="3355166020"/>
+                  </a:ext>
+                </a:extLst>
+              </a:tr>
+              <a:tr h="324960">
+                <a:tc>
+                  <a:txBody>
+                    <a:bodyPr/>
+                    <a:lstStyle/>
+                    <a:p>
+                      <a:r>
+                        <a:rPr kumimoji="1" lang="en-US" altLang="ja-JP" b="1" dirty="0"/>
+                        <a:t>Alice</a:t>
+                      </a:r>
+                      <a:endParaRPr kumimoji="1" lang="ja-JP" altLang="en-US" b="1" dirty="0"/>
+                    </a:p>
+                  </a:txBody>
+                  <a:tcPr/>
+                </a:tc>
+                <a:tc>
+                  <a:txBody>
+                    <a:bodyPr/>
+                    <a:lstStyle/>
+                    <a:p>
+                      <a:r>
+                        <a:rPr kumimoji="1" lang="en-US" altLang="ja-JP" sz="1400" b="1" dirty="0"/>
+                        <a:t>bdec917da3fd43e6d9a28a7dd762d8888944b8973d1e17174ab2d4758655b3de</a:t>
+                      </a:r>
+                      <a:endParaRPr kumimoji="1" lang="ja-JP" altLang="en-US" sz="1400" b="1" dirty="0"/>
+                    </a:p>
+                  </a:txBody>
+                  <a:tcPr/>
+                </a:tc>
+                <a:extLst>
+                  <a:ext uri="{0D108BD9-81ED-4DB2-BD59-A6C34878D82A}">
+                    <a16:rowId xmlns:a16="http://schemas.microsoft.com/office/drawing/2014/main" val="213682946"/>
+                  </a:ext>
+                </a:extLst>
+              </a:tr>
+              <a:tr h="324960">
+                <a:tc>
+                  <a:txBody>
+                    <a:bodyPr/>
+                    <a:lstStyle/>
+                    <a:p>
+                      <a:r>
+                        <a:rPr kumimoji="1" lang="en-US" altLang="ja-JP" dirty="0"/>
+                        <a:t>Bob</a:t>
+                      </a:r>
+                      <a:endParaRPr kumimoji="1" lang="ja-JP" altLang="en-US" dirty="0"/>
+                    </a:p>
+                  </a:txBody>
+                  <a:tcPr/>
+                </a:tc>
+                <a:tc>
+                  <a:txBody>
+                    <a:bodyPr/>
+                    <a:lstStyle/>
+                    <a:p>
+                      <a:r>
+                        <a:rPr kumimoji="1" lang="en-US" altLang="ja-JP" sz="1400" dirty="0"/>
+                        <a:t>b28e6e6ab2715faa1df1a2ea833319b687f0e68c6faa797ae5cf39282388c997</a:t>
+                      </a:r>
+                      <a:endParaRPr kumimoji="1" lang="ja-JP" altLang="en-US" sz="1400" dirty="0"/>
+                    </a:p>
+                  </a:txBody>
+                  <a:tcPr/>
+                </a:tc>
+                <a:extLst>
+                  <a:ext uri="{0D108BD9-81ED-4DB2-BD59-A6C34878D82A}">
+                    <a16:rowId xmlns:a16="http://schemas.microsoft.com/office/drawing/2014/main" val="3445709567"/>
+                  </a:ext>
+                </a:extLst>
+              </a:tr>
+              <a:tr h="232570">
+                <a:tc>
+                  <a:txBody>
+                    <a:bodyPr/>
+                    <a:lstStyle/>
+                    <a:p>
+                      <a:r>
+                        <a:rPr kumimoji="1" lang="en-US" altLang="ja-JP" dirty="0"/>
+                        <a:t>…</a:t>
+                      </a:r>
+                      <a:endParaRPr kumimoji="1" lang="ja-JP" altLang="en-US" dirty="0"/>
+                    </a:p>
+                  </a:txBody>
+                  <a:tcPr/>
+                </a:tc>
+                <a:tc>
+                  <a:txBody>
+                    <a:bodyPr/>
+                    <a:lstStyle/>
+                    <a:p>
+                      <a:endParaRPr kumimoji="1" lang="ja-JP" altLang="en-US" dirty="0"/>
+                    </a:p>
+                  </a:txBody>
+                  <a:tcPr/>
+                </a:tc>
+                <a:extLst>
+                  <a:ext uri="{0D108BD9-81ED-4DB2-BD59-A6C34878D82A}">
+                    <a16:rowId xmlns:a16="http://schemas.microsoft.com/office/drawing/2014/main" val="378022589"/>
+                  </a:ext>
+                </a:extLst>
+              </a:tr>
+            </a:tbl>
+          </a:graphicData>
+        </a:graphic>
+      </p:graphicFrame>
+      <p:sp>
+        <p:nvSpPr>
+          <p:cNvPr id="5" name="テキスト ボックス 4">
+            <a:extLst>
+              <a:ext uri="{FF2B5EF4-FFF2-40B4-BE49-F238E27FC236}">
+                <a16:creationId xmlns:a16="http://schemas.microsoft.com/office/drawing/2014/main" id="{6689FE03-2DB7-4536-B87E-84C8EED4F347}"/>
+              </a:ext>
+            </a:extLst>
+          </p:cNvPr>
+          <p:cNvSpPr txBox="1"/>
+          <p:nvPr/>
+        </p:nvSpPr>
+        <p:spPr>
+          <a:xfrm>
+            <a:off x="822960" y="1835904"/>
+            <a:ext cx="702436" cy="369332"/>
+          </a:xfrm>
+          <a:prstGeom prst="rect">
+            <a:avLst/>
+          </a:prstGeom>
+          <a:noFill/>
+        </p:spPr>
+        <p:txBody>
+          <a:bodyPr wrap="none" rtlCol="0">
+            <a:spAutoFit/>
+          </a:bodyPr>
+          <a:lstStyle/>
+          <a:p>
+            <a:r>
+              <a:rPr kumimoji="1" lang="en-US" altLang="ja-JP" dirty="0"/>
+              <a:t>Alice</a:t>
+            </a:r>
+            <a:endParaRPr kumimoji="1" lang="ja-JP" altLang="en-US" dirty="0"/>
+          </a:p>
+        </p:txBody>
+      </p:sp>
+      <p:sp>
+        <p:nvSpPr>
+          <p:cNvPr id="6" name="テキスト ボックス 5">
+            <a:extLst>
+              <a:ext uri="{FF2B5EF4-FFF2-40B4-BE49-F238E27FC236}">
+                <a16:creationId xmlns:a16="http://schemas.microsoft.com/office/drawing/2014/main" id="{8244E408-6DAE-4FFE-B4CE-DCAD4BE72F1C}"/>
+              </a:ext>
+            </a:extLst>
+          </p:cNvPr>
+          <p:cNvSpPr txBox="1"/>
+          <p:nvPr/>
+        </p:nvSpPr>
+        <p:spPr>
+          <a:xfrm>
+            <a:off x="3405892" y="1835904"/>
+            <a:ext cx="1338828" cy="369332"/>
+          </a:xfrm>
+          <a:prstGeom prst="rect">
+            <a:avLst/>
+          </a:prstGeom>
+          <a:noFill/>
+        </p:spPr>
+        <p:txBody>
+          <a:bodyPr wrap="none" rtlCol="0">
+            <a:spAutoFit/>
+          </a:bodyPr>
+          <a:lstStyle/>
+          <a:p>
+            <a:r>
+              <a:rPr kumimoji="1" lang="ja-JP" altLang="en-US" dirty="0"/>
+              <a:t>認証サーバ</a:t>
+            </a:r>
+          </a:p>
+        </p:txBody>
+      </p:sp>
+      <p:cxnSp>
+        <p:nvCxnSpPr>
+          <p:cNvPr id="7" name="直線矢印コネクタ 6">
+            <a:extLst>
+              <a:ext uri="{FF2B5EF4-FFF2-40B4-BE49-F238E27FC236}">
+                <a16:creationId xmlns:a16="http://schemas.microsoft.com/office/drawing/2014/main" id="{0A92E87E-3770-42FB-B503-E8A2E451BE94}"/>
+              </a:ext>
+            </a:extLst>
+          </p:cNvPr>
+          <p:cNvCxnSpPr/>
+          <p:nvPr/>
+        </p:nvCxnSpPr>
+        <p:spPr>
+          <a:xfrm>
+            <a:off x="1691640" y="1028700"/>
+            <a:ext cx="1805940" cy="0"/>
+          </a:xfrm>
+          <a:prstGeom prst="straightConnector1">
+            <a:avLst/>
+          </a:prstGeom>
+          <a:ln w="34925">
+            <a:headEnd w="lg" len="lg"/>
+            <a:tailEnd type="triangle" w="lg" len="lg"/>
+          </a:ln>
+        </p:spPr>
+        <p:style>
+          <a:lnRef idx="3">
+            <a:schemeClr val="dk1"/>
+          </a:lnRef>
+          <a:fillRef idx="0">
+            <a:schemeClr val="dk1"/>
+          </a:fillRef>
+          <a:effectRef idx="2">
+            <a:schemeClr val="dk1"/>
+          </a:effectRef>
+          <a:fontRef idx="minor">
+            <a:schemeClr val="tx1"/>
+          </a:fontRef>
+        </p:style>
+      </p:cxnSp>
+      <p:sp>
+        <p:nvSpPr>
+          <p:cNvPr id="8" name="テキスト ボックス 7">
+            <a:extLst>
+              <a:ext uri="{FF2B5EF4-FFF2-40B4-BE49-F238E27FC236}">
+                <a16:creationId xmlns:a16="http://schemas.microsoft.com/office/drawing/2014/main" id="{30A3D7F2-08B6-47DD-8222-D8A661F23F6C}"/>
+              </a:ext>
+            </a:extLst>
+          </p:cNvPr>
+          <p:cNvSpPr txBox="1"/>
+          <p:nvPr/>
+        </p:nvSpPr>
+        <p:spPr>
+          <a:xfrm>
+            <a:off x="1422192" y="644902"/>
+            <a:ext cx="2262158" cy="369332"/>
+          </a:xfrm>
+          <a:prstGeom prst="rect">
+            <a:avLst/>
+          </a:prstGeom>
+          <a:noFill/>
+        </p:spPr>
+        <p:txBody>
+          <a:bodyPr wrap="none" rtlCol="0">
+            <a:spAutoFit/>
+          </a:bodyPr>
+          <a:lstStyle/>
+          <a:p>
+            <a:r>
+              <a:rPr kumimoji="1" lang="ja-JP" altLang="en-US" dirty="0"/>
+              <a:t>①パスワードの送信</a:t>
+            </a:r>
+          </a:p>
+        </p:txBody>
+      </p:sp>
+      <p:sp>
+        <p:nvSpPr>
+          <p:cNvPr id="9" name="テキスト ボックス 8">
+            <a:extLst>
+              <a:ext uri="{FF2B5EF4-FFF2-40B4-BE49-F238E27FC236}">
+                <a16:creationId xmlns:a16="http://schemas.microsoft.com/office/drawing/2014/main" id="{A961CF1E-7454-46AF-A148-C030383CD223}"/>
+              </a:ext>
+            </a:extLst>
+          </p:cNvPr>
+          <p:cNvSpPr txBox="1"/>
+          <p:nvPr/>
+        </p:nvSpPr>
+        <p:spPr>
+          <a:xfrm>
+            <a:off x="4255690" y="679192"/>
+            <a:ext cx="4801314" cy="646331"/>
+          </a:xfrm>
+          <a:prstGeom prst="rect">
+            <a:avLst/>
+          </a:prstGeom>
+          <a:noFill/>
+        </p:spPr>
+        <p:txBody>
+          <a:bodyPr wrap="none" rtlCol="0">
+            <a:spAutoFit/>
+          </a:bodyPr>
+          <a:lstStyle/>
+          <a:p>
+            <a:r>
+              <a:rPr kumimoji="1" lang="ja-JP" altLang="en-US" dirty="0"/>
+              <a:t>②入力されたパスワードのハッシュ値を計算</a:t>
+            </a:r>
+            <a:endParaRPr kumimoji="1" lang="en-US" altLang="ja-JP" dirty="0"/>
+          </a:p>
+          <a:p>
+            <a:r>
+              <a:rPr kumimoji="1" lang="ja-JP" altLang="en-US" dirty="0"/>
+              <a:t>③登録されたパスワードハッシュ値との比較</a:t>
+            </a:r>
+          </a:p>
+        </p:txBody>
+      </p:sp>
+      <p:cxnSp>
+        <p:nvCxnSpPr>
+          <p:cNvPr id="10" name="直線矢印コネクタ 9">
+            <a:extLst>
+              <a:ext uri="{FF2B5EF4-FFF2-40B4-BE49-F238E27FC236}">
+                <a16:creationId xmlns:a16="http://schemas.microsoft.com/office/drawing/2014/main" id="{4D17BDB1-28B5-42D1-B6F5-C0D798E37DB9}"/>
+              </a:ext>
+            </a:extLst>
+          </p:cNvPr>
+          <p:cNvCxnSpPr>
+            <a:cxnSpLocks/>
+          </p:cNvCxnSpPr>
+          <p:nvPr/>
+        </p:nvCxnSpPr>
+        <p:spPr>
+          <a:xfrm flipH="1" flipV="1">
+            <a:off x="1724026" y="1417835"/>
+            <a:ext cx="1773554" cy="14468"/>
+          </a:xfrm>
+          <a:prstGeom prst="straightConnector1">
+            <a:avLst/>
+          </a:prstGeom>
+          <a:ln w="34925">
+            <a:headEnd w="lg" len="lg"/>
+            <a:tailEnd type="triangle" w="lg" len="lg"/>
+          </a:ln>
+        </p:spPr>
+        <p:style>
+          <a:lnRef idx="3">
+            <a:schemeClr val="dk1"/>
+          </a:lnRef>
+          <a:fillRef idx="0">
+            <a:schemeClr val="dk1"/>
+          </a:fillRef>
+          <a:effectRef idx="2">
+            <a:schemeClr val="dk1"/>
+          </a:effectRef>
+          <a:fontRef idx="minor">
+            <a:schemeClr val="tx1"/>
+          </a:fontRef>
+        </p:style>
+      </p:cxnSp>
+      <p:sp>
+        <p:nvSpPr>
+          <p:cNvPr id="11" name="テキスト ボックス 10">
+            <a:extLst>
+              <a:ext uri="{FF2B5EF4-FFF2-40B4-BE49-F238E27FC236}">
+                <a16:creationId xmlns:a16="http://schemas.microsoft.com/office/drawing/2014/main" id="{DB2B7201-5391-48E6-A33F-81C7B46B778A}"/>
+              </a:ext>
+            </a:extLst>
+          </p:cNvPr>
+          <p:cNvSpPr txBox="1"/>
+          <p:nvPr/>
+        </p:nvSpPr>
+        <p:spPr>
+          <a:xfrm>
+            <a:off x="1925196" y="1445249"/>
+            <a:ext cx="1338828" cy="369332"/>
+          </a:xfrm>
+          <a:prstGeom prst="rect">
+            <a:avLst/>
+          </a:prstGeom>
+          <a:noFill/>
+        </p:spPr>
+        <p:txBody>
+          <a:bodyPr wrap="none" rtlCol="0">
+            <a:spAutoFit/>
+          </a:bodyPr>
+          <a:lstStyle/>
+          <a:p>
+            <a:r>
+              <a:rPr lang="ja-JP" altLang="en-US" dirty="0"/>
+              <a:t>④</a:t>
+            </a:r>
+            <a:r>
+              <a:rPr kumimoji="1" lang="ja-JP" altLang="en-US" dirty="0"/>
+              <a:t>認証結果</a:t>
+            </a:r>
+          </a:p>
+        </p:txBody>
+      </p:sp>
+      <p:sp>
+        <p:nvSpPr>
+          <p:cNvPr id="12" name="楕円 11">
+            <a:extLst>
+              <a:ext uri="{FF2B5EF4-FFF2-40B4-BE49-F238E27FC236}">
+                <a16:creationId xmlns:a16="http://schemas.microsoft.com/office/drawing/2014/main" id="{9E3D67E7-1A04-4F1E-98FF-C47ED87BC75A}"/>
+              </a:ext>
+            </a:extLst>
+          </p:cNvPr>
+          <p:cNvSpPr/>
+          <p:nvPr/>
+        </p:nvSpPr>
+        <p:spPr>
+          <a:xfrm>
+            <a:off x="7551420" y="381000"/>
+            <a:ext cx="1470660" cy="487680"/>
+          </a:xfrm>
+          <a:prstGeom prst="ellipse">
+            <a:avLst/>
+          </a:prstGeom>
+        </p:spPr>
+        <p:style>
+          <a:lnRef idx="2">
+            <a:schemeClr val="accent1">
+              <a:shade val="50000"/>
+            </a:schemeClr>
+          </a:lnRef>
+          <a:fillRef idx="1">
+            <a:schemeClr val="accent1"/>
+          </a:fillRef>
+          <a:effectRef idx="0">
+            <a:schemeClr val="accent1"/>
+          </a:effectRef>
+          <a:fontRef idx="minor">
+            <a:schemeClr val="lt1"/>
+          </a:fontRef>
+        </p:style>
+        <p:txBody>
+          <a:bodyPr rtlCol="0" anchor="ctr"/>
+          <a:lstStyle/>
+          <a:p>
+            <a:pPr algn="ctr"/>
+            <a:r>
+              <a:rPr kumimoji="1" lang="ja-JP" altLang="en-US" dirty="0"/>
+              <a:t>図</a:t>
+            </a:r>
+            <a:r>
+              <a:rPr kumimoji="1" lang="en-US" altLang="ja-JP" dirty="0"/>
+              <a:t>2</a:t>
+            </a:r>
+            <a:endParaRPr kumimoji="1" lang="ja-JP" altLang="en-US" dirty="0"/>
+          </a:p>
+        </p:txBody>
+      </p:sp>
+    </p:spTree>
+    <p:extLst>
+      <p:ext uri="{BB962C8B-B14F-4D97-AF65-F5344CB8AC3E}">
+        <p14:creationId xmlns:p14="http://schemas.microsoft.com/office/powerpoint/2010/main" val="2538356340"/>
       </p:ext>
     </p:extLst>
   </p:cSld>

--- a/図表用.pptx
+++ b/図表用.pptx
@@ -7,6 +7,8 @@
   <p:sldIdLst>
     <p:sldId id="257" r:id="rId2"/>
     <p:sldId id="258" r:id="rId3"/>
+    <p:sldId id="259" r:id="rId4"/>
+    <p:sldId id="260" r:id="rId5"/>
   </p:sldIdLst>
   <p:sldSz cx="12192000" cy="6858000"/>
   <p:notesSz cx="6858000" cy="9144000"/>
@@ -105,6 +107,11 @@
       </a:defRPr>
     </a:lvl9pPr>
   </p:defaultTextStyle>
+  <p:extLst>
+    <p:ext uri="{EFAFB233-063F-42B5-8137-9DF3F51BA10A}">
+      <p15:sldGuideLst xmlns:p15="http://schemas.microsoft.com/office/powerpoint/2012/main"/>
+    </p:ext>
+  </p:extLst>
 </p:presentation>
 </file>
 
@@ -255,7 +262,7 @@
           <a:p>
             <a:fld id="{DB509FEB-E92A-4D01-B810-C30A9B8B75F2}" type="datetimeFigureOut">
               <a:rPr kumimoji="1" lang="ja-JP" altLang="en-US" smtClean="0"/>
-              <a:t>2021/2/28</a:t>
+              <a:t>2021/3/16</a:t>
             </a:fld>
             <a:endParaRPr kumimoji="1" lang="ja-JP" altLang="en-US" dirty="0"/>
           </a:p>
@@ -485,7 +492,7 @@
           <a:p>
             <a:fld id="{DB509FEB-E92A-4D01-B810-C30A9B8B75F2}" type="datetimeFigureOut">
               <a:rPr kumimoji="1" lang="ja-JP" altLang="en-US" smtClean="0"/>
-              <a:t>2021/2/28</a:t>
+              <a:t>2021/3/16</a:t>
             </a:fld>
             <a:endParaRPr kumimoji="1" lang="ja-JP" altLang="en-US" dirty="0"/>
           </a:p>
@@ -725,7 +732,7 @@
           <a:p>
             <a:fld id="{DB509FEB-E92A-4D01-B810-C30A9B8B75F2}" type="datetimeFigureOut">
               <a:rPr kumimoji="1" lang="ja-JP" altLang="en-US" smtClean="0"/>
-              <a:t>2021/2/28</a:t>
+              <a:t>2021/3/16</a:t>
             </a:fld>
             <a:endParaRPr kumimoji="1" lang="ja-JP" altLang="en-US" dirty="0"/>
           </a:p>
@@ -955,7 +962,7 @@
           <a:p>
             <a:fld id="{DB509FEB-E92A-4D01-B810-C30A9B8B75F2}" type="datetimeFigureOut">
               <a:rPr kumimoji="1" lang="ja-JP" altLang="en-US" smtClean="0"/>
-              <a:t>2021/2/28</a:t>
+              <a:t>2021/3/16</a:t>
             </a:fld>
             <a:endParaRPr kumimoji="1" lang="ja-JP" altLang="en-US" dirty="0"/>
           </a:p>
@@ -1230,7 +1237,7 @@
           <a:p>
             <a:fld id="{DB509FEB-E92A-4D01-B810-C30A9B8B75F2}" type="datetimeFigureOut">
               <a:rPr kumimoji="1" lang="ja-JP" altLang="en-US" smtClean="0"/>
-              <a:t>2021/2/28</a:t>
+              <a:t>2021/3/16</a:t>
             </a:fld>
             <a:endParaRPr kumimoji="1" lang="ja-JP" altLang="en-US" dirty="0"/>
           </a:p>
@@ -1559,7 +1566,7 @@
           <a:p>
             <a:fld id="{DB509FEB-E92A-4D01-B810-C30A9B8B75F2}" type="datetimeFigureOut">
               <a:rPr kumimoji="1" lang="ja-JP" altLang="en-US" smtClean="0"/>
-              <a:t>2021/2/28</a:t>
+              <a:t>2021/3/16</a:t>
             </a:fld>
             <a:endParaRPr kumimoji="1" lang="ja-JP" altLang="en-US" dirty="0"/>
           </a:p>
@@ -2035,7 +2042,7 @@
           <a:p>
             <a:fld id="{DB509FEB-E92A-4D01-B810-C30A9B8B75F2}" type="datetimeFigureOut">
               <a:rPr kumimoji="1" lang="ja-JP" altLang="en-US" smtClean="0"/>
-              <a:t>2021/2/28</a:t>
+              <a:t>2021/3/16</a:t>
             </a:fld>
             <a:endParaRPr kumimoji="1" lang="ja-JP" altLang="en-US" dirty="0"/>
           </a:p>
@@ -2176,7 +2183,7 @@
           <a:p>
             <a:fld id="{DB509FEB-E92A-4D01-B810-C30A9B8B75F2}" type="datetimeFigureOut">
               <a:rPr kumimoji="1" lang="ja-JP" altLang="en-US" smtClean="0"/>
-              <a:t>2021/2/28</a:t>
+              <a:t>2021/3/16</a:t>
             </a:fld>
             <a:endParaRPr kumimoji="1" lang="ja-JP" altLang="en-US" dirty="0"/>
           </a:p>
@@ -2289,7 +2296,7 @@
           <a:p>
             <a:fld id="{DB509FEB-E92A-4D01-B810-C30A9B8B75F2}" type="datetimeFigureOut">
               <a:rPr kumimoji="1" lang="ja-JP" altLang="en-US" smtClean="0"/>
-              <a:t>2021/2/28</a:t>
+              <a:t>2021/3/16</a:t>
             </a:fld>
             <a:endParaRPr kumimoji="1" lang="ja-JP" altLang="en-US" dirty="0"/>
           </a:p>
@@ -2632,7 +2639,7 @@
           <a:p>
             <a:fld id="{DB509FEB-E92A-4D01-B810-C30A9B8B75F2}" type="datetimeFigureOut">
               <a:rPr kumimoji="1" lang="ja-JP" altLang="en-US" smtClean="0"/>
-              <a:t>2021/2/28</a:t>
+              <a:t>2021/3/16</a:t>
             </a:fld>
             <a:endParaRPr kumimoji="1" lang="ja-JP" altLang="en-US" dirty="0"/>
           </a:p>
@@ -2920,7 +2927,7 @@
           <a:p>
             <a:fld id="{DB509FEB-E92A-4D01-B810-C30A9B8B75F2}" type="datetimeFigureOut">
               <a:rPr kumimoji="1" lang="ja-JP" altLang="en-US" smtClean="0"/>
-              <a:t>2021/2/28</a:t>
+              <a:t>2021/3/16</a:t>
             </a:fld>
             <a:endParaRPr kumimoji="1" lang="ja-JP" altLang="en-US" dirty="0"/>
           </a:p>
@@ -3193,7 +3200,7 @@
           <a:p>
             <a:fld id="{DB509FEB-E92A-4D01-B810-C30A9B8B75F2}" type="datetimeFigureOut">
               <a:rPr kumimoji="1" lang="ja-JP" altLang="en-US" smtClean="0"/>
-              <a:t>2021/2/28</a:t>
+              <a:t>2021/3/16</a:t>
             </a:fld>
             <a:endParaRPr kumimoji="1" lang="ja-JP" altLang="en-US" dirty="0"/>
           </a:p>
@@ -5250,6 +5257,1706 @@
 </p:sld>
 </file>
 
+<file path=ppt/slides/slide3.xml><?xml version="1.0" encoding="utf-8"?>
+<p:sld xmlns:a="http://schemas.openxmlformats.org/drawingml/2006/main" xmlns:r="http://schemas.openxmlformats.org/officeDocument/2006/relationships" xmlns:p="http://schemas.openxmlformats.org/presentationml/2006/main">
+  <p:cSld>
+    <p:spTree>
+      <p:nvGrpSpPr>
+        <p:cNvPr id="1" name=""/>
+        <p:cNvGrpSpPr/>
+        <p:nvPr/>
+      </p:nvGrpSpPr>
+      <p:grpSpPr>
+        <a:xfrm>
+          <a:off x="0" y="0"/>
+          <a:ext cx="0" cy="0"/>
+          <a:chOff x="0" y="0"/>
+          <a:chExt cx="0" cy="0"/>
+        </a:xfrm>
+      </p:grpSpPr>
+      <p:sp>
+        <p:nvSpPr>
+          <p:cNvPr id="4" name="正方形/長方形 3">
+            <a:extLst>
+              <a:ext uri="{FF2B5EF4-FFF2-40B4-BE49-F238E27FC236}">
+                <a16:creationId xmlns:a16="http://schemas.microsoft.com/office/drawing/2014/main" id="{5E3252EC-94AE-49D4-B67C-E6E099C3F471}"/>
+              </a:ext>
+            </a:extLst>
+          </p:cNvPr>
+          <p:cNvSpPr/>
+          <p:nvPr/>
+        </p:nvSpPr>
+        <p:spPr>
+          <a:xfrm>
+            <a:off x="4866640" y="2296160"/>
+            <a:ext cx="4826000" cy="2184400"/>
+          </a:xfrm>
+          <a:prstGeom prst="rect">
+            <a:avLst/>
+          </a:prstGeom>
+          <a:ln>
+            <a:prstDash val="dash"/>
+          </a:ln>
+        </p:spPr>
+        <p:style>
+          <a:lnRef idx="2">
+            <a:schemeClr val="dk1"/>
+          </a:lnRef>
+          <a:fillRef idx="1">
+            <a:schemeClr val="lt1"/>
+          </a:fillRef>
+          <a:effectRef idx="0">
+            <a:schemeClr val="dk1"/>
+          </a:effectRef>
+          <a:fontRef idx="minor">
+            <a:schemeClr val="dk1"/>
+          </a:fontRef>
+        </p:style>
+        <p:txBody>
+          <a:bodyPr rtlCol="0" anchor="ctr"/>
+          <a:lstStyle/>
+          <a:p>
+            <a:pPr algn="ctr"/>
+            <a:endParaRPr kumimoji="1" lang="ja-JP" altLang="en-US" dirty="0"/>
+          </a:p>
+        </p:txBody>
+      </p:sp>
+      <p:sp>
+        <p:nvSpPr>
+          <p:cNvPr id="2" name="フリーフォーム: 図形 1">
+            <a:extLst>
+              <a:ext uri="{FF2B5EF4-FFF2-40B4-BE49-F238E27FC236}">
+                <a16:creationId xmlns:a16="http://schemas.microsoft.com/office/drawing/2014/main" id="{4CEFA39F-29DE-456E-B4A0-DAEE8C89A9CF}"/>
+              </a:ext>
+            </a:extLst>
+          </p:cNvPr>
+          <p:cNvSpPr/>
+          <p:nvPr/>
+        </p:nvSpPr>
+        <p:spPr>
+          <a:xfrm>
+            <a:off x="7823200" y="3201670"/>
+            <a:ext cx="480060" cy="777240"/>
+          </a:xfrm>
+          <a:custGeom>
+            <a:avLst/>
+            <a:gdLst>
+              <a:gd name="connsiteX0" fmla="*/ 240030 w 480060"/>
+              <a:gd name="connsiteY0" fmla="*/ 0 h 777240"/>
+              <a:gd name="connsiteX1" fmla="*/ 422910 w 480060"/>
+              <a:gd name="connsiteY1" fmla="*/ 240030 h 777240"/>
+              <a:gd name="connsiteX2" fmla="*/ 369346 w 480060"/>
+              <a:gd name="connsiteY2" fmla="*/ 409757 h 777240"/>
+              <a:gd name="connsiteX3" fmla="*/ 318719 w 480060"/>
+              <a:gd name="connsiteY3" fmla="*/ 454557 h 777240"/>
+              <a:gd name="connsiteX4" fmla="*/ 480060 w 480060"/>
+              <a:gd name="connsiteY4" fmla="*/ 777240 h 777240"/>
+              <a:gd name="connsiteX5" fmla="*/ 0 w 480060"/>
+              <a:gd name="connsiteY5" fmla="*/ 777240 h 777240"/>
+              <a:gd name="connsiteX6" fmla="*/ 161341 w 480060"/>
+              <a:gd name="connsiteY6" fmla="*/ 454557 h 777240"/>
+              <a:gd name="connsiteX7" fmla="*/ 110714 w 480060"/>
+              <a:gd name="connsiteY7" fmla="*/ 409757 h 777240"/>
+              <a:gd name="connsiteX8" fmla="*/ 57150 w 480060"/>
+              <a:gd name="connsiteY8" fmla="*/ 240030 h 777240"/>
+              <a:gd name="connsiteX9" fmla="*/ 240030 w 480060"/>
+              <a:gd name="connsiteY9" fmla="*/ 0 h 777240"/>
+            </a:gdLst>
+            <a:ahLst/>
+            <a:cxnLst>
+              <a:cxn ang="0">
+                <a:pos x="connsiteX0" y="connsiteY0"/>
+              </a:cxn>
+              <a:cxn ang="0">
+                <a:pos x="connsiteX1" y="connsiteY1"/>
+              </a:cxn>
+              <a:cxn ang="0">
+                <a:pos x="connsiteX2" y="connsiteY2"/>
+              </a:cxn>
+              <a:cxn ang="0">
+                <a:pos x="connsiteX3" y="connsiteY3"/>
+              </a:cxn>
+              <a:cxn ang="0">
+                <a:pos x="connsiteX4" y="connsiteY4"/>
+              </a:cxn>
+              <a:cxn ang="0">
+                <a:pos x="connsiteX5" y="connsiteY5"/>
+              </a:cxn>
+              <a:cxn ang="0">
+                <a:pos x="connsiteX6" y="connsiteY6"/>
+              </a:cxn>
+              <a:cxn ang="0">
+                <a:pos x="connsiteX7" y="connsiteY7"/>
+              </a:cxn>
+              <a:cxn ang="0">
+                <a:pos x="connsiteX8" y="connsiteY8"/>
+              </a:cxn>
+              <a:cxn ang="0">
+                <a:pos x="connsiteX9" y="connsiteY9"/>
+              </a:cxn>
+            </a:cxnLst>
+            <a:rect l="l" t="t" r="r" b="b"/>
+            <a:pathLst>
+              <a:path w="480060" h="777240">
+                <a:moveTo>
+                  <a:pt x="240030" y="0"/>
+                </a:moveTo>
+                <a:cubicBezTo>
+                  <a:pt x="341032" y="0"/>
+                  <a:pt x="422910" y="107465"/>
+                  <a:pt x="422910" y="240030"/>
+                </a:cubicBezTo>
+                <a:cubicBezTo>
+                  <a:pt x="422910" y="306313"/>
+                  <a:pt x="402441" y="366320"/>
+                  <a:pt x="369346" y="409757"/>
+                </a:cubicBezTo>
+                <a:lnTo>
+                  <a:pt x="318719" y="454557"/>
+                </a:lnTo>
+                <a:lnTo>
+                  <a:pt x="480060" y="777240"/>
+                </a:lnTo>
+                <a:lnTo>
+                  <a:pt x="0" y="777240"/>
+                </a:lnTo>
+                <a:lnTo>
+                  <a:pt x="161341" y="454557"/>
+                </a:lnTo>
+                <a:lnTo>
+                  <a:pt x="110714" y="409757"/>
+                </a:lnTo>
+                <a:cubicBezTo>
+                  <a:pt x="77620" y="366320"/>
+                  <a:pt x="57150" y="306313"/>
+                  <a:pt x="57150" y="240030"/>
+                </a:cubicBezTo>
+                <a:cubicBezTo>
+                  <a:pt x="57150" y="107465"/>
+                  <a:pt x="139028" y="0"/>
+                  <a:pt x="240030" y="0"/>
+                </a:cubicBezTo>
+                <a:close/>
+              </a:path>
+            </a:pathLst>
+          </a:custGeom>
+        </p:spPr>
+        <p:style>
+          <a:lnRef idx="2">
+            <a:schemeClr val="dk1">
+              <a:shade val="50000"/>
+            </a:schemeClr>
+          </a:lnRef>
+          <a:fillRef idx="1">
+            <a:schemeClr val="dk1"/>
+          </a:fillRef>
+          <a:effectRef idx="0">
+            <a:schemeClr val="dk1"/>
+          </a:effectRef>
+          <a:fontRef idx="minor">
+            <a:schemeClr val="lt1"/>
+          </a:fontRef>
+        </p:style>
+        <p:txBody>
+          <a:bodyPr rtlCol="0" anchor="ctr"/>
+          <a:lstStyle/>
+          <a:p>
+            <a:pPr algn="ctr"/>
+            <a:endParaRPr kumimoji="1" lang="ja-JP" altLang="en-US" dirty="0"/>
+          </a:p>
+        </p:txBody>
+      </p:sp>
+      <p:sp>
+        <p:nvSpPr>
+          <p:cNvPr id="3" name="正方形/長方形 2">
+            <a:extLst>
+              <a:ext uri="{FF2B5EF4-FFF2-40B4-BE49-F238E27FC236}">
+                <a16:creationId xmlns:a16="http://schemas.microsoft.com/office/drawing/2014/main" id="{CAC20756-FDD0-4C5E-BC5D-0B6D17568CD3}"/>
+              </a:ext>
+            </a:extLst>
+          </p:cNvPr>
+          <p:cNvSpPr/>
+          <p:nvPr/>
+        </p:nvSpPr>
+        <p:spPr>
+          <a:xfrm>
+            <a:off x="6797040" y="3629660"/>
+            <a:ext cx="690880" cy="401320"/>
+          </a:xfrm>
+          <a:prstGeom prst="rect">
+            <a:avLst/>
+          </a:prstGeom>
+        </p:spPr>
+        <p:style>
+          <a:lnRef idx="2">
+            <a:schemeClr val="dk1">
+              <a:shade val="50000"/>
+            </a:schemeClr>
+          </a:lnRef>
+          <a:fillRef idx="1">
+            <a:schemeClr val="dk1"/>
+          </a:fillRef>
+          <a:effectRef idx="0">
+            <a:schemeClr val="dk1"/>
+          </a:effectRef>
+          <a:fontRef idx="minor">
+            <a:schemeClr val="lt1"/>
+          </a:fontRef>
+        </p:style>
+        <p:txBody>
+          <a:bodyPr rtlCol="0" anchor="ctr"/>
+          <a:lstStyle/>
+          <a:p>
+            <a:pPr algn="ctr"/>
+            <a:r>
+              <a:rPr kumimoji="1" lang="en-US" altLang="ja-JP" dirty="0"/>
+              <a:t>PC</a:t>
+            </a:r>
+            <a:endParaRPr kumimoji="1" lang="ja-JP" altLang="en-US" dirty="0"/>
+          </a:p>
+        </p:txBody>
+      </p:sp>
+      <p:sp>
+        <p:nvSpPr>
+          <p:cNvPr id="6" name="正方形/長方形 5">
+            <a:extLst>
+              <a:ext uri="{FF2B5EF4-FFF2-40B4-BE49-F238E27FC236}">
+                <a16:creationId xmlns:a16="http://schemas.microsoft.com/office/drawing/2014/main" id="{3E7675FA-5060-4D11-8BCC-F3C6EDD564E9}"/>
+              </a:ext>
+            </a:extLst>
+          </p:cNvPr>
+          <p:cNvSpPr/>
+          <p:nvPr/>
+        </p:nvSpPr>
+        <p:spPr>
+          <a:xfrm>
+            <a:off x="1859280" y="4480560"/>
+            <a:ext cx="2143760" cy="1290320"/>
+          </a:xfrm>
+          <a:prstGeom prst="rect">
+            <a:avLst/>
+          </a:prstGeom>
+          <a:ln>
+            <a:prstDash val="dash"/>
+          </a:ln>
+        </p:spPr>
+        <p:style>
+          <a:lnRef idx="2">
+            <a:schemeClr val="dk1"/>
+          </a:lnRef>
+          <a:fillRef idx="1">
+            <a:schemeClr val="lt1"/>
+          </a:fillRef>
+          <a:effectRef idx="0">
+            <a:schemeClr val="dk1"/>
+          </a:effectRef>
+          <a:fontRef idx="minor">
+            <a:schemeClr val="dk1"/>
+          </a:fontRef>
+        </p:style>
+        <p:txBody>
+          <a:bodyPr rtlCol="0" anchor="ctr"/>
+          <a:lstStyle/>
+          <a:p>
+            <a:pPr algn="ctr"/>
+            <a:endParaRPr kumimoji="1" lang="ja-JP" altLang="en-US"/>
+          </a:p>
+        </p:txBody>
+      </p:sp>
+      <p:sp>
+        <p:nvSpPr>
+          <p:cNvPr id="7" name="正方形/長方形 6">
+            <a:extLst>
+              <a:ext uri="{FF2B5EF4-FFF2-40B4-BE49-F238E27FC236}">
+                <a16:creationId xmlns:a16="http://schemas.microsoft.com/office/drawing/2014/main" id="{E6C55F1C-3E18-4C2C-BF84-1C05E0497E24}"/>
+              </a:ext>
+            </a:extLst>
+          </p:cNvPr>
+          <p:cNvSpPr/>
+          <p:nvPr/>
+        </p:nvSpPr>
+        <p:spPr>
+          <a:xfrm>
+            <a:off x="2743200" y="5055870"/>
+            <a:ext cx="690880" cy="562610"/>
+          </a:xfrm>
+          <a:prstGeom prst="rect">
+            <a:avLst/>
+          </a:prstGeom>
+        </p:spPr>
+        <p:style>
+          <a:lnRef idx="2">
+            <a:schemeClr val="dk1">
+              <a:shade val="50000"/>
+            </a:schemeClr>
+          </a:lnRef>
+          <a:fillRef idx="1">
+            <a:schemeClr val="dk1"/>
+          </a:fillRef>
+          <a:effectRef idx="0">
+            <a:schemeClr val="dk1"/>
+          </a:effectRef>
+          <a:fontRef idx="minor">
+            <a:schemeClr val="lt1"/>
+          </a:fontRef>
+        </p:style>
+        <p:txBody>
+          <a:bodyPr rtlCol="0" anchor="ctr"/>
+          <a:lstStyle/>
+          <a:p>
+            <a:pPr algn="ctr"/>
+            <a:r>
+              <a:rPr kumimoji="1" lang="ja-JP" altLang="en-US" dirty="0"/>
+              <a:t>自宅</a:t>
+            </a:r>
+            <a:r>
+              <a:rPr kumimoji="1" lang="en-US" altLang="ja-JP" dirty="0"/>
+              <a:t>PC</a:t>
+            </a:r>
+            <a:endParaRPr kumimoji="1" lang="ja-JP" altLang="en-US" dirty="0"/>
+          </a:p>
+        </p:txBody>
+      </p:sp>
+      <p:cxnSp>
+        <p:nvCxnSpPr>
+          <p:cNvPr id="9" name="直線コネクタ 8">
+            <a:extLst>
+              <a:ext uri="{FF2B5EF4-FFF2-40B4-BE49-F238E27FC236}">
+                <a16:creationId xmlns:a16="http://schemas.microsoft.com/office/drawing/2014/main" id="{DA1188A7-C663-4A3E-A1CD-200E39783243}"/>
+              </a:ext>
+            </a:extLst>
+          </p:cNvPr>
+          <p:cNvCxnSpPr>
+            <a:stCxn id="6" idx="3"/>
+          </p:cNvCxnSpPr>
+          <p:nvPr/>
+        </p:nvCxnSpPr>
+        <p:spPr>
+          <a:xfrm flipV="1">
+            <a:off x="4003040" y="4236720"/>
+            <a:ext cx="863600" cy="889000"/>
+          </a:xfrm>
+          <a:prstGeom prst="line">
+            <a:avLst/>
+          </a:prstGeom>
+        </p:spPr>
+        <p:style>
+          <a:lnRef idx="1">
+            <a:schemeClr val="accent1"/>
+          </a:lnRef>
+          <a:fillRef idx="0">
+            <a:schemeClr val="accent1"/>
+          </a:fillRef>
+          <a:effectRef idx="0">
+            <a:schemeClr val="accent1"/>
+          </a:effectRef>
+          <a:fontRef idx="minor">
+            <a:schemeClr val="tx1"/>
+          </a:fontRef>
+        </p:style>
+      </p:cxnSp>
+      <p:sp>
+        <p:nvSpPr>
+          <p:cNvPr id="10" name="正方形/長方形 9">
+            <a:extLst>
+              <a:ext uri="{FF2B5EF4-FFF2-40B4-BE49-F238E27FC236}">
+                <a16:creationId xmlns:a16="http://schemas.microsoft.com/office/drawing/2014/main" id="{CE5FF5E9-1478-4CBB-B56B-A1612DE8E43F}"/>
+              </a:ext>
+            </a:extLst>
+          </p:cNvPr>
+          <p:cNvSpPr/>
+          <p:nvPr/>
+        </p:nvSpPr>
+        <p:spPr>
+          <a:xfrm>
+            <a:off x="5161280" y="3429000"/>
+            <a:ext cx="690880" cy="601980"/>
+          </a:xfrm>
+          <a:prstGeom prst="rect">
+            <a:avLst/>
+          </a:prstGeom>
+        </p:spPr>
+        <p:style>
+          <a:lnRef idx="2">
+            <a:schemeClr val="dk1">
+              <a:shade val="50000"/>
+            </a:schemeClr>
+          </a:lnRef>
+          <a:fillRef idx="1">
+            <a:schemeClr val="dk1"/>
+          </a:fillRef>
+          <a:effectRef idx="0">
+            <a:schemeClr val="dk1"/>
+          </a:effectRef>
+          <a:fontRef idx="minor">
+            <a:schemeClr val="lt1"/>
+          </a:fontRef>
+        </p:style>
+        <p:txBody>
+          <a:bodyPr rtlCol="0" anchor="ctr"/>
+          <a:lstStyle/>
+          <a:p>
+            <a:pPr algn="ctr"/>
+            <a:r>
+              <a:rPr kumimoji="1" lang="ja-JP" altLang="en-US" dirty="0"/>
+              <a:t>他の</a:t>
+            </a:r>
+            <a:r>
+              <a:rPr kumimoji="1" lang="en-US" altLang="ja-JP" dirty="0"/>
+              <a:t>PC</a:t>
+            </a:r>
+            <a:endParaRPr kumimoji="1" lang="ja-JP" altLang="en-US" dirty="0"/>
+          </a:p>
+        </p:txBody>
+      </p:sp>
+      <p:sp>
+        <p:nvSpPr>
+          <p:cNvPr id="11" name="正方形/長方形 10">
+            <a:extLst>
+              <a:ext uri="{FF2B5EF4-FFF2-40B4-BE49-F238E27FC236}">
+                <a16:creationId xmlns:a16="http://schemas.microsoft.com/office/drawing/2014/main" id="{E2D25D4E-D091-4242-9923-E25A56FE1A5E}"/>
+              </a:ext>
+            </a:extLst>
+          </p:cNvPr>
+          <p:cNvSpPr/>
+          <p:nvPr/>
+        </p:nvSpPr>
+        <p:spPr>
+          <a:xfrm>
+            <a:off x="8303260" y="2447925"/>
+            <a:ext cx="1016000" cy="601980"/>
+          </a:xfrm>
+          <a:prstGeom prst="rect">
+            <a:avLst/>
+          </a:prstGeom>
+        </p:spPr>
+        <p:style>
+          <a:lnRef idx="2">
+            <a:schemeClr val="dk1">
+              <a:shade val="50000"/>
+            </a:schemeClr>
+          </a:lnRef>
+          <a:fillRef idx="1">
+            <a:schemeClr val="dk1"/>
+          </a:fillRef>
+          <a:effectRef idx="0">
+            <a:schemeClr val="dk1"/>
+          </a:effectRef>
+          <a:fontRef idx="minor">
+            <a:schemeClr val="lt1"/>
+          </a:fontRef>
+        </p:style>
+        <p:txBody>
+          <a:bodyPr rtlCol="0" anchor="ctr"/>
+          <a:lstStyle/>
+          <a:p>
+            <a:pPr algn="ctr"/>
+            <a:r>
+              <a:rPr kumimoji="1" lang="ja-JP" altLang="en-US" dirty="0"/>
+              <a:t>組織内サーバ</a:t>
+            </a:r>
+          </a:p>
+        </p:txBody>
+      </p:sp>
+      <p:sp>
+        <p:nvSpPr>
+          <p:cNvPr id="12" name="楕円 11">
+            <a:extLst>
+              <a:ext uri="{FF2B5EF4-FFF2-40B4-BE49-F238E27FC236}">
+                <a16:creationId xmlns:a16="http://schemas.microsoft.com/office/drawing/2014/main" id="{07A71532-9981-4F20-82C9-DB17A69CB22E}"/>
+              </a:ext>
+            </a:extLst>
+          </p:cNvPr>
+          <p:cNvSpPr/>
+          <p:nvPr/>
+        </p:nvSpPr>
+        <p:spPr>
+          <a:xfrm>
+            <a:off x="467360" y="2932747"/>
+            <a:ext cx="2143760" cy="537845"/>
+          </a:xfrm>
+          <a:prstGeom prst="ellipse">
+            <a:avLst/>
+          </a:prstGeom>
+        </p:spPr>
+        <p:style>
+          <a:lnRef idx="2">
+            <a:schemeClr val="accent1">
+              <a:shade val="50000"/>
+            </a:schemeClr>
+          </a:lnRef>
+          <a:fillRef idx="1">
+            <a:schemeClr val="accent1"/>
+          </a:fillRef>
+          <a:effectRef idx="0">
+            <a:schemeClr val="accent1"/>
+          </a:effectRef>
+          <a:fontRef idx="minor">
+            <a:schemeClr val="lt1"/>
+          </a:fontRef>
+        </p:style>
+        <p:txBody>
+          <a:bodyPr rtlCol="0" anchor="ctr"/>
+          <a:lstStyle/>
+          <a:p>
+            <a:pPr algn="ctr"/>
+            <a:r>
+              <a:rPr kumimoji="1" lang="ja-JP" altLang="en-US" dirty="0"/>
+              <a:t>クラウド</a:t>
+            </a:r>
+          </a:p>
+        </p:txBody>
+      </p:sp>
+      <p:sp>
+        <p:nvSpPr>
+          <p:cNvPr id="13" name="楕円 12">
+            <a:extLst>
+              <a:ext uri="{FF2B5EF4-FFF2-40B4-BE49-F238E27FC236}">
+                <a16:creationId xmlns:a16="http://schemas.microsoft.com/office/drawing/2014/main" id="{796CAFB6-9541-46F2-BE92-B87B31FE2A93}"/>
+              </a:ext>
+            </a:extLst>
+          </p:cNvPr>
+          <p:cNvSpPr/>
+          <p:nvPr/>
+        </p:nvSpPr>
+        <p:spPr>
+          <a:xfrm>
+            <a:off x="2362200" y="534035"/>
+            <a:ext cx="2143760" cy="889000"/>
+          </a:xfrm>
+          <a:prstGeom prst="ellipse">
+            <a:avLst/>
+          </a:prstGeom>
+        </p:spPr>
+        <p:style>
+          <a:lnRef idx="2">
+            <a:schemeClr val="accent1">
+              <a:shade val="50000"/>
+            </a:schemeClr>
+          </a:lnRef>
+          <a:fillRef idx="1">
+            <a:schemeClr val="accent1"/>
+          </a:fillRef>
+          <a:effectRef idx="0">
+            <a:schemeClr val="accent1"/>
+          </a:effectRef>
+          <a:fontRef idx="minor">
+            <a:schemeClr val="lt1"/>
+          </a:fontRef>
+        </p:style>
+        <p:txBody>
+          <a:bodyPr rtlCol="0" anchor="ctr"/>
+          <a:lstStyle/>
+          <a:p>
+            <a:pPr algn="ctr"/>
+            <a:r>
+              <a:rPr kumimoji="1" lang="ja-JP" altLang="en-US" dirty="0"/>
+              <a:t>悪意のある</a:t>
+            </a:r>
+            <a:endParaRPr kumimoji="1" lang="en-US" altLang="ja-JP" dirty="0"/>
+          </a:p>
+          <a:p>
+            <a:pPr algn="ctr"/>
+            <a:r>
+              <a:rPr lang="en-US" altLang="ja-JP" dirty="0"/>
+              <a:t>Web</a:t>
+            </a:r>
+            <a:r>
+              <a:rPr lang="ja-JP" altLang="en-US" dirty="0"/>
+              <a:t>サイト</a:t>
+            </a:r>
+            <a:endParaRPr kumimoji="1" lang="ja-JP" altLang="en-US" dirty="0"/>
+          </a:p>
+        </p:txBody>
+      </p:sp>
+      <p:sp>
+        <p:nvSpPr>
+          <p:cNvPr id="14" name="四角形: 角を丸くする 13">
+            <a:extLst>
+              <a:ext uri="{FF2B5EF4-FFF2-40B4-BE49-F238E27FC236}">
+                <a16:creationId xmlns:a16="http://schemas.microsoft.com/office/drawing/2014/main" id="{413980B9-3841-41B0-82FF-F241FAF2AA7B}"/>
+              </a:ext>
+            </a:extLst>
+          </p:cNvPr>
+          <p:cNvSpPr/>
+          <p:nvPr/>
+        </p:nvSpPr>
+        <p:spPr>
+          <a:xfrm>
+            <a:off x="7040880" y="3189605"/>
+            <a:ext cx="350520" cy="268922"/>
+          </a:xfrm>
+          <a:prstGeom prst="roundRect">
+            <a:avLst/>
+          </a:prstGeom>
+        </p:spPr>
+        <p:style>
+          <a:lnRef idx="2">
+            <a:schemeClr val="accent1">
+              <a:shade val="50000"/>
+            </a:schemeClr>
+          </a:lnRef>
+          <a:fillRef idx="1">
+            <a:schemeClr val="accent1"/>
+          </a:fillRef>
+          <a:effectRef idx="0">
+            <a:schemeClr val="accent1"/>
+          </a:effectRef>
+          <a:fontRef idx="minor">
+            <a:schemeClr val="lt1"/>
+          </a:fontRef>
+        </p:style>
+        <p:txBody>
+          <a:bodyPr rtlCol="0" anchor="ctr"/>
+          <a:lstStyle/>
+          <a:p>
+            <a:pPr algn="ctr"/>
+            <a:endParaRPr kumimoji="1" lang="ja-JP" altLang="en-US" dirty="0"/>
+          </a:p>
+        </p:txBody>
+      </p:sp>
+      <p:sp>
+        <p:nvSpPr>
+          <p:cNvPr id="15" name="正方形/長方形 14">
+            <a:extLst>
+              <a:ext uri="{FF2B5EF4-FFF2-40B4-BE49-F238E27FC236}">
+                <a16:creationId xmlns:a16="http://schemas.microsoft.com/office/drawing/2014/main" id="{78988FE4-2DB3-4BB3-B9D8-D9B7F7F64D4F}"/>
+              </a:ext>
+            </a:extLst>
+          </p:cNvPr>
+          <p:cNvSpPr/>
+          <p:nvPr/>
+        </p:nvSpPr>
+        <p:spPr>
+          <a:xfrm>
+            <a:off x="6352376" y="1564243"/>
+            <a:ext cx="3185487" cy="369332"/>
+          </a:xfrm>
+          <a:prstGeom prst="rect">
+            <a:avLst/>
+          </a:prstGeom>
+        </p:spPr>
+        <p:txBody>
+          <a:bodyPr wrap="none">
+            <a:spAutoFit/>
+          </a:bodyPr>
+          <a:lstStyle/>
+          <a:p>
+            <a:pPr algn="ctr"/>
+            <a:r>
+              <a:rPr lang="ja-JP" altLang="en-US" dirty="0"/>
+              <a:t>マルウェア添付されたメール</a:t>
+            </a:r>
+          </a:p>
+        </p:txBody>
+      </p:sp>
+      <p:cxnSp>
+        <p:nvCxnSpPr>
+          <p:cNvPr id="17" name="直線矢印コネクタ 16">
+            <a:extLst>
+              <a:ext uri="{FF2B5EF4-FFF2-40B4-BE49-F238E27FC236}">
+                <a16:creationId xmlns:a16="http://schemas.microsoft.com/office/drawing/2014/main" id="{03BE6B60-DEB5-46AC-9EBD-D786D75A8F6F}"/>
+              </a:ext>
+            </a:extLst>
+          </p:cNvPr>
+          <p:cNvCxnSpPr>
+            <a:cxnSpLocks/>
+            <a:stCxn id="15" idx="2"/>
+            <a:endCxn id="14" idx="0"/>
+          </p:cNvCxnSpPr>
+          <p:nvPr/>
+        </p:nvCxnSpPr>
+        <p:spPr>
+          <a:xfrm flipH="1">
+            <a:off x="7216140" y="1933575"/>
+            <a:ext cx="728980" cy="1256030"/>
+          </a:xfrm>
+          <a:prstGeom prst="straightConnector1">
+            <a:avLst/>
+          </a:prstGeom>
+          <a:ln>
+            <a:headEnd type="none" w="med" len="med"/>
+            <a:tailEnd type="arrow" w="med" len="med"/>
+          </a:ln>
+        </p:spPr>
+        <p:style>
+          <a:lnRef idx="3">
+            <a:schemeClr val="accent2"/>
+          </a:lnRef>
+          <a:fillRef idx="0">
+            <a:schemeClr val="accent2"/>
+          </a:fillRef>
+          <a:effectRef idx="2">
+            <a:schemeClr val="accent2"/>
+          </a:effectRef>
+          <a:fontRef idx="minor">
+            <a:schemeClr val="tx1"/>
+          </a:fontRef>
+        </p:style>
+      </p:cxnSp>
+      <p:cxnSp>
+        <p:nvCxnSpPr>
+          <p:cNvPr id="22" name="直線コネクタ 21">
+            <a:extLst>
+              <a:ext uri="{FF2B5EF4-FFF2-40B4-BE49-F238E27FC236}">
+                <a16:creationId xmlns:a16="http://schemas.microsoft.com/office/drawing/2014/main" id="{9FF81343-FB03-49B7-86A4-928FD008181B}"/>
+              </a:ext>
+            </a:extLst>
+          </p:cNvPr>
+          <p:cNvCxnSpPr>
+            <a:cxnSpLocks/>
+            <a:endCxn id="3" idx="0"/>
+          </p:cNvCxnSpPr>
+          <p:nvPr/>
+        </p:nvCxnSpPr>
+        <p:spPr>
+          <a:xfrm>
+            <a:off x="3689268" y="1363583"/>
+            <a:ext cx="3453212" cy="2266077"/>
+          </a:xfrm>
+          <a:prstGeom prst="line">
+            <a:avLst/>
+          </a:prstGeom>
+          <a:ln>
+            <a:headEnd type="none" w="med" len="med"/>
+            <a:tailEnd type="arrow" w="med" len="med"/>
+          </a:ln>
+        </p:spPr>
+        <p:style>
+          <a:lnRef idx="3">
+            <a:schemeClr val="accent2"/>
+          </a:lnRef>
+          <a:fillRef idx="0">
+            <a:schemeClr val="accent2"/>
+          </a:fillRef>
+          <a:effectRef idx="2">
+            <a:schemeClr val="accent2"/>
+          </a:effectRef>
+          <a:fontRef idx="minor">
+            <a:schemeClr val="tx1"/>
+          </a:fontRef>
+        </p:style>
+      </p:cxnSp>
+      <p:cxnSp>
+        <p:nvCxnSpPr>
+          <p:cNvPr id="27" name="直線矢印コネクタ 26">
+            <a:extLst>
+              <a:ext uri="{FF2B5EF4-FFF2-40B4-BE49-F238E27FC236}">
+                <a16:creationId xmlns:a16="http://schemas.microsoft.com/office/drawing/2014/main" id="{C17F8637-756D-45F6-9E3C-DBE247DC6150}"/>
+              </a:ext>
+            </a:extLst>
+          </p:cNvPr>
+          <p:cNvCxnSpPr>
+            <a:cxnSpLocks/>
+            <a:endCxn id="3" idx="1"/>
+          </p:cNvCxnSpPr>
+          <p:nvPr/>
+        </p:nvCxnSpPr>
+        <p:spPr>
+          <a:xfrm>
+            <a:off x="5880100" y="3705384"/>
+            <a:ext cx="916940" cy="124936"/>
+          </a:xfrm>
+          <a:prstGeom prst="straightConnector1">
+            <a:avLst/>
+          </a:prstGeom>
+          <a:ln>
+            <a:tailEnd type="triangle"/>
+          </a:ln>
+        </p:spPr>
+        <p:style>
+          <a:lnRef idx="3">
+            <a:schemeClr val="accent2"/>
+          </a:lnRef>
+          <a:fillRef idx="0">
+            <a:schemeClr val="accent2"/>
+          </a:fillRef>
+          <a:effectRef idx="2">
+            <a:schemeClr val="accent2"/>
+          </a:effectRef>
+          <a:fontRef idx="minor">
+            <a:schemeClr val="tx1"/>
+          </a:fontRef>
+        </p:style>
+      </p:cxnSp>
+      <p:cxnSp>
+        <p:nvCxnSpPr>
+          <p:cNvPr id="34" name="コネクタ: 曲線 33">
+            <a:extLst>
+              <a:ext uri="{FF2B5EF4-FFF2-40B4-BE49-F238E27FC236}">
+                <a16:creationId xmlns:a16="http://schemas.microsoft.com/office/drawing/2014/main" id="{E064F8A2-236D-43E8-9915-B44F7155F004}"/>
+              </a:ext>
+            </a:extLst>
+          </p:cNvPr>
+          <p:cNvCxnSpPr>
+            <a:stCxn id="3" idx="2"/>
+            <a:endCxn id="11" idx="2"/>
+          </p:cNvCxnSpPr>
+          <p:nvPr/>
+        </p:nvCxnSpPr>
+        <p:spPr>
+          <a:xfrm rot="5400000" flipH="1" flipV="1">
+            <a:off x="7486332" y="2706053"/>
+            <a:ext cx="981075" cy="1668780"/>
+          </a:xfrm>
+          <a:prstGeom prst="curvedConnector3">
+            <a:avLst>
+              <a:gd name="adj1" fmla="val -35728"/>
+            </a:avLst>
+          </a:prstGeom>
+          <a:ln>
+            <a:tailEnd type="triangle"/>
+          </a:ln>
+        </p:spPr>
+        <p:style>
+          <a:lnRef idx="3">
+            <a:schemeClr val="accent6"/>
+          </a:lnRef>
+          <a:fillRef idx="0">
+            <a:schemeClr val="accent6"/>
+          </a:fillRef>
+          <a:effectRef idx="2">
+            <a:schemeClr val="accent6"/>
+          </a:effectRef>
+          <a:fontRef idx="minor">
+            <a:schemeClr val="tx1"/>
+          </a:fontRef>
+        </p:style>
+      </p:cxnSp>
+      <p:cxnSp>
+        <p:nvCxnSpPr>
+          <p:cNvPr id="37" name="コネクタ: 曲線 36">
+            <a:extLst>
+              <a:ext uri="{FF2B5EF4-FFF2-40B4-BE49-F238E27FC236}">
+                <a16:creationId xmlns:a16="http://schemas.microsoft.com/office/drawing/2014/main" id="{AAC9A8FC-69A8-418A-9BE5-D16749B65B8C}"/>
+              </a:ext>
+            </a:extLst>
+          </p:cNvPr>
+          <p:cNvCxnSpPr>
+            <a:cxnSpLocks/>
+            <a:stCxn id="7" idx="3"/>
+            <a:endCxn id="3" idx="1"/>
+          </p:cNvCxnSpPr>
+          <p:nvPr/>
+        </p:nvCxnSpPr>
+        <p:spPr>
+          <a:xfrm flipV="1">
+            <a:off x="3434080" y="3830320"/>
+            <a:ext cx="3362960" cy="1506855"/>
+          </a:xfrm>
+          <a:prstGeom prst="curvedConnector3">
+            <a:avLst>
+              <a:gd name="adj1" fmla="val 77190"/>
+            </a:avLst>
+          </a:prstGeom>
+          <a:ln>
+            <a:tailEnd type="triangle"/>
+          </a:ln>
+        </p:spPr>
+        <p:style>
+          <a:lnRef idx="3">
+            <a:schemeClr val="accent6"/>
+          </a:lnRef>
+          <a:fillRef idx="0">
+            <a:schemeClr val="accent6"/>
+          </a:fillRef>
+          <a:effectRef idx="2">
+            <a:schemeClr val="accent6"/>
+          </a:effectRef>
+          <a:fontRef idx="minor">
+            <a:schemeClr val="tx1"/>
+          </a:fontRef>
+        </p:style>
+      </p:cxnSp>
+      <p:cxnSp>
+        <p:nvCxnSpPr>
+          <p:cNvPr id="41" name="コネクタ: 曲線 40">
+            <a:extLst>
+              <a:ext uri="{FF2B5EF4-FFF2-40B4-BE49-F238E27FC236}">
+                <a16:creationId xmlns:a16="http://schemas.microsoft.com/office/drawing/2014/main" id="{161BFCD6-10B9-4AFC-AE19-16EFE1D58166}"/>
+              </a:ext>
+            </a:extLst>
+          </p:cNvPr>
+          <p:cNvCxnSpPr>
+            <a:cxnSpLocks/>
+            <a:stCxn id="7" idx="0"/>
+            <a:endCxn id="12" idx="4"/>
+          </p:cNvCxnSpPr>
+          <p:nvPr/>
+        </p:nvCxnSpPr>
+        <p:spPr>
+          <a:xfrm rot="16200000" flipV="1">
+            <a:off x="1521301" y="3488531"/>
+            <a:ext cx="1585278" cy="1549400"/>
+          </a:xfrm>
+          <a:prstGeom prst="curvedConnector3">
+            <a:avLst>
+              <a:gd name="adj1" fmla="val 50000"/>
+            </a:avLst>
+          </a:prstGeom>
+          <a:ln>
+            <a:tailEnd type="triangle"/>
+          </a:ln>
+        </p:spPr>
+        <p:style>
+          <a:lnRef idx="3">
+            <a:schemeClr val="accent6"/>
+          </a:lnRef>
+          <a:fillRef idx="0">
+            <a:schemeClr val="accent6"/>
+          </a:fillRef>
+          <a:effectRef idx="2">
+            <a:schemeClr val="accent6"/>
+          </a:effectRef>
+          <a:fontRef idx="minor">
+            <a:schemeClr val="tx1"/>
+          </a:fontRef>
+        </p:style>
+      </p:cxnSp>
+    </p:spTree>
+    <p:extLst>
+      <p:ext uri="{BB962C8B-B14F-4D97-AF65-F5344CB8AC3E}">
+        <p14:creationId xmlns:p14="http://schemas.microsoft.com/office/powerpoint/2010/main" val="621786519"/>
+      </p:ext>
+    </p:extLst>
+  </p:cSld>
+  <p:clrMapOvr>
+    <a:masterClrMapping/>
+  </p:clrMapOvr>
+</p:sld>
+</file>
+
+<file path=ppt/slides/slide4.xml><?xml version="1.0" encoding="utf-8"?>
+<p:sld xmlns:a="http://schemas.openxmlformats.org/drawingml/2006/main" xmlns:r="http://schemas.openxmlformats.org/officeDocument/2006/relationships" xmlns:p="http://schemas.openxmlformats.org/presentationml/2006/main">
+  <p:cSld>
+    <p:spTree>
+      <p:nvGrpSpPr>
+        <p:cNvPr id="1" name=""/>
+        <p:cNvGrpSpPr/>
+        <p:nvPr/>
+      </p:nvGrpSpPr>
+      <p:grpSpPr>
+        <a:xfrm>
+          <a:off x="0" y="0"/>
+          <a:ext cx="0" cy="0"/>
+          <a:chOff x="0" y="0"/>
+          <a:chExt cx="0" cy="0"/>
+        </a:xfrm>
+      </p:grpSpPr>
+      <p:sp>
+        <p:nvSpPr>
+          <p:cNvPr id="25" name="正方形/長方形 24">
+            <a:extLst>
+              <a:ext uri="{FF2B5EF4-FFF2-40B4-BE49-F238E27FC236}">
+                <a16:creationId xmlns:a16="http://schemas.microsoft.com/office/drawing/2014/main" id="{01D429EF-C95B-41BF-8975-96768593B665}"/>
+              </a:ext>
+            </a:extLst>
+          </p:cNvPr>
+          <p:cNvSpPr/>
+          <p:nvPr/>
+        </p:nvSpPr>
+        <p:spPr>
+          <a:xfrm>
+            <a:off x="1993175" y="4620467"/>
+            <a:ext cx="6824247" cy="1883175"/>
+          </a:xfrm>
+          <a:prstGeom prst="rect">
+            <a:avLst/>
+          </a:prstGeom>
+          <a:ln>
+            <a:prstDash val="dash"/>
+          </a:ln>
+        </p:spPr>
+        <p:style>
+          <a:lnRef idx="2">
+            <a:schemeClr val="dk1"/>
+          </a:lnRef>
+          <a:fillRef idx="1">
+            <a:schemeClr val="lt1"/>
+          </a:fillRef>
+          <a:effectRef idx="0">
+            <a:schemeClr val="dk1"/>
+          </a:effectRef>
+          <a:fontRef idx="minor">
+            <a:schemeClr val="dk1"/>
+          </a:fontRef>
+        </p:style>
+        <p:txBody>
+          <a:bodyPr rtlCol="0" anchor="ctr"/>
+          <a:lstStyle/>
+          <a:p>
+            <a:pPr algn="ctr"/>
+            <a:endParaRPr kumimoji="1" lang="ja-JP" altLang="en-US"/>
+          </a:p>
+        </p:txBody>
+      </p:sp>
+      <p:sp>
+        <p:nvSpPr>
+          <p:cNvPr id="24" name="正方形/長方形 23">
+            <a:extLst>
+              <a:ext uri="{FF2B5EF4-FFF2-40B4-BE49-F238E27FC236}">
+                <a16:creationId xmlns:a16="http://schemas.microsoft.com/office/drawing/2014/main" id="{9633626E-B408-4707-B5A0-69D9D99F9A38}"/>
+              </a:ext>
+            </a:extLst>
+          </p:cNvPr>
+          <p:cNvSpPr/>
+          <p:nvPr/>
+        </p:nvSpPr>
+        <p:spPr>
+          <a:xfrm>
+            <a:off x="4833257" y="2514600"/>
+            <a:ext cx="4844140" cy="1883175"/>
+          </a:xfrm>
+          <a:prstGeom prst="rect">
+            <a:avLst/>
+          </a:prstGeom>
+          <a:ln>
+            <a:prstDash val="dash"/>
+          </a:ln>
+        </p:spPr>
+        <p:style>
+          <a:lnRef idx="2">
+            <a:schemeClr val="dk1"/>
+          </a:lnRef>
+          <a:fillRef idx="1">
+            <a:schemeClr val="lt1"/>
+          </a:fillRef>
+          <a:effectRef idx="0">
+            <a:schemeClr val="dk1"/>
+          </a:effectRef>
+          <a:fontRef idx="minor">
+            <a:schemeClr val="dk1"/>
+          </a:fontRef>
+        </p:style>
+        <p:txBody>
+          <a:bodyPr rtlCol="0" anchor="ctr"/>
+          <a:lstStyle/>
+          <a:p>
+            <a:pPr algn="ctr"/>
+            <a:endParaRPr kumimoji="1" lang="ja-JP" altLang="en-US"/>
+          </a:p>
+        </p:txBody>
+      </p:sp>
+      <p:sp>
+        <p:nvSpPr>
+          <p:cNvPr id="2" name="正方形/長方形 1">
+            <a:extLst>
+              <a:ext uri="{FF2B5EF4-FFF2-40B4-BE49-F238E27FC236}">
+                <a16:creationId xmlns:a16="http://schemas.microsoft.com/office/drawing/2014/main" id="{C81C08ED-082E-4916-B7FA-E92E4729DBBB}"/>
+              </a:ext>
+            </a:extLst>
+          </p:cNvPr>
+          <p:cNvSpPr/>
+          <p:nvPr/>
+        </p:nvSpPr>
+        <p:spPr>
+          <a:xfrm>
+            <a:off x="4268651" y="2721429"/>
+            <a:ext cx="690880" cy="601980"/>
+          </a:xfrm>
+          <a:prstGeom prst="rect">
+            <a:avLst/>
+          </a:prstGeom>
+        </p:spPr>
+        <p:style>
+          <a:lnRef idx="2">
+            <a:schemeClr val="dk1">
+              <a:shade val="50000"/>
+            </a:schemeClr>
+          </a:lnRef>
+          <a:fillRef idx="1">
+            <a:schemeClr val="dk1"/>
+          </a:fillRef>
+          <a:effectRef idx="0">
+            <a:schemeClr val="dk1"/>
+          </a:effectRef>
+          <a:fontRef idx="minor">
+            <a:schemeClr val="lt1"/>
+          </a:fontRef>
+        </p:style>
+        <p:txBody>
+          <a:bodyPr rtlCol="0" anchor="ctr"/>
+          <a:lstStyle/>
+          <a:p>
+            <a:pPr algn="ctr"/>
+            <a:r>
+              <a:rPr kumimoji="1" lang="en-US" altLang="ja-JP" dirty="0"/>
+              <a:t>FW</a:t>
+            </a:r>
+            <a:endParaRPr kumimoji="1" lang="ja-JP" altLang="en-US" dirty="0"/>
+          </a:p>
+        </p:txBody>
+      </p:sp>
+      <p:sp>
+        <p:nvSpPr>
+          <p:cNvPr id="3" name="正方形/長方形 2">
+            <a:extLst>
+              <a:ext uri="{FF2B5EF4-FFF2-40B4-BE49-F238E27FC236}">
+                <a16:creationId xmlns:a16="http://schemas.microsoft.com/office/drawing/2014/main" id="{B4DDE9C9-B902-43F4-88C7-557BE3862B9B}"/>
+              </a:ext>
+            </a:extLst>
+          </p:cNvPr>
+          <p:cNvSpPr/>
+          <p:nvPr/>
+        </p:nvSpPr>
+        <p:spPr>
+          <a:xfrm>
+            <a:off x="5638799" y="3537858"/>
+            <a:ext cx="1198517" cy="601980"/>
+          </a:xfrm>
+          <a:prstGeom prst="rect">
+            <a:avLst/>
+          </a:prstGeom>
+        </p:spPr>
+        <p:style>
+          <a:lnRef idx="2">
+            <a:schemeClr val="dk1">
+              <a:shade val="50000"/>
+            </a:schemeClr>
+          </a:lnRef>
+          <a:fillRef idx="1">
+            <a:schemeClr val="dk1"/>
+          </a:fillRef>
+          <a:effectRef idx="0">
+            <a:schemeClr val="dk1"/>
+          </a:effectRef>
+          <a:fontRef idx="minor">
+            <a:schemeClr val="lt1"/>
+          </a:fontRef>
+        </p:style>
+        <p:txBody>
+          <a:bodyPr rtlCol="0" anchor="ctr"/>
+          <a:lstStyle/>
+          <a:p>
+            <a:pPr algn="ctr"/>
+            <a:r>
+              <a:rPr kumimoji="1" lang="ja-JP" altLang="en-US" dirty="0"/>
+              <a:t>外部向けサーバ</a:t>
+            </a:r>
+          </a:p>
+        </p:txBody>
+      </p:sp>
+      <p:sp>
+        <p:nvSpPr>
+          <p:cNvPr id="4" name="正方形/長方形 3">
+            <a:extLst>
+              <a:ext uri="{FF2B5EF4-FFF2-40B4-BE49-F238E27FC236}">
+                <a16:creationId xmlns:a16="http://schemas.microsoft.com/office/drawing/2014/main" id="{6377A0CC-4660-4C17-938D-51A9B0F0F121}"/>
+              </a:ext>
+            </a:extLst>
+          </p:cNvPr>
+          <p:cNvSpPr/>
+          <p:nvPr/>
+        </p:nvSpPr>
+        <p:spPr>
+          <a:xfrm>
+            <a:off x="7249885" y="3537858"/>
+            <a:ext cx="1198517" cy="601980"/>
+          </a:xfrm>
+          <a:prstGeom prst="rect">
+            <a:avLst/>
+          </a:prstGeom>
+        </p:spPr>
+        <p:style>
+          <a:lnRef idx="2">
+            <a:schemeClr val="dk1">
+              <a:shade val="50000"/>
+            </a:schemeClr>
+          </a:lnRef>
+          <a:fillRef idx="1">
+            <a:schemeClr val="dk1"/>
+          </a:fillRef>
+          <a:effectRef idx="0">
+            <a:schemeClr val="dk1"/>
+          </a:effectRef>
+          <a:fontRef idx="minor">
+            <a:schemeClr val="lt1"/>
+          </a:fontRef>
+        </p:style>
+        <p:txBody>
+          <a:bodyPr rtlCol="0" anchor="ctr"/>
+          <a:lstStyle/>
+          <a:p>
+            <a:pPr algn="ctr"/>
+            <a:r>
+              <a:rPr kumimoji="1" lang="ja-JP" altLang="en-US" dirty="0"/>
+              <a:t>外部向けサーバ</a:t>
+            </a:r>
+          </a:p>
+        </p:txBody>
+      </p:sp>
+      <p:cxnSp>
+        <p:nvCxnSpPr>
+          <p:cNvPr id="7" name="直線コネクタ 6">
+            <a:extLst>
+              <a:ext uri="{FF2B5EF4-FFF2-40B4-BE49-F238E27FC236}">
+                <a16:creationId xmlns:a16="http://schemas.microsoft.com/office/drawing/2014/main" id="{7F370CCB-D37D-487F-BD41-12E7E11B1E59}"/>
+              </a:ext>
+            </a:extLst>
+          </p:cNvPr>
+          <p:cNvCxnSpPr>
+            <a:cxnSpLocks/>
+            <a:stCxn id="2" idx="3"/>
+          </p:cNvCxnSpPr>
+          <p:nvPr/>
+        </p:nvCxnSpPr>
+        <p:spPr>
+          <a:xfrm>
+            <a:off x="4959531" y="3022419"/>
+            <a:ext cx="4478383" cy="0"/>
+          </a:xfrm>
+          <a:prstGeom prst="line">
+            <a:avLst/>
+          </a:prstGeom>
+        </p:spPr>
+        <p:style>
+          <a:lnRef idx="3">
+            <a:schemeClr val="dk1"/>
+          </a:lnRef>
+          <a:fillRef idx="0">
+            <a:schemeClr val="dk1"/>
+          </a:fillRef>
+          <a:effectRef idx="2">
+            <a:schemeClr val="dk1"/>
+          </a:effectRef>
+          <a:fontRef idx="minor">
+            <a:schemeClr val="tx1"/>
+          </a:fontRef>
+        </p:style>
+      </p:cxnSp>
+      <p:cxnSp>
+        <p:nvCxnSpPr>
+          <p:cNvPr id="11" name="直線コネクタ 10">
+            <a:extLst>
+              <a:ext uri="{FF2B5EF4-FFF2-40B4-BE49-F238E27FC236}">
+                <a16:creationId xmlns:a16="http://schemas.microsoft.com/office/drawing/2014/main" id="{92CDCBD7-A40E-4E45-AB0A-6714C5BFEDD4}"/>
+              </a:ext>
+            </a:extLst>
+          </p:cNvPr>
+          <p:cNvCxnSpPr>
+            <a:stCxn id="2" idx="2"/>
+          </p:cNvCxnSpPr>
+          <p:nvPr/>
+        </p:nvCxnSpPr>
+        <p:spPr>
+          <a:xfrm>
+            <a:off x="4614091" y="3323409"/>
+            <a:ext cx="0" cy="1575162"/>
+          </a:xfrm>
+          <a:prstGeom prst="line">
+            <a:avLst/>
+          </a:prstGeom>
+        </p:spPr>
+        <p:style>
+          <a:lnRef idx="3">
+            <a:schemeClr val="dk1"/>
+          </a:lnRef>
+          <a:fillRef idx="0">
+            <a:schemeClr val="dk1"/>
+          </a:fillRef>
+          <a:effectRef idx="2">
+            <a:schemeClr val="dk1"/>
+          </a:effectRef>
+          <a:fontRef idx="minor">
+            <a:schemeClr val="tx1"/>
+          </a:fontRef>
+        </p:style>
+      </p:cxnSp>
+      <p:cxnSp>
+        <p:nvCxnSpPr>
+          <p:cNvPr id="12" name="直線コネクタ 11">
+            <a:extLst>
+              <a:ext uri="{FF2B5EF4-FFF2-40B4-BE49-F238E27FC236}">
+                <a16:creationId xmlns:a16="http://schemas.microsoft.com/office/drawing/2014/main" id="{097758C1-8C3C-4918-BD54-5714A553637D}"/>
+              </a:ext>
+            </a:extLst>
+          </p:cNvPr>
+          <p:cNvCxnSpPr>
+            <a:cxnSpLocks/>
+          </p:cNvCxnSpPr>
+          <p:nvPr/>
+        </p:nvCxnSpPr>
+        <p:spPr>
+          <a:xfrm flipH="1">
+            <a:off x="2485934" y="4909457"/>
+            <a:ext cx="5962468" cy="0"/>
+          </a:xfrm>
+          <a:prstGeom prst="line">
+            <a:avLst/>
+          </a:prstGeom>
+        </p:spPr>
+        <p:style>
+          <a:lnRef idx="3">
+            <a:schemeClr val="dk1"/>
+          </a:lnRef>
+          <a:fillRef idx="0">
+            <a:schemeClr val="dk1"/>
+          </a:fillRef>
+          <a:effectRef idx="2">
+            <a:schemeClr val="dk1"/>
+          </a:effectRef>
+          <a:fontRef idx="minor">
+            <a:schemeClr val="tx1"/>
+          </a:fontRef>
+        </p:style>
+      </p:cxnSp>
+      <p:sp>
+        <p:nvSpPr>
+          <p:cNvPr id="15" name="正方形/長方形 14">
+            <a:extLst>
+              <a:ext uri="{FF2B5EF4-FFF2-40B4-BE49-F238E27FC236}">
+                <a16:creationId xmlns:a16="http://schemas.microsoft.com/office/drawing/2014/main" id="{796B608C-2C17-466C-B7DA-4A72C047C44F}"/>
+              </a:ext>
+            </a:extLst>
+          </p:cNvPr>
+          <p:cNvSpPr/>
+          <p:nvPr/>
+        </p:nvSpPr>
+        <p:spPr>
+          <a:xfrm>
+            <a:off x="2485933" y="5261065"/>
+            <a:ext cx="1697265" cy="601980"/>
+          </a:xfrm>
+          <a:prstGeom prst="rect">
+            <a:avLst/>
+          </a:prstGeom>
+        </p:spPr>
+        <p:style>
+          <a:lnRef idx="2">
+            <a:schemeClr val="dk1">
+              <a:shade val="50000"/>
+            </a:schemeClr>
+          </a:lnRef>
+          <a:fillRef idx="1">
+            <a:schemeClr val="dk1"/>
+          </a:fillRef>
+          <a:effectRef idx="0">
+            <a:schemeClr val="dk1"/>
+          </a:effectRef>
+          <a:fontRef idx="minor">
+            <a:schemeClr val="lt1"/>
+          </a:fontRef>
+        </p:style>
+        <p:txBody>
+          <a:bodyPr rtlCol="0" anchor="ctr"/>
+          <a:lstStyle/>
+          <a:p>
+            <a:pPr algn="ctr"/>
+            <a:r>
+              <a:rPr kumimoji="1" lang="ja-JP" altLang="en-US" dirty="0"/>
+              <a:t>クライアント端末</a:t>
+            </a:r>
+          </a:p>
+        </p:txBody>
+      </p:sp>
+      <p:sp>
+        <p:nvSpPr>
+          <p:cNvPr id="16" name="正方形/長方形 15">
+            <a:extLst>
+              <a:ext uri="{FF2B5EF4-FFF2-40B4-BE49-F238E27FC236}">
+                <a16:creationId xmlns:a16="http://schemas.microsoft.com/office/drawing/2014/main" id="{285397AB-941F-41A4-A838-9C1066A858DB}"/>
+              </a:ext>
+            </a:extLst>
+          </p:cNvPr>
+          <p:cNvSpPr/>
+          <p:nvPr/>
+        </p:nvSpPr>
+        <p:spPr>
+          <a:xfrm>
+            <a:off x="4540792" y="5261065"/>
+            <a:ext cx="1697265" cy="601980"/>
+          </a:xfrm>
+          <a:prstGeom prst="rect">
+            <a:avLst/>
+          </a:prstGeom>
+        </p:spPr>
+        <p:style>
+          <a:lnRef idx="2">
+            <a:schemeClr val="dk1">
+              <a:shade val="50000"/>
+            </a:schemeClr>
+          </a:lnRef>
+          <a:fillRef idx="1">
+            <a:schemeClr val="dk1"/>
+          </a:fillRef>
+          <a:effectRef idx="0">
+            <a:schemeClr val="dk1"/>
+          </a:effectRef>
+          <a:fontRef idx="minor">
+            <a:schemeClr val="lt1"/>
+          </a:fontRef>
+        </p:style>
+        <p:txBody>
+          <a:bodyPr rtlCol="0" anchor="ctr"/>
+          <a:lstStyle/>
+          <a:p>
+            <a:pPr algn="ctr"/>
+            <a:r>
+              <a:rPr kumimoji="1" lang="ja-JP" altLang="en-US" dirty="0"/>
+              <a:t>クライアント端末</a:t>
+            </a:r>
+          </a:p>
+        </p:txBody>
+      </p:sp>
+      <p:sp>
+        <p:nvSpPr>
+          <p:cNvPr id="17" name="正方形/長方形 16">
+            <a:extLst>
+              <a:ext uri="{FF2B5EF4-FFF2-40B4-BE49-F238E27FC236}">
+                <a16:creationId xmlns:a16="http://schemas.microsoft.com/office/drawing/2014/main" id="{ED6B14D4-5713-45E6-821B-E0D3D204494B}"/>
+              </a:ext>
+            </a:extLst>
+          </p:cNvPr>
+          <p:cNvSpPr/>
+          <p:nvPr/>
+        </p:nvSpPr>
+        <p:spPr>
+          <a:xfrm>
+            <a:off x="6595651" y="5261065"/>
+            <a:ext cx="1697265" cy="601980"/>
+          </a:xfrm>
+          <a:prstGeom prst="rect">
+            <a:avLst/>
+          </a:prstGeom>
+        </p:spPr>
+        <p:style>
+          <a:lnRef idx="2">
+            <a:schemeClr val="dk1">
+              <a:shade val="50000"/>
+            </a:schemeClr>
+          </a:lnRef>
+          <a:fillRef idx="1">
+            <a:schemeClr val="dk1"/>
+          </a:fillRef>
+          <a:effectRef idx="0">
+            <a:schemeClr val="dk1"/>
+          </a:effectRef>
+          <a:fontRef idx="minor">
+            <a:schemeClr val="lt1"/>
+          </a:fontRef>
+        </p:style>
+        <p:txBody>
+          <a:bodyPr rtlCol="0" anchor="ctr"/>
+          <a:lstStyle/>
+          <a:p>
+            <a:pPr algn="ctr"/>
+            <a:r>
+              <a:rPr kumimoji="1" lang="ja-JP" altLang="en-US" dirty="0"/>
+              <a:t>クライアント端末</a:t>
+            </a:r>
+          </a:p>
+        </p:txBody>
+      </p:sp>
+      <p:sp>
+        <p:nvSpPr>
+          <p:cNvPr id="19" name="楕円 18">
+            <a:extLst>
+              <a:ext uri="{FF2B5EF4-FFF2-40B4-BE49-F238E27FC236}">
+                <a16:creationId xmlns:a16="http://schemas.microsoft.com/office/drawing/2014/main" id="{BEB101B7-6902-4844-826F-0F6AC9566300}"/>
+              </a:ext>
+            </a:extLst>
+          </p:cNvPr>
+          <p:cNvSpPr/>
+          <p:nvPr/>
+        </p:nvSpPr>
+        <p:spPr>
+          <a:xfrm>
+            <a:off x="3417160" y="1053209"/>
+            <a:ext cx="2393861" cy="947042"/>
+          </a:xfrm>
+          <a:prstGeom prst="ellipse">
+            <a:avLst/>
+          </a:prstGeom>
+          <a:ln w="28575"/>
+        </p:spPr>
+        <p:style>
+          <a:lnRef idx="2">
+            <a:schemeClr val="dk1"/>
+          </a:lnRef>
+          <a:fillRef idx="1">
+            <a:schemeClr val="lt1"/>
+          </a:fillRef>
+          <a:effectRef idx="0">
+            <a:schemeClr val="dk1"/>
+          </a:effectRef>
+          <a:fontRef idx="minor">
+            <a:schemeClr val="dk1"/>
+          </a:fontRef>
+        </p:style>
+        <p:txBody>
+          <a:bodyPr rtlCol="0" anchor="ctr"/>
+          <a:lstStyle/>
+          <a:p>
+            <a:pPr algn="ctr"/>
+            <a:r>
+              <a:rPr kumimoji="1" lang="ja-JP" altLang="en-US" dirty="0"/>
+              <a:t>外部</a:t>
+            </a:r>
+            <a:br>
+              <a:rPr kumimoji="1" lang="en-US" altLang="ja-JP" dirty="0"/>
+            </a:br>
+            <a:r>
+              <a:rPr kumimoji="1" lang="ja-JP" altLang="en-US" dirty="0"/>
+              <a:t>ネットワーク</a:t>
+            </a:r>
+          </a:p>
+        </p:txBody>
+      </p:sp>
+      <p:cxnSp>
+        <p:nvCxnSpPr>
+          <p:cNvPr id="20" name="直線コネクタ 19">
+            <a:extLst>
+              <a:ext uri="{FF2B5EF4-FFF2-40B4-BE49-F238E27FC236}">
+                <a16:creationId xmlns:a16="http://schemas.microsoft.com/office/drawing/2014/main" id="{EDF19CE8-5B2C-40CA-BC8C-17E38ABF2A4A}"/>
+              </a:ext>
+            </a:extLst>
+          </p:cNvPr>
+          <p:cNvCxnSpPr>
+            <a:cxnSpLocks/>
+            <a:stCxn id="19" idx="4"/>
+            <a:endCxn id="2" idx="0"/>
+          </p:cNvCxnSpPr>
+          <p:nvPr/>
+        </p:nvCxnSpPr>
+        <p:spPr>
+          <a:xfrm>
+            <a:off x="4614091" y="2000251"/>
+            <a:ext cx="0" cy="721178"/>
+          </a:xfrm>
+          <a:prstGeom prst="line">
+            <a:avLst/>
+          </a:prstGeom>
+        </p:spPr>
+        <p:style>
+          <a:lnRef idx="3">
+            <a:schemeClr val="dk1"/>
+          </a:lnRef>
+          <a:fillRef idx="0">
+            <a:schemeClr val="dk1"/>
+          </a:fillRef>
+          <a:effectRef idx="2">
+            <a:schemeClr val="dk1"/>
+          </a:effectRef>
+          <a:fontRef idx="minor">
+            <a:schemeClr val="tx1"/>
+          </a:fontRef>
+        </p:style>
+      </p:cxnSp>
+      <p:sp>
+        <p:nvSpPr>
+          <p:cNvPr id="26" name="四角形: 角を丸くする 25">
+            <a:extLst>
+              <a:ext uri="{FF2B5EF4-FFF2-40B4-BE49-F238E27FC236}">
+                <a16:creationId xmlns:a16="http://schemas.microsoft.com/office/drawing/2014/main" id="{822F49D4-4751-4AFE-8CF5-128D7B22A599}"/>
+              </a:ext>
+            </a:extLst>
+          </p:cNvPr>
+          <p:cNvSpPr/>
+          <p:nvPr/>
+        </p:nvSpPr>
+        <p:spPr>
+          <a:xfrm>
+            <a:off x="8675914" y="2275114"/>
+            <a:ext cx="1220641" cy="446310"/>
+          </a:xfrm>
+          <a:prstGeom prst="roundRect">
+            <a:avLst/>
+          </a:prstGeom>
+        </p:spPr>
+        <p:style>
+          <a:lnRef idx="2">
+            <a:schemeClr val="dk1"/>
+          </a:lnRef>
+          <a:fillRef idx="1">
+            <a:schemeClr val="lt1"/>
+          </a:fillRef>
+          <a:effectRef idx="0">
+            <a:schemeClr val="dk1"/>
+          </a:effectRef>
+          <a:fontRef idx="minor">
+            <a:schemeClr val="dk1"/>
+          </a:fontRef>
+        </p:style>
+        <p:txBody>
+          <a:bodyPr rtlCol="0" anchor="ctr"/>
+          <a:lstStyle/>
+          <a:p>
+            <a:pPr algn="ctr"/>
+            <a:r>
+              <a:rPr kumimoji="1" lang="en-US" altLang="ja-JP" dirty="0"/>
+              <a:t>DMZ</a:t>
+            </a:r>
+            <a:endParaRPr kumimoji="1" lang="ja-JP" altLang="en-US" dirty="0"/>
+          </a:p>
+        </p:txBody>
+      </p:sp>
+      <p:sp>
+        <p:nvSpPr>
+          <p:cNvPr id="27" name="四角形: 角を丸くする 26">
+            <a:extLst>
+              <a:ext uri="{FF2B5EF4-FFF2-40B4-BE49-F238E27FC236}">
+                <a16:creationId xmlns:a16="http://schemas.microsoft.com/office/drawing/2014/main" id="{95B63871-86B6-407E-80D8-128377CAB836}"/>
+              </a:ext>
+            </a:extLst>
+          </p:cNvPr>
+          <p:cNvSpPr/>
+          <p:nvPr/>
+        </p:nvSpPr>
+        <p:spPr>
+          <a:xfrm>
+            <a:off x="8567059" y="4595379"/>
+            <a:ext cx="1631766" cy="606383"/>
+          </a:xfrm>
+          <a:prstGeom prst="roundRect">
+            <a:avLst/>
+          </a:prstGeom>
+        </p:spPr>
+        <p:style>
+          <a:lnRef idx="2">
+            <a:schemeClr val="dk1"/>
+          </a:lnRef>
+          <a:fillRef idx="1">
+            <a:schemeClr val="lt1"/>
+          </a:fillRef>
+          <a:effectRef idx="0">
+            <a:schemeClr val="dk1"/>
+          </a:effectRef>
+          <a:fontRef idx="minor">
+            <a:schemeClr val="dk1"/>
+          </a:fontRef>
+        </p:style>
+        <p:txBody>
+          <a:bodyPr rtlCol="0" anchor="ctr"/>
+          <a:lstStyle/>
+          <a:p>
+            <a:pPr algn="ctr"/>
+            <a:r>
+              <a:rPr kumimoji="1" lang="ja-JP" altLang="en-US" dirty="0"/>
+              <a:t>組織内</a:t>
+            </a:r>
+            <a:br>
+              <a:rPr kumimoji="1" lang="en-US" altLang="ja-JP" dirty="0"/>
+            </a:br>
+            <a:r>
+              <a:rPr kumimoji="1" lang="ja-JP" altLang="en-US" dirty="0"/>
+              <a:t>ネットワーク</a:t>
+            </a:r>
+          </a:p>
+        </p:txBody>
+      </p:sp>
+    </p:spTree>
+    <p:extLst>
+      <p:ext uri="{BB962C8B-B14F-4D97-AF65-F5344CB8AC3E}">
+        <p14:creationId xmlns:p14="http://schemas.microsoft.com/office/powerpoint/2010/main" val="2719161534"/>
+      </p:ext>
+    </p:extLst>
+  </p:cSld>
+  <p:clrMapOvr>
+    <a:masterClrMapping/>
+  </p:clrMapOvr>
+</p:sld>
+</file>
+
 <file path=ppt/theme/theme1.xml><?xml version="1.0" encoding="utf-8"?>
 <a:theme xmlns:a="http://schemas.openxmlformats.org/drawingml/2006/main" name="Office テーマ">
   <a:themeElements>

--- a/図表用.pptx
+++ b/図表用.pptx
@@ -6944,6 +6944,201 @@
           </a:p>
         </p:txBody>
       </p:sp>
+      <p:cxnSp>
+        <p:nvCxnSpPr>
+          <p:cNvPr id="30" name="直線コネクタ 29">
+            <a:extLst>
+              <a:ext uri="{FF2B5EF4-FFF2-40B4-BE49-F238E27FC236}">
+                <a16:creationId xmlns:a16="http://schemas.microsoft.com/office/drawing/2014/main" id="{43351245-53A4-4F51-9CF1-213D3BE1BC61}"/>
+              </a:ext>
+            </a:extLst>
+          </p:cNvPr>
+          <p:cNvCxnSpPr>
+            <a:cxnSpLocks/>
+            <a:endCxn id="15" idx="0"/>
+          </p:cNvCxnSpPr>
+          <p:nvPr/>
+        </p:nvCxnSpPr>
+        <p:spPr>
+          <a:xfrm>
+            <a:off x="3334565" y="4923659"/>
+            <a:ext cx="1" cy="337406"/>
+          </a:xfrm>
+          <a:prstGeom prst="line">
+            <a:avLst/>
+          </a:prstGeom>
+        </p:spPr>
+        <p:style>
+          <a:lnRef idx="3">
+            <a:schemeClr val="dk1"/>
+          </a:lnRef>
+          <a:fillRef idx="0">
+            <a:schemeClr val="dk1"/>
+          </a:fillRef>
+          <a:effectRef idx="2">
+            <a:schemeClr val="dk1"/>
+          </a:effectRef>
+          <a:fontRef idx="minor">
+            <a:schemeClr val="tx1"/>
+          </a:fontRef>
+        </p:style>
+      </p:cxnSp>
+      <p:cxnSp>
+        <p:nvCxnSpPr>
+          <p:cNvPr id="33" name="直線コネクタ 32">
+            <a:extLst>
+              <a:ext uri="{FF2B5EF4-FFF2-40B4-BE49-F238E27FC236}">
+                <a16:creationId xmlns:a16="http://schemas.microsoft.com/office/drawing/2014/main" id="{7BDE4F5D-9757-4A7E-AA87-627829A6A4BB}"/>
+              </a:ext>
+            </a:extLst>
+          </p:cNvPr>
+          <p:cNvCxnSpPr>
+            <a:cxnSpLocks/>
+            <a:endCxn id="16" idx="0"/>
+          </p:cNvCxnSpPr>
+          <p:nvPr/>
+        </p:nvCxnSpPr>
+        <p:spPr>
+          <a:xfrm>
+            <a:off x="5389424" y="4920344"/>
+            <a:ext cx="1" cy="340721"/>
+          </a:xfrm>
+          <a:prstGeom prst="line">
+            <a:avLst/>
+          </a:prstGeom>
+        </p:spPr>
+        <p:style>
+          <a:lnRef idx="3">
+            <a:schemeClr val="dk1"/>
+          </a:lnRef>
+          <a:fillRef idx="0">
+            <a:schemeClr val="dk1"/>
+          </a:fillRef>
+          <a:effectRef idx="2">
+            <a:schemeClr val="dk1"/>
+          </a:effectRef>
+          <a:fontRef idx="minor">
+            <a:schemeClr val="tx1"/>
+          </a:fontRef>
+        </p:style>
+      </p:cxnSp>
+      <p:cxnSp>
+        <p:nvCxnSpPr>
+          <p:cNvPr id="36" name="直線コネクタ 35">
+            <a:extLst>
+              <a:ext uri="{FF2B5EF4-FFF2-40B4-BE49-F238E27FC236}">
+                <a16:creationId xmlns:a16="http://schemas.microsoft.com/office/drawing/2014/main" id="{CD05CD18-B7E8-4F61-BB48-D318733AF07C}"/>
+              </a:ext>
+            </a:extLst>
+          </p:cNvPr>
+          <p:cNvCxnSpPr>
+            <a:cxnSpLocks/>
+            <a:endCxn id="17" idx="0"/>
+          </p:cNvCxnSpPr>
+          <p:nvPr/>
+        </p:nvCxnSpPr>
+        <p:spPr>
+          <a:xfrm>
+            <a:off x="7444284" y="4934546"/>
+            <a:ext cx="0" cy="326519"/>
+          </a:xfrm>
+          <a:prstGeom prst="line">
+            <a:avLst/>
+          </a:prstGeom>
+        </p:spPr>
+        <p:style>
+          <a:lnRef idx="3">
+            <a:schemeClr val="dk1"/>
+          </a:lnRef>
+          <a:fillRef idx="0">
+            <a:schemeClr val="dk1"/>
+          </a:fillRef>
+          <a:effectRef idx="2">
+            <a:schemeClr val="dk1"/>
+          </a:effectRef>
+          <a:fontRef idx="minor">
+            <a:schemeClr val="tx1"/>
+          </a:fontRef>
+        </p:style>
+      </p:cxnSp>
+      <p:cxnSp>
+        <p:nvCxnSpPr>
+          <p:cNvPr id="39" name="直線コネクタ 38">
+            <a:extLst>
+              <a:ext uri="{FF2B5EF4-FFF2-40B4-BE49-F238E27FC236}">
+                <a16:creationId xmlns:a16="http://schemas.microsoft.com/office/drawing/2014/main" id="{1887905C-1771-4F46-AB7C-2A462FF67437}"/>
+              </a:ext>
+            </a:extLst>
+          </p:cNvPr>
+          <p:cNvCxnSpPr>
+            <a:cxnSpLocks/>
+            <a:endCxn id="3" idx="0"/>
+          </p:cNvCxnSpPr>
+          <p:nvPr/>
+        </p:nvCxnSpPr>
+        <p:spPr>
+          <a:xfrm>
+            <a:off x="6238057" y="3022419"/>
+            <a:ext cx="1" cy="515439"/>
+          </a:xfrm>
+          <a:prstGeom prst="line">
+            <a:avLst/>
+          </a:prstGeom>
+        </p:spPr>
+        <p:style>
+          <a:lnRef idx="3">
+            <a:schemeClr val="dk1"/>
+          </a:lnRef>
+          <a:fillRef idx="0">
+            <a:schemeClr val="dk1"/>
+          </a:fillRef>
+          <a:effectRef idx="2">
+            <a:schemeClr val="dk1"/>
+          </a:effectRef>
+          <a:fontRef idx="minor">
+            <a:schemeClr val="tx1"/>
+          </a:fontRef>
+        </p:style>
+      </p:cxnSp>
+      <p:cxnSp>
+        <p:nvCxnSpPr>
+          <p:cNvPr id="42" name="直線コネクタ 41">
+            <a:extLst>
+              <a:ext uri="{FF2B5EF4-FFF2-40B4-BE49-F238E27FC236}">
+                <a16:creationId xmlns:a16="http://schemas.microsoft.com/office/drawing/2014/main" id="{1DA82964-256A-4386-8754-A117548D1521}"/>
+              </a:ext>
+            </a:extLst>
+          </p:cNvPr>
+          <p:cNvCxnSpPr>
+            <a:cxnSpLocks/>
+            <a:stCxn id="4" idx="0"/>
+          </p:cNvCxnSpPr>
+          <p:nvPr/>
+        </p:nvCxnSpPr>
+        <p:spPr>
+          <a:xfrm flipH="1" flipV="1">
+            <a:off x="7849143" y="3022418"/>
+            <a:ext cx="1" cy="515440"/>
+          </a:xfrm>
+          <a:prstGeom prst="line">
+            <a:avLst/>
+          </a:prstGeom>
+        </p:spPr>
+        <p:style>
+          <a:lnRef idx="3">
+            <a:schemeClr val="dk1"/>
+          </a:lnRef>
+          <a:fillRef idx="0">
+            <a:schemeClr val="dk1"/>
+          </a:fillRef>
+          <a:effectRef idx="2">
+            <a:schemeClr val="dk1"/>
+          </a:effectRef>
+          <a:fontRef idx="minor">
+            <a:schemeClr val="tx1"/>
+          </a:fontRef>
+        </p:style>
+      </p:cxnSp>
     </p:spTree>
     <p:extLst>
       <p:ext uri="{BB962C8B-B14F-4D97-AF65-F5344CB8AC3E}">

--- a/図表用.pptx
+++ b/図表用.pptx
@@ -9,6 +9,7 @@
     <p:sldId id="258" r:id="rId3"/>
     <p:sldId id="259" r:id="rId4"/>
     <p:sldId id="260" r:id="rId5"/>
+    <p:sldId id="261" r:id="rId6"/>
   </p:sldIdLst>
   <p:sldSz cx="12192000" cy="6858000"/>
   <p:notesSz cx="6858000" cy="9144000"/>
@@ -262,7 +263,7 @@
           <a:p>
             <a:fld id="{DB509FEB-E92A-4D01-B810-C30A9B8B75F2}" type="datetimeFigureOut">
               <a:rPr kumimoji="1" lang="ja-JP" altLang="en-US" smtClean="0"/>
-              <a:t>2021/3/16</a:t>
+              <a:t>2021/3/17</a:t>
             </a:fld>
             <a:endParaRPr kumimoji="1" lang="ja-JP" altLang="en-US" dirty="0"/>
           </a:p>
@@ -492,7 +493,7 @@
           <a:p>
             <a:fld id="{DB509FEB-E92A-4D01-B810-C30A9B8B75F2}" type="datetimeFigureOut">
               <a:rPr kumimoji="1" lang="ja-JP" altLang="en-US" smtClean="0"/>
-              <a:t>2021/3/16</a:t>
+              <a:t>2021/3/17</a:t>
             </a:fld>
             <a:endParaRPr kumimoji="1" lang="ja-JP" altLang="en-US" dirty="0"/>
           </a:p>
@@ -732,7 +733,7 @@
           <a:p>
             <a:fld id="{DB509FEB-E92A-4D01-B810-C30A9B8B75F2}" type="datetimeFigureOut">
               <a:rPr kumimoji="1" lang="ja-JP" altLang="en-US" smtClean="0"/>
-              <a:t>2021/3/16</a:t>
+              <a:t>2021/3/17</a:t>
             </a:fld>
             <a:endParaRPr kumimoji="1" lang="ja-JP" altLang="en-US" dirty="0"/>
           </a:p>
@@ -962,7 +963,7 @@
           <a:p>
             <a:fld id="{DB509FEB-E92A-4D01-B810-C30A9B8B75F2}" type="datetimeFigureOut">
               <a:rPr kumimoji="1" lang="ja-JP" altLang="en-US" smtClean="0"/>
-              <a:t>2021/3/16</a:t>
+              <a:t>2021/3/17</a:t>
             </a:fld>
             <a:endParaRPr kumimoji="1" lang="ja-JP" altLang="en-US" dirty="0"/>
           </a:p>
@@ -1237,7 +1238,7 @@
           <a:p>
             <a:fld id="{DB509FEB-E92A-4D01-B810-C30A9B8B75F2}" type="datetimeFigureOut">
               <a:rPr kumimoji="1" lang="ja-JP" altLang="en-US" smtClean="0"/>
-              <a:t>2021/3/16</a:t>
+              <a:t>2021/3/17</a:t>
             </a:fld>
             <a:endParaRPr kumimoji="1" lang="ja-JP" altLang="en-US" dirty="0"/>
           </a:p>
@@ -1566,7 +1567,7 @@
           <a:p>
             <a:fld id="{DB509FEB-E92A-4D01-B810-C30A9B8B75F2}" type="datetimeFigureOut">
               <a:rPr kumimoji="1" lang="ja-JP" altLang="en-US" smtClean="0"/>
-              <a:t>2021/3/16</a:t>
+              <a:t>2021/3/17</a:t>
             </a:fld>
             <a:endParaRPr kumimoji="1" lang="ja-JP" altLang="en-US" dirty="0"/>
           </a:p>
@@ -2042,7 +2043,7 @@
           <a:p>
             <a:fld id="{DB509FEB-E92A-4D01-B810-C30A9B8B75F2}" type="datetimeFigureOut">
               <a:rPr kumimoji="1" lang="ja-JP" altLang="en-US" smtClean="0"/>
-              <a:t>2021/3/16</a:t>
+              <a:t>2021/3/17</a:t>
             </a:fld>
             <a:endParaRPr kumimoji="1" lang="ja-JP" altLang="en-US" dirty="0"/>
           </a:p>
@@ -2183,7 +2184,7 @@
           <a:p>
             <a:fld id="{DB509FEB-E92A-4D01-B810-C30A9B8B75F2}" type="datetimeFigureOut">
               <a:rPr kumimoji="1" lang="ja-JP" altLang="en-US" smtClean="0"/>
-              <a:t>2021/3/16</a:t>
+              <a:t>2021/3/17</a:t>
             </a:fld>
             <a:endParaRPr kumimoji="1" lang="ja-JP" altLang="en-US" dirty="0"/>
           </a:p>
@@ -2296,7 +2297,7 @@
           <a:p>
             <a:fld id="{DB509FEB-E92A-4D01-B810-C30A9B8B75F2}" type="datetimeFigureOut">
               <a:rPr kumimoji="1" lang="ja-JP" altLang="en-US" smtClean="0"/>
-              <a:t>2021/3/16</a:t>
+              <a:t>2021/3/17</a:t>
             </a:fld>
             <a:endParaRPr kumimoji="1" lang="ja-JP" altLang="en-US" dirty="0"/>
           </a:p>
@@ -2639,7 +2640,7 @@
           <a:p>
             <a:fld id="{DB509FEB-E92A-4D01-B810-C30A9B8B75F2}" type="datetimeFigureOut">
               <a:rPr kumimoji="1" lang="ja-JP" altLang="en-US" smtClean="0"/>
-              <a:t>2021/3/16</a:t>
+              <a:t>2021/3/17</a:t>
             </a:fld>
             <a:endParaRPr kumimoji="1" lang="ja-JP" altLang="en-US" dirty="0"/>
           </a:p>
@@ -2927,7 +2928,7 @@
           <a:p>
             <a:fld id="{DB509FEB-E92A-4D01-B810-C30A9B8B75F2}" type="datetimeFigureOut">
               <a:rPr kumimoji="1" lang="ja-JP" altLang="en-US" smtClean="0"/>
-              <a:t>2021/3/16</a:t>
+              <a:t>2021/3/17</a:t>
             </a:fld>
             <a:endParaRPr kumimoji="1" lang="ja-JP" altLang="en-US" dirty="0"/>
           </a:p>
@@ -3200,7 +3201,7 @@
           <a:p>
             <a:fld id="{DB509FEB-E92A-4D01-B810-C30A9B8B75F2}" type="datetimeFigureOut">
               <a:rPr kumimoji="1" lang="ja-JP" altLang="en-US" smtClean="0"/>
-              <a:t>2021/3/16</a:t>
+              <a:t>2021/3/17</a:t>
             </a:fld>
             <a:endParaRPr kumimoji="1" lang="ja-JP" altLang="en-US" dirty="0"/>
           </a:p>
@@ -6904,11 +6905,13 @@
         </p:nvSpPr>
         <p:spPr>
           <a:xfrm>
-            <a:off x="8567059" y="4595379"/>
-            <a:ext cx="1631766" cy="606383"/>
+            <a:off x="8567059" y="4745405"/>
+            <a:ext cx="1631766" cy="1192469"/>
           </a:xfrm>
           <a:prstGeom prst="roundRect">
-            <a:avLst/>
+            <a:avLst>
+              <a:gd name="adj" fmla="val 7154"/>
+            </a:avLst>
           </a:prstGeom>
         </p:spPr>
         <p:style>
@@ -6933,6 +6936,13 @@
             <a:r>
               <a:rPr kumimoji="1" lang="ja-JP" altLang="en-US" dirty="0"/>
               <a:t>組織内</a:t>
+            </a:r>
+            <a:br>
+              <a:rPr kumimoji="1" lang="en-US" altLang="ja-JP" dirty="0"/>
+            </a:br>
+            <a:r>
+              <a:rPr kumimoji="1" lang="ja-JP" altLang="en-US" dirty="0"/>
+              <a:t>プライベート</a:t>
             </a:r>
             <a:br>
               <a:rPr kumimoji="1" lang="en-US" altLang="ja-JP" dirty="0"/>
@@ -7143,6 +7153,1128 @@
     <p:extLst>
       <p:ext uri="{BB962C8B-B14F-4D97-AF65-F5344CB8AC3E}">
         <p14:creationId xmlns:p14="http://schemas.microsoft.com/office/powerpoint/2010/main" val="2719161534"/>
+      </p:ext>
+    </p:extLst>
+  </p:cSld>
+  <p:clrMapOvr>
+    <a:masterClrMapping/>
+  </p:clrMapOvr>
+</p:sld>
+</file>
+
+<file path=ppt/slides/slide5.xml><?xml version="1.0" encoding="utf-8"?>
+<p:sld xmlns:a="http://schemas.openxmlformats.org/drawingml/2006/main" xmlns:r="http://schemas.openxmlformats.org/officeDocument/2006/relationships" xmlns:p="http://schemas.openxmlformats.org/presentationml/2006/main">
+  <p:cSld>
+    <p:spTree>
+      <p:nvGrpSpPr>
+        <p:cNvPr id="1" name=""/>
+        <p:cNvGrpSpPr/>
+        <p:nvPr/>
+      </p:nvGrpSpPr>
+      <p:grpSpPr>
+        <a:xfrm>
+          <a:off x="0" y="0"/>
+          <a:ext cx="0" cy="0"/>
+          <a:chOff x="0" y="0"/>
+          <a:chExt cx="0" cy="0"/>
+        </a:xfrm>
+      </p:grpSpPr>
+      <p:sp>
+        <p:nvSpPr>
+          <p:cNvPr id="25" name="正方形/長方形 24">
+            <a:extLst>
+              <a:ext uri="{FF2B5EF4-FFF2-40B4-BE49-F238E27FC236}">
+                <a16:creationId xmlns:a16="http://schemas.microsoft.com/office/drawing/2014/main" id="{01D429EF-C95B-41BF-8975-96768593B665}"/>
+              </a:ext>
+            </a:extLst>
+          </p:cNvPr>
+          <p:cNvSpPr/>
+          <p:nvPr/>
+        </p:nvSpPr>
+        <p:spPr>
+          <a:xfrm>
+            <a:off x="1993175" y="4620467"/>
+            <a:ext cx="6824247" cy="1883175"/>
+          </a:xfrm>
+          <a:prstGeom prst="rect">
+            <a:avLst/>
+          </a:prstGeom>
+          <a:ln>
+            <a:prstDash val="dash"/>
+          </a:ln>
+        </p:spPr>
+        <p:style>
+          <a:lnRef idx="2">
+            <a:schemeClr val="dk1"/>
+          </a:lnRef>
+          <a:fillRef idx="1">
+            <a:schemeClr val="lt1"/>
+          </a:fillRef>
+          <a:effectRef idx="0">
+            <a:schemeClr val="dk1"/>
+          </a:effectRef>
+          <a:fontRef idx="minor">
+            <a:schemeClr val="dk1"/>
+          </a:fontRef>
+        </p:style>
+        <p:txBody>
+          <a:bodyPr rtlCol="0" anchor="ctr"/>
+          <a:lstStyle/>
+          <a:p>
+            <a:pPr algn="ctr"/>
+            <a:endParaRPr kumimoji="1" lang="ja-JP" altLang="en-US"/>
+          </a:p>
+        </p:txBody>
+      </p:sp>
+      <p:sp>
+        <p:nvSpPr>
+          <p:cNvPr id="24" name="正方形/長方形 23">
+            <a:extLst>
+              <a:ext uri="{FF2B5EF4-FFF2-40B4-BE49-F238E27FC236}">
+                <a16:creationId xmlns:a16="http://schemas.microsoft.com/office/drawing/2014/main" id="{9633626E-B408-4707-B5A0-69D9D99F9A38}"/>
+              </a:ext>
+            </a:extLst>
+          </p:cNvPr>
+          <p:cNvSpPr/>
+          <p:nvPr/>
+        </p:nvSpPr>
+        <p:spPr>
+          <a:xfrm>
+            <a:off x="4833257" y="2514600"/>
+            <a:ext cx="4844140" cy="1883175"/>
+          </a:xfrm>
+          <a:prstGeom prst="rect">
+            <a:avLst/>
+          </a:prstGeom>
+          <a:ln>
+            <a:prstDash val="dash"/>
+          </a:ln>
+        </p:spPr>
+        <p:style>
+          <a:lnRef idx="2">
+            <a:schemeClr val="dk1"/>
+          </a:lnRef>
+          <a:fillRef idx="1">
+            <a:schemeClr val="lt1"/>
+          </a:fillRef>
+          <a:effectRef idx="0">
+            <a:schemeClr val="dk1"/>
+          </a:effectRef>
+          <a:fontRef idx="minor">
+            <a:schemeClr val="dk1"/>
+          </a:fontRef>
+        </p:style>
+        <p:txBody>
+          <a:bodyPr rtlCol="0" anchor="ctr"/>
+          <a:lstStyle/>
+          <a:p>
+            <a:pPr algn="ctr"/>
+            <a:endParaRPr kumimoji="1" lang="ja-JP" altLang="en-US"/>
+          </a:p>
+        </p:txBody>
+      </p:sp>
+      <p:sp>
+        <p:nvSpPr>
+          <p:cNvPr id="2" name="正方形/長方形 1">
+            <a:extLst>
+              <a:ext uri="{FF2B5EF4-FFF2-40B4-BE49-F238E27FC236}">
+                <a16:creationId xmlns:a16="http://schemas.microsoft.com/office/drawing/2014/main" id="{C81C08ED-082E-4916-B7FA-E92E4729DBBB}"/>
+              </a:ext>
+            </a:extLst>
+          </p:cNvPr>
+          <p:cNvSpPr/>
+          <p:nvPr/>
+        </p:nvSpPr>
+        <p:spPr>
+          <a:xfrm>
+            <a:off x="3589543" y="867951"/>
+            <a:ext cx="1103037" cy="370479"/>
+          </a:xfrm>
+          <a:prstGeom prst="rect">
+            <a:avLst/>
+          </a:prstGeom>
+        </p:spPr>
+        <p:style>
+          <a:lnRef idx="2">
+            <a:schemeClr val="dk1">
+              <a:shade val="50000"/>
+            </a:schemeClr>
+          </a:lnRef>
+          <a:fillRef idx="1">
+            <a:schemeClr val="dk1"/>
+          </a:fillRef>
+          <a:effectRef idx="0">
+            <a:schemeClr val="dk1"/>
+          </a:effectRef>
+          <a:fontRef idx="minor">
+            <a:schemeClr val="lt1"/>
+          </a:fontRef>
+        </p:style>
+        <p:txBody>
+          <a:bodyPr rtlCol="0" anchor="ctr"/>
+          <a:lstStyle/>
+          <a:p>
+            <a:pPr algn="ctr"/>
+            <a:r>
+              <a:rPr kumimoji="1" lang="ja-JP" altLang="en-US" dirty="0"/>
+              <a:t>スイッチ</a:t>
+            </a:r>
+          </a:p>
+        </p:txBody>
+      </p:sp>
+      <p:sp>
+        <p:nvSpPr>
+          <p:cNvPr id="3" name="正方形/長方形 2">
+            <a:extLst>
+              <a:ext uri="{FF2B5EF4-FFF2-40B4-BE49-F238E27FC236}">
+                <a16:creationId xmlns:a16="http://schemas.microsoft.com/office/drawing/2014/main" id="{B4DDE9C9-B902-43F4-88C7-557BE3862B9B}"/>
+              </a:ext>
+            </a:extLst>
+          </p:cNvPr>
+          <p:cNvSpPr/>
+          <p:nvPr/>
+        </p:nvSpPr>
+        <p:spPr>
+          <a:xfrm>
+            <a:off x="5638799" y="3537858"/>
+            <a:ext cx="1198517" cy="601980"/>
+          </a:xfrm>
+          <a:prstGeom prst="rect">
+            <a:avLst/>
+          </a:prstGeom>
+        </p:spPr>
+        <p:style>
+          <a:lnRef idx="2">
+            <a:schemeClr val="dk1">
+              <a:shade val="50000"/>
+            </a:schemeClr>
+          </a:lnRef>
+          <a:fillRef idx="1">
+            <a:schemeClr val="dk1"/>
+          </a:fillRef>
+          <a:effectRef idx="0">
+            <a:schemeClr val="dk1"/>
+          </a:effectRef>
+          <a:fontRef idx="minor">
+            <a:schemeClr val="lt1"/>
+          </a:fontRef>
+        </p:style>
+        <p:txBody>
+          <a:bodyPr rtlCol="0" anchor="ctr"/>
+          <a:lstStyle/>
+          <a:p>
+            <a:pPr algn="ctr"/>
+            <a:r>
+              <a:rPr kumimoji="1" lang="ja-JP" altLang="en-US" dirty="0"/>
+              <a:t>外部向けサーバ</a:t>
+            </a:r>
+          </a:p>
+        </p:txBody>
+      </p:sp>
+      <p:sp>
+        <p:nvSpPr>
+          <p:cNvPr id="4" name="正方形/長方形 3">
+            <a:extLst>
+              <a:ext uri="{FF2B5EF4-FFF2-40B4-BE49-F238E27FC236}">
+                <a16:creationId xmlns:a16="http://schemas.microsoft.com/office/drawing/2014/main" id="{6377A0CC-4660-4C17-938D-51A9B0F0F121}"/>
+              </a:ext>
+            </a:extLst>
+          </p:cNvPr>
+          <p:cNvSpPr/>
+          <p:nvPr/>
+        </p:nvSpPr>
+        <p:spPr>
+          <a:xfrm>
+            <a:off x="7249885" y="3537858"/>
+            <a:ext cx="1198517" cy="601980"/>
+          </a:xfrm>
+          <a:prstGeom prst="rect">
+            <a:avLst/>
+          </a:prstGeom>
+        </p:spPr>
+        <p:style>
+          <a:lnRef idx="2">
+            <a:schemeClr val="dk1">
+              <a:shade val="50000"/>
+            </a:schemeClr>
+          </a:lnRef>
+          <a:fillRef idx="1">
+            <a:schemeClr val="dk1"/>
+          </a:fillRef>
+          <a:effectRef idx="0">
+            <a:schemeClr val="dk1"/>
+          </a:effectRef>
+          <a:fontRef idx="minor">
+            <a:schemeClr val="lt1"/>
+          </a:fontRef>
+        </p:style>
+        <p:txBody>
+          <a:bodyPr rtlCol="0" anchor="ctr"/>
+          <a:lstStyle/>
+          <a:p>
+            <a:pPr algn="ctr"/>
+            <a:r>
+              <a:rPr kumimoji="1" lang="ja-JP" altLang="en-US" dirty="0"/>
+              <a:t>外部向けサーバ</a:t>
+            </a:r>
+          </a:p>
+        </p:txBody>
+      </p:sp>
+      <p:cxnSp>
+        <p:nvCxnSpPr>
+          <p:cNvPr id="7" name="直線コネクタ 6">
+            <a:extLst>
+              <a:ext uri="{FF2B5EF4-FFF2-40B4-BE49-F238E27FC236}">
+                <a16:creationId xmlns:a16="http://schemas.microsoft.com/office/drawing/2014/main" id="{7F370CCB-D37D-487F-BD41-12E7E11B1E59}"/>
+              </a:ext>
+            </a:extLst>
+          </p:cNvPr>
+          <p:cNvCxnSpPr>
+            <a:cxnSpLocks/>
+          </p:cNvCxnSpPr>
+          <p:nvPr/>
+        </p:nvCxnSpPr>
+        <p:spPr>
+          <a:xfrm flipV="1">
+            <a:off x="7900348" y="1018404"/>
+            <a:ext cx="4066226" cy="115750"/>
+          </a:xfrm>
+          <a:prstGeom prst="line">
+            <a:avLst/>
+          </a:prstGeom>
+        </p:spPr>
+        <p:style>
+          <a:lnRef idx="3">
+            <a:schemeClr val="dk1"/>
+          </a:lnRef>
+          <a:fillRef idx="0">
+            <a:schemeClr val="dk1"/>
+          </a:fillRef>
+          <a:effectRef idx="2">
+            <a:schemeClr val="dk1"/>
+          </a:effectRef>
+          <a:fontRef idx="minor">
+            <a:schemeClr val="tx1"/>
+          </a:fontRef>
+        </p:style>
+      </p:cxnSp>
+      <p:cxnSp>
+        <p:nvCxnSpPr>
+          <p:cNvPr id="11" name="直線コネクタ 10">
+            <a:extLst>
+              <a:ext uri="{FF2B5EF4-FFF2-40B4-BE49-F238E27FC236}">
+                <a16:creationId xmlns:a16="http://schemas.microsoft.com/office/drawing/2014/main" id="{92CDCBD7-A40E-4E45-AB0A-6714C5BFEDD4}"/>
+              </a:ext>
+            </a:extLst>
+          </p:cNvPr>
+          <p:cNvCxnSpPr>
+            <a:cxnSpLocks/>
+          </p:cNvCxnSpPr>
+          <p:nvPr/>
+        </p:nvCxnSpPr>
+        <p:spPr>
+          <a:xfrm>
+            <a:off x="7249885" y="1447255"/>
+            <a:ext cx="0" cy="1575163"/>
+          </a:xfrm>
+          <a:prstGeom prst="line">
+            <a:avLst/>
+          </a:prstGeom>
+        </p:spPr>
+        <p:style>
+          <a:lnRef idx="3">
+            <a:schemeClr val="dk1"/>
+          </a:lnRef>
+          <a:fillRef idx="0">
+            <a:schemeClr val="dk1"/>
+          </a:fillRef>
+          <a:effectRef idx="2">
+            <a:schemeClr val="dk1"/>
+          </a:effectRef>
+          <a:fontRef idx="minor">
+            <a:schemeClr val="tx1"/>
+          </a:fontRef>
+        </p:style>
+      </p:cxnSp>
+      <p:cxnSp>
+        <p:nvCxnSpPr>
+          <p:cNvPr id="12" name="直線コネクタ 11">
+            <a:extLst>
+              <a:ext uri="{FF2B5EF4-FFF2-40B4-BE49-F238E27FC236}">
+                <a16:creationId xmlns:a16="http://schemas.microsoft.com/office/drawing/2014/main" id="{097758C1-8C3C-4918-BD54-5714A553637D}"/>
+              </a:ext>
+            </a:extLst>
+          </p:cNvPr>
+          <p:cNvCxnSpPr>
+            <a:cxnSpLocks/>
+          </p:cNvCxnSpPr>
+          <p:nvPr/>
+        </p:nvCxnSpPr>
+        <p:spPr>
+          <a:xfrm flipH="1">
+            <a:off x="2485934" y="4909457"/>
+            <a:ext cx="5962468" cy="0"/>
+          </a:xfrm>
+          <a:prstGeom prst="line">
+            <a:avLst/>
+          </a:prstGeom>
+        </p:spPr>
+        <p:style>
+          <a:lnRef idx="3">
+            <a:schemeClr val="dk1"/>
+          </a:lnRef>
+          <a:fillRef idx="0">
+            <a:schemeClr val="dk1"/>
+          </a:fillRef>
+          <a:effectRef idx="2">
+            <a:schemeClr val="dk1"/>
+          </a:effectRef>
+          <a:fontRef idx="minor">
+            <a:schemeClr val="tx1"/>
+          </a:fontRef>
+        </p:style>
+      </p:cxnSp>
+      <p:sp>
+        <p:nvSpPr>
+          <p:cNvPr id="15" name="正方形/長方形 14">
+            <a:extLst>
+              <a:ext uri="{FF2B5EF4-FFF2-40B4-BE49-F238E27FC236}">
+                <a16:creationId xmlns:a16="http://schemas.microsoft.com/office/drawing/2014/main" id="{796B608C-2C17-466C-B7DA-4A72C047C44F}"/>
+              </a:ext>
+            </a:extLst>
+          </p:cNvPr>
+          <p:cNvSpPr/>
+          <p:nvPr/>
+        </p:nvSpPr>
+        <p:spPr>
+          <a:xfrm>
+            <a:off x="2485933" y="5261065"/>
+            <a:ext cx="1697265" cy="601980"/>
+          </a:xfrm>
+          <a:prstGeom prst="rect">
+            <a:avLst/>
+          </a:prstGeom>
+        </p:spPr>
+        <p:style>
+          <a:lnRef idx="2">
+            <a:schemeClr val="dk1">
+              <a:shade val="50000"/>
+            </a:schemeClr>
+          </a:lnRef>
+          <a:fillRef idx="1">
+            <a:schemeClr val="dk1"/>
+          </a:fillRef>
+          <a:effectRef idx="0">
+            <a:schemeClr val="dk1"/>
+          </a:effectRef>
+          <a:fontRef idx="minor">
+            <a:schemeClr val="lt1"/>
+          </a:fontRef>
+        </p:style>
+        <p:txBody>
+          <a:bodyPr rtlCol="0" anchor="ctr"/>
+          <a:lstStyle/>
+          <a:p>
+            <a:pPr algn="ctr"/>
+            <a:r>
+              <a:rPr kumimoji="1" lang="ja-JP" altLang="en-US" dirty="0"/>
+              <a:t>クライアント端末</a:t>
+            </a:r>
+          </a:p>
+        </p:txBody>
+      </p:sp>
+      <p:sp>
+        <p:nvSpPr>
+          <p:cNvPr id="16" name="正方形/長方形 15">
+            <a:extLst>
+              <a:ext uri="{FF2B5EF4-FFF2-40B4-BE49-F238E27FC236}">
+                <a16:creationId xmlns:a16="http://schemas.microsoft.com/office/drawing/2014/main" id="{285397AB-941F-41A4-A838-9C1066A858DB}"/>
+              </a:ext>
+            </a:extLst>
+          </p:cNvPr>
+          <p:cNvSpPr/>
+          <p:nvPr/>
+        </p:nvSpPr>
+        <p:spPr>
+          <a:xfrm>
+            <a:off x="4540792" y="5261065"/>
+            <a:ext cx="1697265" cy="601980"/>
+          </a:xfrm>
+          <a:prstGeom prst="rect">
+            <a:avLst/>
+          </a:prstGeom>
+        </p:spPr>
+        <p:style>
+          <a:lnRef idx="2">
+            <a:schemeClr val="dk1">
+              <a:shade val="50000"/>
+            </a:schemeClr>
+          </a:lnRef>
+          <a:fillRef idx="1">
+            <a:schemeClr val="dk1"/>
+          </a:fillRef>
+          <a:effectRef idx="0">
+            <a:schemeClr val="dk1"/>
+          </a:effectRef>
+          <a:fontRef idx="minor">
+            <a:schemeClr val="lt1"/>
+          </a:fontRef>
+        </p:style>
+        <p:txBody>
+          <a:bodyPr rtlCol="0" anchor="ctr"/>
+          <a:lstStyle/>
+          <a:p>
+            <a:pPr algn="ctr"/>
+            <a:r>
+              <a:rPr kumimoji="1" lang="ja-JP" altLang="en-US" dirty="0"/>
+              <a:t>クライアント端末</a:t>
+            </a:r>
+          </a:p>
+        </p:txBody>
+      </p:sp>
+      <p:sp>
+        <p:nvSpPr>
+          <p:cNvPr id="17" name="正方形/長方形 16">
+            <a:extLst>
+              <a:ext uri="{FF2B5EF4-FFF2-40B4-BE49-F238E27FC236}">
+                <a16:creationId xmlns:a16="http://schemas.microsoft.com/office/drawing/2014/main" id="{ED6B14D4-5713-45E6-821B-E0D3D204494B}"/>
+              </a:ext>
+            </a:extLst>
+          </p:cNvPr>
+          <p:cNvSpPr/>
+          <p:nvPr/>
+        </p:nvSpPr>
+        <p:spPr>
+          <a:xfrm>
+            <a:off x="6595651" y="5261065"/>
+            <a:ext cx="1697265" cy="601980"/>
+          </a:xfrm>
+          <a:prstGeom prst="rect">
+            <a:avLst/>
+          </a:prstGeom>
+        </p:spPr>
+        <p:style>
+          <a:lnRef idx="2">
+            <a:schemeClr val="dk1">
+              <a:shade val="50000"/>
+            </a:schemeClr>
+          </a:lnRef>
+          <a:fillRef idx="1">
+            <a:schemeClr val="dk1"/>
+          </a:fillRef>
+          <a:effectRef idx="0">
+            <a:schemeClr val="dk1"/>
+          </a:effectRef>
+          <a:fontRef idx="minor">
+            <a:schemeClr val="lt1"/>
+          </a:fontRef>
+        </p:style>
+        <p:txBody>
+          <a:bodyPr rtlCol="0" anchor="ctr"/>
+          <a:lstStyle/>
+          <a:p>
+            <a:pPr algn="ctr"/>
+            <a:r>
+              <a:rPr kumimoji="1" lang="ja-JP" altLang="en-US" dirty="0"/>
+              <a:t>クライアント端末</a:t>
+            </a:r>
+          </a:p>
+        </p:txBody>
+      </p:sp>
+      <p:sp>
+        <p:nvSpPr>
+          <p:cNvPr id="19" name="楕円 18">
+            <a:extLst>
+              <a:ext uri="{FF2B5EF4-FFF2-40B4-BE49-F238E27FC236}">
+                <a16:creationId xmlns:a16="http://schemas.microsoft.com/office/drawing/2014/main" id="{BEB101B7-6902-4844-826F-0F6AC9566300}"/>
+              </a:ext>
+            </a:extLst>
+          </p:cNvPr>
+          <p:cNvSpPr/>
+          <p:nvPr/>
+        </p:nvSpPr>
+        <p:spPr>
+          <a:xfrm>
+            <a:off x="312220" y="912532"/>
+            <a:ext cx="2280255" cy="947042"/>
+          </a:xfrm>
+          <a:prstGeom prst="ellipse">
+            <a:avLst/>
+          </a:prstGeom>
+          <a:ln w="28575"/>
+        </p:spPr>
+        <p:style>
+          <a:lnRef idx="2">
+            <a:schemeClr val="dk1"/>
+          </a:lnRef>
+          <a:fillRef idx="1">
+            <a:schemeClr val="lt1"/>
+          </a:fillRef>
+          <a:effectRef idx="0">
+            <a:schemeClr val="dk1"/>
+          </a:effectRef>
+          <a:fontRef idx="minor">
+            <a:schemeClr val="dk1"/>
+          </a:fontRef>
+        </p:style>
+        <p:txBody>
+          <a:bodyPr rtlCol="0" anchor="ctr"/>
+          <a:lstStyle/>
+          <a:p>
+            <a:pPr algn="ctr"/>
+            <a:r>
+              <a:rPr kumimoji="1" lang="ja-JP" altLang="en-US" dirty="0"/>
+              <a:t>外部</a:t>
+            </a:r>
+            <a:br>
+              <a:rPr kumimoji="1" lang="en-US" altLang="ja-JP" dirty="0"/>
+            </a:br>
+            <a:r>
+              <a:rPr kumimoji="1" lang="ja-JP" altLang="en-US" dirty="0"/>
+              <a:t>ネットワーク</a:t>
+            </a:r>
+          </a:p>
+        </p:txBody>
+      </p:sp>
+      <p:cxnSp>
+        <p:nvCxnSpPr>
+          <p:cNvPr id="20" name="直線コネクタ 19">
+            <a:extLst>
+              <a:ext uri="{FF2B5EF4-FFF2-40B4-BE49-F238E27FC236}">
+                <a16:creationId xmlns:a16="http://schemas.microsoft.com/office/drawing/2014/main" id="{EDF19CE8-5B2C-40CA-BC8C-17E38ABF2A4A}"/>
+              </a:ext>
+            </a:extLst>
+          </p:cNvPr>
+          <p:cNvCxnSpPr>
+            <a:cxnSpLocks/>
+            <a:stCxn id="19" idx="7"/>
+            <a:endCxn id="2" idx="1"/>
+          </p:cNvCxnSpPr>
+          <p:nvPr/>
+        </p:nvCxnSpPr>
+        <p:spPr>
+          <a:xfrm>
+            <a:off x="2258539" y="1051223"/>
+            <a:ext cx="1331004" cy="1968"/>
+          </a:xfrm>
+          <a:prstGeom prst="line">
+            <a:avLst/>
+          </a:prstGeom>
+        </p:spPr>
+        <p:style>
+          <a:lnRef idx="3">
+            <a:schemeClr val="dk1"/>
+          </a:lnRef>
+          <a:fillRef idx="0">
+            <a:schemeClr val="dk1"/>
+          </a:fillRef>
+          <a:effectRef idx="2">
+            <a:schemeClr val="dk1"/>
+          </a:effectRef>
+          <a:fontRef idx="minor">
+            <a:schemeClr val="tx1"/>
+          </a:fontRef>
+        </p:style>
+      </p:cxnSp>
+      <p:sp>
+        <p:nvSpPr>
+          <p:cNvPr id="26" name="四角形: 角を丸くする 25">
+            <a:extLst>
+              <a:ext uri="{FF2B5EF4-FFF2-40B4-BE49-F238E27FC236}">
+                <a16:creationId xmlns:a16="http://schemas.microsoft.com/office/drawing/2014/main" id="{822F49D4-4751-4AFE-8CF5-128D7B22A599}"/>
+              </a:ext>
+            </a:extLst>
+          </p:cNvPr>
+          <p:cNvSpPr/>
+          <p:nvPr/>
+        </p:nvSpPr>
+        <p:spPr>
+          <a:xfrm>
+            <a:off x="8675914" y="2275114"/>
+            <a:ext cx="1220641" cy="446310"/>
+          </a:xfrm>
+          <a:prstGeom prst="roundRect">
+            <a:avLst/>
+          </a:prstGeom>
+        </p:spPr>
+        <p:style>
+          <a:lnRef idx="2">
+            <a:schemeClr val="dk1"/>
+          </a:lnRef>
+          <a:fillRef idx="1">
+            <a:schemeClr val="lt1"/>
+          </a:fillRef>
+          <a:effectRef idx="0">
+            <a:schemeClr val="dk1"/>
+          </a:effectRef>
+          <a:fontRef idx="minor">
+            <a:schemeClr val="dk1"/>
+          </a:fontRef>
+        </p:style>
+        <p:txBody>
+          <a:bodyPr rtlCol="0" anchor="ctr"/>
+          <a:lstStyle/>
+          <a:p>
+            <a:pPr algn="ctr"/>
+            <a:r>
+              <a:rPr kumimoji="1" lang="en-US" altLang="ja-JP" dirty="0"/>
+              <a:t>DMZ</a:t>
+            </a:r>
+            <a:endParaRPr kumimoji="1" lang="ja-JP" altLang="en-US" dirty="0"/>
+          </a:p>
+        </p:txBody>
+      </p:sp>
+      <p:sp>
+        <p:nvSpPr>
+          <p:cNvPr id="27" name="四角形: 角を丸くする 26">
+            <a:extLst>
+              <a:ext uri="{FF2B5EF4-FFF2-40B4-BE49-F238E27FC236}">
+                <a16:creationId xmlns:a16="http://schemas.microsoft.com/office/drawing/2014/main" id="{95B63871-86B6-407E-80D8-128377CAB836}"/>
+              </a:ext>
+            </a:extLst>
+          </p:cNvPr>
+          <p:cNvSpPr/>
+          <p:nvPr/>
+        </p:nvSpPr>
+        <p:spPr>
+          <a:xfrm>
+            <a:off x="8567059" y="4745405"/>
+            <a:ext cx="1631766" cy="1192469"/>
+          </a:xfrm>
+          <a:prstGeom prst="roundRect">
+            <a:avLst>
+              <a:gd name="adj" fmla="val 7154"/>
+            </a:avLst>
+          </a:prstGeom>
+        </p:spPr>
+        <p:style>
+          <a:lnRef idx="2">
+            <a:schemeClr val="dk1"/>
+          </a:lnRef>
+          <a:fillRef idx="1">
+            <a:schemeClr val="lt1"/>
+          </a:fillRef>
+          <a:effectRef idx="0">
+            <a:schemeClr val="dk1"/>
+          </a:effectRef>
+          <a:fontRef idx="minor">
+            <a:schemeClr val="dk1"/>
+          </a:fontRef>
+        </p:style>
+        <p:txBody>
+          <a:bodyPr rtlCol="0" anchor="ctr"/>
+          <a:lstStyle/>
+          <a:p>
+            <a:pPr algn="ctr"/>
+            <a:r>
+              <a:rPr kumimoji="1" lang="ja-JP" altLang="en-US" dirty="0"/>
+              <a:t>組織内</a:t>
+            </a:r>
+            <a:br>
+              <a:rPr kumimoji="1" lang="en-US" altLang="ja-JP" dirty="0"/>
+            </a:br>
+            <a:r>
+              <a:rPr kumimoji="1" lang="ja-JP" altLang="en-US" dirty="0"/>
+              <a:t>プライベート</a:t>
+            </a:r>
+            <a:br>
+              <a:rPr kumimoji="1" lang="en-US" altLang="ja-JP" dirty="0"/>
+            </a:br>
+            <a:r>
+              <a:rPr kumimoji="1" lang="ja-JP" altLang="en-US" dirty="0"/>
+              <a:t>ネットワーク</a:t>
+            </a:r>
+          </a:p>
+        </p:txBody>
+      </p:sp>
+      <p:cxnSp>
+        <p:nvCxnSpPr>
+          <p:cNvPr id="30" name="直線コネクタ 29">
+            <a:extLst>
+              <a:ext uri="{FF2B5EF4-FFF2-40B4-BE49-F238E27FC236}">
+                <a16:creationId xmlns:a16="http://schemas.microsoft.com/office/drawing/2014/main" id="{43351245-53A4-4F51-9CF1-213D3BE1BC61}"/>
+              </a:ext>
+            </a:extLst>
+          </p:cNvPr>
+          <p:cNvCxnSpPr>
+            <a:cxnSpLocks/>
+            <a:endCxn id="15" idx="0"/>
+          </p:cNvCxnSpPr>
+          <p:nvPr/>
+        </p:nvCxnSpPr>
+        <p:spPr>
+          <a:xfrm>
+            <a:off x="3334565" y="4923659"/>
+            <a:ext cx="1" cy="337406"/>
+          </a:xfrm>
+          <a:prstGeom prst="line">
+            <a:avLst/>
+          </a:prstGeom>
+        </p:spPr>
+        <p:style>
+          <a:lnRef idx="3">
+            <a:schemeClr val="dk1"/>
+          </a:lnRef>
+          <a:fillRef idx="0">
+            <a:schemeClr val="dk1"/>
+          </a:fillRef>
+          <a:effectRef idx="2">
+            <a:schemeClr val="dk1"/>
+          </a:effectRef>
+          <a:fontRef idx="minor">
+            <a:schemeClr val="tx1"/>
+          </a:fontRef>
+        </p:style>
+      </p:cxnSp>
+      <p:cxnSp>
+        <p:nvCxnSpPr>
+          <p:cNvPr id="33" name="直線コネクタ 32">
+            <a:extLst>
+              <a:ext uri="{FF2B5EF4-FFF2-40B4-BE49-F238E27FC236}">
+                <a16:creationId xmlns:a16="http://schemas.microsoft.com/office/drawing/2014/main" id="{7BDE4F5D-9757-4A7E-AA87-627829A6A4BB}"/>
+              </a:ext>
+            </a:extLst>
+          </p:cNvPr>
+          <p:cNvCxnSpPr>
+            <a:cxnSpLocks/>
+            <a:endCxn id="16" idx="0"/>
+          </p:cNvCxnSpPr>
+          <p:nvPr/>
+        </p:nvCxnSpPr>
+        <p:spPr>
+          <a:xfrm>
+            <a:off x="5389424" y="4920344"/>
+            <a:ext cx="1" cy="340721"/>
+          </a:xfrm>
+          <a:prstGeom prst="line">
+            <a:avLst/>
+          </a:prstGeom>
+        </p:spPr>
+        <p:style>
+          <a:lnRef idx="3">
+            <a:schemeClr val="dk1"/>
+          </a:lnRef>
+          <a:fillRef idx="0">
+            <a:schemeClr val="dk1"/>
+          </a:fillRef>
+          <a:effectRef idx="2">
+            <a:schemeClr val="dk1"/>
+          </a:effectRef>
+          <a:fontRef idx="minor">
+            <a:schemeClr val="tx1"/>
+          </a:fontRef>
+        </p:style>
+      </p:cxnSp>
+      <p:cxnSp>
+        <p:nvCxnSpPr>
+          <p:cNvPr id="36" name="直線コネクタ 35">
+            <a:extLst>
+              <a:ext uri="{FF2B5EF4-FFF2-40B4-BE49-F238E27FC236}">
+                <a16:creationId xmlns:a16="http://schemas.microsoft.com/office/drawing/2014/main" id="{CD05CD18-B7E8-4F61-BB48-D318733AF07C}"/>
+              </a:ext>
+            </a:extLst>
+          </p:cNvPr>
+          <p:cNvCxnSpPr>
+            <a:cxnSpLocks/>
+            <a:endCxn id="17" idx="0"/>
+          </p:cNvCxnSpPr>
+          <p:nvPr/>
+        </p:nvCxnSpPr>
+        <p:spPr>
+          <a:xfrm>
+            <a:off x="7444284" y="4934546"/>
+            <a:ext cx="0" cy="326519"/>
+          </a:xfrm>
+          <a:prstGeom prst="line">
+            <a:avLst/>
+          </a:prstGeom>
+        </p:spPr>
+        <p:style>
+          <a:lnRef idx="3">
+            <a:schemeClr val="dk1"/>
+          </a:lnRef>
+          <a:fillRef idx="0">
+            <a:schemeClr val="dk1"/>
+          </a:fillRef>
+          <a:effectRef idx="2">
+            <a:schemeClr val="dk1"/>
+          </a:effectRef>
+          <a:fontRef idx="minor">
+            <a:schemeClr val="tx1"/>
+          </a:fontRef>
+        </p:style>
+      </p:cxnSp>
+      <p:cxnSp>
+        <p:nvCxnSpPr>
+          <p:cNvPr id="39" name="直線コネクタ 38">
+            <a:extLst>
+              <a:ext uri="{FF2B5EF4-FFF2-40B4-BE49-F238E27FC236}">
+                <a16:creationId xmlns:a16="http://schemas.microsoft.com/office/drawing/2014/main" id="{1887905C-1771-4F46-AB7C-2A462FF67437}"/>
+              </a:ext>
+            </a:extLst>
+          </p:cNvPr>
+          <p:cNvCxnSpPr>
+            <a:cxnSpLocks/>
+            <a:endCxn id="3" idx="0"/>
+          </p:cNvCxnSpPr>
+          <p:nvPr/>
+        </p:nvCxnSpPr>
+        <p:spPr>
+          <a:xfrm>
+            <a:off x="6238057" y="3022419"/>
+            <a:ext cx="1" cy="515439"/>
+          </a:xfrm>
+          <a:prstGeom prst="line">
+            <a:avLst/>
+          </a:prstGeom>
+        </p:spPr>
+        <p:style>
+          <a:lnRef idx="3">
+            <a:schemeClr val="dk1"/>
+          </a:lnRef>
+          <a:fillRef idx="0">
+            <a:schemeClr val="dk1"/>
+          </a:fillRef>
+          <a:effectRef idx="2">
+            <a:schemeClr val="dk1"/>
+          </a:effectRef>
+          <a:fontRef idx="minor">
+            <a:schemeClr val="tx1"/>
+          </a:fontRef>
+        </p:style>
+      </p:cxnSp>
+      <p:cxnSp>
+        <p:nvCxnSpPr>
+          <p:cNvPr id="42" name="直線コネクタ 41">
+            <a:extLst>
+              <a:ext uri="{FF2B5EF4-FFF2-40B4-BE49-F238E27FC236}">
+                <a16:creationId xmlns:a16="http://schemas.microsoft.com/office/drawing/2014/main" id="{1DA82964-256A-4386-8754-A117548D1521}"/>
+              </a:ext>
+            </a:extLst>
+          </p:cNvPr>
+          <p:cNvCxnSpPr>
+            <a:cxnSpLocks/>
+            <a:stCxn id="4" idx="0"/>
+          </p:cNvCxnSpPr>
+          <p:nvPr/>
+        </p:nvCxnSpPr>
+        <p:spPr>
+          <a:xfrm flipH="1" flipV="1">
+            <a:off x="7849143" y="3022418"/>
+            <a:ext cx="1" cy="515440"/>
+          </a:xfrm>
+          <a:prstGeom prst="line">
+            <a:avLst/>
+          </a:prstGeom>
+        </p:spPr>
+        <p:style>
+          <a:lnRef idx="3">
+            <a:schemeClr val="dk1"/>
+          </a:lnRef>
+          <a:fillRef idx="0">
+            <a:schemeClr val="dk1"/>
+          </a:fillRef>
+          <a:effectRef idx="2">
+            <a:schemeClr val="dk1"/>
+          </a:effectRef>
+          <a:fontRef idx="minor">
+            <a:schemeClr val="tx1"/>
+          </a:fontRef>
+        </p:style>
+      </p:cxnSp>
+      <p:sp>
+        <p:nvSpPr>
+          <p:cNvPr id="37" name="正方形/長方形 36">
+            <a:extLst>
+              <a:ext uri="{FF2B5EF4-FFF2-40B4-BE49-F238E27FC236}">
+                <a16:creationId xmlns:a16="http://schemas.microsoft.com/office/drawing/2014/main" id="{FE76702C-0AC5-4EC9-857B-BAD325A2F9D5}"/>
+              </a:ext>
+            </a:extLst>
+          </p:cNvPr>
+          <p:cNvSpPr/>
+          <p:nvPr/>
+        </p:nvSpPr>
+        <p:spPr>
+          <a:xfrm>
+            <a:off x="3586482" y="1527420"/>
+            <a:ext cx="1103037" cy="370479"/>
+          </a:xfrm>
+          <a:prstGeom prst="rect">
+            <a:avLst/>
+          </a:prstGeom>
+        </p:spPr>
+        <p:style>
+          <a:lnRef idx="2">
+            <a:schemeClr val="dk1">
+              <a:shade val="50000"/>
+            </a:schemeClr>
+          </a:lnRef>
+          <a:fillRef idx="1">
+            <a:schemeClr val="dk1"/>
+          </a:fillRef>
+          <a:effectRef idx="0">
+            <a:schemeClr val="dk1"/>
+          </a:effectRef>
+          <a:fontRef idx="minor">
+            <a:schemeClr val="lt1"/>
+          </a:fontRef>
+        </p:style>
+        <p:txBody>
+          <a:bodyPr rtlCol="0" anchor="ctr"/>
+          <a:lstStyle/>
+          <a:p>
+            <a:pPr algn="ctr"/>
+            <a:r>
+              <a:rPr kumimoji="1" lang="ja-JP" altLang="en-US" dirty="0"/>
+              <a:t>スイッチ</a:t>
+            </a:r>
+          </a:p>
+        </p:txBody>
+      </p:sp>
+      <p:cxnSp>
+        <p:nvCxnSpPr>
+          <p:cNvPr id="38" name="直線コネクタ 37">
+            <a:extLst>
+              <a:ext uri="{FF2B5EF4-FFF2-40B4-BE49-F238E27FC236}">
+                <a16:creationId xmlns:a16="http://schemas.microsoft.com/office/drawing/2014/main" id="{A651202F-ABEF-42FF-9443-1B93D9BB1176}"/>
+              </a:ext>
+            </a:extLst>
+          </p:cNvPr>
+          <p:cNvCxnSpPr>
+            <a:cxnSpLocks/>
+            <a:stCxn id="19" idx="5"/>
+            <a:endCxn id="37" idx="1"/>
+          </p:cNvCxnSpPr>
+          <p:nvPr/>
+        </p:nvCxnSpPr>
+        <p:spPr>
+          <a:xfrm flipV="1">
+            <a:off x="2258539" y="1712660"/>
+            <a:ext cx="1327943" cy="8223"/>
+          </a:xfrm>
+          <a:prstGeom prst="line">
+            <a:avLst/>
+          </a:prstGeom>
+        </p:spPr>
+        <p:style>
+          <a:lnRef idx="3">
+            <a:schemeClr val="dk1"/>
+          </a:lnRef>
+          <a:fillRef idx="0">
+            <a:schemeClr val="dk1"/>
+          </a:fillRef>
+          <a:effectRef idx="2">
+            <a:schemeClr val="dk1"/>
+          </a:effectRef>
+          <a:fontRef idx="minor">
+            <a:schemeClr val="tx1"/>
+          </a:fontRef>
+        </p:style>
+      </p:cxnSp>
+      <p:sp>
+        <p:nvSpPr>
+          <p:cNvPr id="41" name="正方形/長方形 40">
+            <a:extLst>
+              <a:ext uri="{FF2B5EF4-FFF2-40B4-BE49-F238E27FC236}">
+                <a16:creationId xmlns:a16="http://schemas.microsoft.com/office/drawing/2014/main" id="{C73A8D78-B95F-4D24-A6DF-A411D3F6FE67}"/>
+              </a:ext>
+            </a:extLst>
+          </p:cNvPr>
+          <p:cNvSpPr/>
+          <p:nvPr/>
+        </p:nvSpPr>
+        <p:spPr>
+          <a:xfrm>
+            <a:off x="5248724" y="864444"/>
+            <a:ext cx="1103037" cy="370479"/>
+          </a:xfrm>
+          <a:prstGeom prst="rect">
+            <a:avLst/>
+          </a:prstGeom>
+        </p:spPr>
+        <p:style>
+          <a:lnRef idx="2">
+            <a:schemeClr val="dk1">
+              <a:shade val="50000"/>
+            </a:schemeClr>
+          </a:lnRef>
+          <a:fillRef idx="1">
+            <a:schemeClr val="dk1"/>
+          </a:fillRef>
+          <a:effectRef idx="0">
+            <a:schemeClr val="dk1"/>
+          </a:effectRef>
+          <a:fontRef idx="minor">
+            <a:schemeClr val="lt1"/>
+          </a:fontRef>
+        </p:style>
+        <p:txBody>
+          <a:bodyPr rtlCol="0" anchor="ctr"/>
+          <a:lstStyle/>
+          <a:p>
+            <a:pPr algn="ctr"/>
+            <a:r>
+              <a:rPr kumimoji="1" lang="en-US" altLang="ja-JP" dirty="0"/>
+              <a:t>FW</a:t>
+            </a:r>
+            <a:endParaRPr kumimoji="1" lang="ja-JP" altLang="en-US" dirty="0"/>
+          </a:p>
+        </p:txBody>
+      </p:sp>
+      <p:sp>
+        <p:nvSpPr>
+          <p:cNvPr id="43" name="正方形/長方形 42">
+            <a:extLst>
+              <a:ext uri="{FF2B5EF4-FFF2-40B4-BE49-F238E27FC236}">
+                <a16:creationId xmlns:a16="http://schemas.microsoft.com/office/drawing/2014/main" id="{F777E1D2-7E23-45AB-A4F2-4549A435C62E}"/>
+              </a:ext>
+            </a:extLst>
+          </p:cNvPr>
+          <p:cNvSpPr/>
+          <p:nvPr/>
+        </p:nvSpPr>
+        <p:spPr>
+          <a:xfrm>
+            <a:off x="5245663" y="1523913"/>
+            <a:ext cx="1103037" cy="370479"/>
+          </a:xfrm>
+          <a:prstGeom prst="rect">
+            <a:avLst/>
+          </a:prstGeom>
+        </p:spPr>
+        <p:style>
+          <a:lnRef idx="2">
+            <a:schemeClr val="dk1">
+              <a:shade val="50000"/>
+            </a:schemeClr>
+          </a:lnRef>
+          <a:fillRef idx="1">
+            <a:schemeClr val="dk1"/>
+          </a:fillRef>
+          <a:effectRef idx="0">
+            <a:schemeClr val="dk1"/>
+          </a:effectRef>
+          <a:fontRef idx="minor">
+            <a:schemeClr val="lt1"/>
+          </a:fontRef>
+        </p:style>
+        <p:txBody>
+          <a:bodyPr rtlCol="0" anchor="ctr"/>
+          <a:lstStyle/>
+          <a:p>
+            <a:pPr algn="ctr"/>
+            <a:r>
+              <a:rPr kumimoji="1" lang="en-US" altLang="ja-JP" dirty="0"/>
+              <a:t>FW</a:t>
+            </a:r>
+            <a:endParaRPr kumimoji="1" lang="ja-JP" altLang="en-US" dirty="0"/>
+          </a:p>
+        </p:txBody>
+      </p:sp>
+    </p:spTree>
+    <p:extLst>
+      <p:ext uri="{BB962C8B-B14F-4D97-AF65-F5344CB8AC3E}">
+        <p14:creationId xmlns:p14="http://schemas.microsoft.com/office/powerpoint/2010/main" val="783710513"/>
       </p:ext>
     </p:extLst>
   </p:cSld>

--- a/図表用.pptx
+++ b/図表用.pptx
@@ -7181,100 +7181,6 @@
       </p:grpSpPr>
       <p:sp>
         <p:nvSpPr>
-          <p:cNvPr id="25" name="正方形/長方形 24">
-            <a:extLst>
-              <a:ext uri="{FF2B5EF4-FFF2-40B4-BE49-F238E27FC236}">
-                <a16:creationId xmlns:a16="http://schemas.microsoft.com/office/drawing/2014/main" id="{01D429EF-C95B-41BF-8975-96768593B665}"/>
-              </a:ext>
-            </a:extLst>
-          </p:cNvPr>
-          <p:cNvSpPr/>
-          <p:nvPr/>
-        </p:nvSpPr>
-        <p:spPr>
-          <a:xfrm>
-            <a:off x="1993175" y="4620467"/>
-            <a:ext cx="6824247" cy="1883175"/>
-          </a:xfrm>
-          <a:prstGeom prst="rect">
-            <a:avLst/>
-          </a:prstGeom>
-          <a:ln>
-            <a:prstDash val="dash"/>
-          </a:ln>
-        </p:spPr>
-        <p:style>
-          <a:lnRef idx="2">
-            <a:schemeClr val="dk1"/>
-          </a:lnRef>
-          <a:fillRef idx="1">
-            <a:schemeClr val="lt1"/>
-          </a:fillRef>
-          <a:effectRef idx="0">
-            <a:schemeClr val="dk1"/>
-          </a:effectRef>
-          <a:fontRef idx="minor">
-            <a:schemeClr val="dk1"/>
-          </a:fontRef>
-        </p:style>
-        <p:txBody>
-          <a:bodyPr rtlCol="0" anchor="ctr"/>
-          <a:lstStyle/>
-          <a:p>
-            <a:pPr algn="ctr"/>
-            <a:endParaRPr kumimoji="1" lang="ja-JP" altLang="en-US"/>
-          </a:p>
-        </p:txBody>
-      </p:sp>
-      <p:sp>
-        <p:nvSpPr>
-          <p:cNvPr id="24" name="正方形/長方形 23">
-            <a:extLst>
-              <a:ext uri="{FF2B5EF4-FFF2-40B4-BE49-F238E27FC236}">
-                <a16:creationId xmlns:a16="http://schemas.microsoft.com/office/drawing/2014/main" id="{9633626E-B408-4707-B5A0-69D9D99F9A38}"/>
-              </a:ext>
-            </a:extLst>
-          </p:cNvPr>
-          <p:cNvSpPr/>
-          <p:nvPr/>
-        </p:nvSpPr>
-        <p:spPr>
-          <a:xfrm>
-            <a:off x="4833257" y="2514600"/>
-            <a:ext cx="4844140" cy="1883175"/>
-          </a:xfrm>
-          <a:prstGeom prst="rect">
-            <a:avLst/>
-          </a:prstGeom>
-          <a:ln>
-            <a:prstDash val="dash"/>
-          </a:ln>
-        </p:spPr>
-        <p:style>
-          <a:lnRef idx="2">
-            <a:schemeClr val="dk1"/>
-          </a:lnRef>
-          <a:fillRef idx="1">
-            <a:schemeClr val="lt1"/>
-          </a:fillRef>
-          <a:effectRef idx="0">
-            <a:schemeClr val="dk1"/>
-          </a:effectRef>
-          <a:fontRef idx="minor">
-            <a:schemeClr val="dk1"/>
-          </a:fontRef>
-        </p:style>
-        <p:txBody>
-          <a:bodyPr rtlCol="0" anchor="ctr"/>
-          <a:lstStyle/>
-          <a:p>
-            <a:pPr algn="ctr"/>
-            <a:endParaRPr kumimoji="1" lang="ja-JP" altLang="en-US"/>
-          </a:p>
-        </p:txBody>
-      </p:sp>
-      <p:sp>
-        <p:nvSpPr>
           <p:cNvPr id="2" name="正方形/長方形 1">
             <a:extLst>
               <a:ext uri="{FF2B5EF4-FFF2-40B4-BE49-F238E27FC236}">
@@ -7336,8 +7242,8 @@
         </p:nvSpPr>
         <p:spPr>
           <a:xfrm>
-            <a:off x="5638799" y="3537858"/>
-            <a:ext cx="1198517" cy="601980"/>
+            <a:off x="13094107" y="1085063"/>
+            <a:ext cx="1040134" cy="601980"/>
           </a:xfrm>
           <a:prstGeom prst="rect">
             <a:avLst/>
@@ -7366,8 +7272,17 @@
             <a:pPr algn="ctr"/>
             <a:r>
               <a:rPr kumimoji="1" lang="ja-JP" altLang="en-US" dirty="0"/>
-              <a:t>外部向けサーバ</a:t>
-            </a:r>
+              <a:t>データ</a:t>
+            </a:r>
+            <a:endParaRPr kumimoji="1" lang="en-US" altLang="ja-JP" dirty="0"/>
+          </a:p>
+          <a:p>
+            <a:pPr algn="ctr"/>
+            <a:r>
+              <a:rPr lang="ja-JP" altLang="en-US" dirty="0"/>
+              <a:t>ベース</a:t>
+            </a:r>
+            <a:endParaRPr kumimoji="1" lang="ja-JP" altLang="en-US" dirty="0"/>
           </a:p>
         </p:txBody>
       </p:sp>
@@ -7385,8 +7300,8 @@
         </p:nvSpPr>
         <p:spPr>
           <a:xfrm>
-            <a:off x="7249885" y="3537858"/>
-            <a:ext cx="1198517" cy="601980"/>
+            <a:off x="10398895" y="611542"/>
+            <a:ext cx="2034320" cy="601980"/>
           </a:xfrm>
           <a:prstGeom prst="rect">
             <a:avLst/>
@@ -7415,287 +7330,26 @@
             <a:pPr algn="ctr"/>
             <a:r>
               <a:rPr kumimoji="1" lang="ja-JP" altLang="en-US" dirty="0"/>
-              <a:t>外部向けサーバ</a:t>
-            </a:r>
-          </a:p>
-        </p:txBody>
-      </p:sp>
-      <p:cxnSp>
-        <p:nvCxnSpPr>
-          <p:cNvPr id="7" name="直線コネクタ 6">
-            <a:extLst>
-              <a:ext uri="{FF2B5EF4-FFF2-40B4-BE49-F238E27FC236}">
-                <a16:creationId xmlns:a16="http://schemas.microsoft.com/office/drawing/2014/main" id="{7F370CCB-D37D-487F-BD41-12E7E11B1E59}"/>
-              </a:ext>
-            </a:extLst>
-          </p:cNvPr>
-          <p:cNvCxnSpPr>
-            <a:cxnSpLocks/>
-          </p:cNvCxnSpPr>
-          <p:nvPr/>
-        </p:nvCxnSpPr>
-        <p:spPr>
-          <a:xfrm flipV="1">
-            <a:off x="7900348" y="1018404"/>
-            <a:ext cx="4066226" cy="115750"/>
-          </a:xfrm>
-          <a:prstGeom prst="line">
-            <a:avLst/>
-          </a:prstGeom>
-        </p:spPr>
-        <p:style>
-          <a:lnRef idx="3">
-            <a:schemeClr val="dk1"/>
-          </a:lnRef>
-          <a:fillRef idx="0">
-            <a:schemeClr val="dk1"/>
-          </a:fillRef>
-          <a:effectRef idx="2">
-            <a:schemeClr val="dk1"/>
-          </a:effectRef>
-          <a:fontRef idx="minor">
-            <a:schemeClr val="tx1"/>
-          </a:fontRef>
-        </p:style>
-      </p:cxnSp>
-      <p:cxnSp>
-        <p:nvCxnSpPr>
-          <p:cNvPr id="11" name="直線コネクタ 10">
-            <a:extLst>
-              <a:ext uri="{FF2B5EF4-FFF2-40B4-BE49-F238E27FC236}">
-                <a16:creationId xmlns:a16="http://schemas.microsoft.com/office/drawing/2014/main" id="{92CDCBD7-A40E-4E45-AB0A-6714C5BFEDD4}"/>
-              </a:ext>
-            </a:extLst>
-          </p:cNvPr>
-          <p:cNvCxnSpPr>
-            <a:cxnSpLocks/>
-          </p:cNvCxnSpPr>
-          <p:nvPr/>
-        </p:nvCxnSpPr>
+              <a:t>アプリケーションサーバ</a:t>
+            </a:r>
+          </a:p>
+        </p:txBody>
+      </p:sp>
+      <p:sp>
+        <p:nvSpPr>
+          <p:cNvPr id="19" name="楕円 18">
+            <a:extLst>
+              <a:ext uri="{FF2B5EF4-FFF2-40B4-BE49-F238E27FC236}">
+                <a16:creationId xmlns:a16="http://schemas.microsoft.com/office/drawing/2014/main" id="{BEB101B7-6902-4844-826F-0F6AC9566300}"/>
+              </a:ext>
+            </a:extLst>
+          </p:cNvPr>
+          <p:cNvSpPr/>
+          <p:nvPr/>
+        </p:nvSpPr>
         <p:spPr>
           <a:xfrm>
-            <a:off x="7249885" y="1447255"/>
-            <a:ext cx="0" cy="1575163"/>
-          </a:xfrm>
-          <a:prstGeom prst="line">
-            <a:avLst/>
-          </a:prstGeom>
-        </p:spPr>
-        <p:style>
-          <a:lnRef idx="3">
-            <a:schemeClr val="dk1"/>
-          </a:lnRef>
-          <a:fillRef idx="0">
-            <a:schemeClr val="dk1"/>
-          </a:fillRef>
-          <a:effectRef idx="2">
-            <a:schemeClr val="dk1"/>
-          </a:effectRef>
-          <a:fontRef idx="minor">
-            <a:schemeClr val="tx1"/>
-          </a:fontRef>
-        </p:style>
-      </p:cxnSp>
-      <p:cxnSp>
-        <p:nvCxnSpPr>
-          <p:cNvPr id="12" name="直線コネクタ 11">
-            <a:extLst>
-              <a:ext uri="{FF2B5EF4-FFF2-40B4-BE49-F238E27FC236}">
-                <a16:creationId xmlns:a16="http://schemas.microsoft.com/office/drawing/2014/main" id="{097758C1-8C3C-4918-BD54-5714A553637D}"/>
-              </a:ext>
-            </a:extLst>
-          </p:cNvPr>
-          <p:cNvCxnSpPr>
-            <a:cxnSpLocks/>
-          </p:cNvCxnSpPr>
-          <p:nvPr/>
-        </p:nvCxnSpPr>
-        <p:spPr>
-          <a:xfrm flipH="1">
-            <a:off x="2485934" y="4909457"/>
-            <a:ext cx="5962468" cy="0"/>
-          </a:xfrm>
-          <a:prstGeom prst="line">
-            <a:avLst/>
-          </a:prstGeom>
-        </p:spPr>
-        <p:style>
-          <a:lnRef idx="3">
-            <a:schemeClr val="dk1"/>
-          </a:lnRef>
-          <a:fillRef idx="0">
-            <a:schemeClr val="dk1"/>
-          </a:fillRef>
-          <a:effectRef idx="2">
-            <a:schemeClr val="dk1"/>
-          </a:effectRef>
-          <a:fontRef idx="minor">
-            <a:schemeClr val="tx1"/>
-          </a:fontRef>
-        </p:style>
-      </p:cxnSp>
-      <p:sp>
-        <p:nvSpPr>
-          <p:cNvPr id="15" name="正方形/長方形 14">
-            <a:extLst>
-              <a:ext uri="{FF2B5EF4-FFF2-40B4-BE49-F238E27FC236}">
-                <a16:creationId xmlns:a16="http://schemas.microsoft.com/office/drawing/2014/main" id="{796B608C-2C17-466C-B7DA-4A72C047C44F}"/>
-              </a:ext>
-            </a:extLst>
-          </p:cNvPr>
-          <p:cNvSpPr/>
-          <p:nvPr/>
-        </p:nvSpPr>
-        <p:spPr>
-          <a:xfrm>
-            <a:off x="2485933" y="5261065"/>
-            <a:ext cx="1697265" cy="601980"/>
-          </a:xfrm>
-          <a:prstGeom prst="rect">
-            <a:avLst/>
-          </a:prstGeom>
-        </p:spPr>
-        <p:style>
-          <a:lnRef idx="2">
-            <a:schemeClr val="dk1">
-              <a:shade val="50000"/>
-            </a:schemeClr>
-          </a:lnRef>
-          <a:fillRef idx="1">
-            <a:schemeClr val="dk1"/>
-          </a:fillRef>
-          <a:effectRef idx="0">
-            <a:schemeClr val="dk1"/>
-          </a:effectRef>
-          <a:fontRef idx="minor">
-            <a:schemeClr val="lt1"/>
-          </a:fontRef>
-        </p:style>
-        <p:txBody>
-          <a:bodyPr rtlCol="0" anchor="ctr"/>
-          <a:lstStyle/>
-          <a:p>
-            <a:pPr algn="ctr"/>
-            <a:r>
-              <a:rPr kumimoji="1" lang="ja-JP" altLang="en-US" dirty="0"/>
-              <a:t>クライアント端末</a:t>
-            </a:r>
-          </a:p>
-        </p:txBody>
-      </p:sp>
-      <p:sp>
-        <p:nvSpPr>
-          <p:cNvPr id="16" name="正方形/長方形 15">
-            <a:extLst>
-              <a:ext uri="{FF2B5EF4-FFF2-40B4-BE49-F238E27FC236}">
-                <a16:creationId xmlns:a16="http://schemas.microsoft.com/office/drawing/2014/main" id="{285397AB-941F-41A4-A838-9C1066A858DB}"/>
-              </a:ext>
-            </a:extLst>
-          </p:cNvPr>
-          <p:cNvSpPr/>
-          <p:nvPr/>
-        </p:nvSpPr>
-        <p:spPr>
-          <a:xfrm>
-            <a:off x="4540792" y="5261065"/>
-            <a:ext cx="1697265" cy="601980"/>
-          </a:xfrm>
-          <a:prstGeom prst="rect">
-            <a:avLst/>
-          </a:prstGeom>
-        </p:spPr>
-        <p:style>
-          <a:lnRef idx="2">
-            <a:schemeClr val="dk1">
-              <a:shade val="50000"/>
-            </a:schemeClr>
-          </a:lnRef>
-          <a:fillRef idx="1">
-            <a:schemeClr val="dk1"/>
-          </a:fillRef>
-          <a:effectRef idx="0">
-            <a:schemeClr val="dk1"/>
-          </a:effectRef>
-          <a:fontRef idx="minor">
-            <a:schemeClr val="lt1"/>
-          </a:fontRef>
-        </p:style>
-        <p:txBody>
-          <a:bodyPr rtlCol="0" anchor="ctr"/>
-          <a:lstStyle/>
-          <a:p>
-            <a:pPr algn="ctr"/>
-            <a:r>
-              <a:rPr kumimoji="1" lang="ja-JP" altLang="en-US" dirty="0"/>
-              <a:t>クライアント端末</a:t>
-            </a:r>
-          </a:p>
-        </p:txBody>
-      </p:sp>
-      <p:sp>
-        <p:nvSpPr>
-          <p:cNvPr id="17" name="正方形/長方形 16">
-            <a:extLst>
-              <a:ext uri="{FF2B5EF4-FFF2-40B4-BE49-F238E27FC236}">
-                <a16:creationId xmlns:a16="http://schemas.microsoft.com/office/drawing/2014/main" id="{ED6B14D4-5713-45E6-821B-E0D3D204494B}"/>
-              </a:ext>
-            </a:extLst>
-          </p:cNvPr>
-          <p:cNvSpPr/>
-          <p:nvPr/>
-        </p:nvSpPr>
-        <p:spPr>
-          <a:xfrm>
-            <a:off x="6595651" y="5261065"/>
-            <a:ext cx="1697265" cy="601980"/>
-          </a:xfrm>
-          <a:prstGeom prst="rect">
-            <a:avLst/>
-          </a:prstGeom>
-        </p:spPr>
-        <p:style>
-          <a:lnRef idx="2">
-            <a:schemeClr val="dk1">
-              <a:shade val="50000"/>
-            </a:schemeClr>
-          </a:lnRef>
-          <a:fillRef idx="1">
-            <a:schemeClr val="dk1"/>
-          </a:fillRef>
-          <a:effectRef idx="0">
-            <a:schemeClr val="dk1"/>
-          </a:effectRef>
-          <a:fontRef idx="minor">
-            <a:schemeClr val="lt1"/>
-          </a:fontRef>
-        </p:style>
-        <p:txBody>
-          <a:bodyPr rtlCol="0" anchor="ctr"/>
-          <a:lstStyle/>
-          <a:p>
-            <a:pPr algn="ctr"/>
-            <a:r>
-              <a:rPr kumimoji="1" lang="ja-JP" altLang="en-US" dirty="0"/>
-              <a:t>クライアント端末</a:t>
-            </a:r>
-          </a:p>
-        </p:txBody>
-      </p:sp>
-      <p:sp>
-        <p:nvSpPr>
-          <p:cNvPr id="19" name="楕円 18">
-            <a:extLst>
-              <a:ext uri="{FF2B5EF4-FFF2-40B4-BE49-F238E27FC236}">
-                <a16:creationId xmlns:a16="http://schemas.microsoft.com/office/drawing/2014/main" id="{BEB101B7-6902-4844-826F-0F6AC9566300}"/>
-              </a:ext>
-            </a:extLst>
-          </p:cNvPr>
-          <p:cNvSpPr/>
-          <p:nvPr/>
-        </p:nvSpPr>
-        <p:spPr>
-          <a:xfrm>
-            <a:off x="312220" y="912532"/>
+            <a:off x="769744" y="912722"/>
             <a:ext cx="2280255" cy="947042"/>
           </a:xfrm>
           <a:prstGeom prst="ellipse">
@@ -7754,236 +7408,8 @@
         </p:nvCxnSpPr>
         <p:spPr>
           <a:xfrm>
-            <a:off x="2258539" y="1051223"/>
-            <a:ext cx="1331004" cy="1968"/>
-          </a:xfrm>
-          <a:prstGeom prst="line">
-            <a:avLst/>
-          </a:prstGeom>
-        </p:spPr>
-        <p:style>
-          <a:lnRef idx="3">
-            <a:schemeClr val="dk1"/>
-          </a:lnRef>
-          <a:fillRef idx="0">
-            <a:schemeClr val="dk1"/>
-          </a:fillRef>
-          <a:effectRef idx="2">
-            <a:schemeClr val="dk1"/>
-          </a:effectRef>
-          <a:fontRef idx="minor">
-            <a:schemeClr val="tx1"/>
-          </a:fontRef>
-        </p:style>
-      </p:cxnSp>
-      <p:sp>
-        <p:nvSpPr>
-          <p:cNvPr id="26" name="四角形: 角を丸くする 25">
-            <a:extLst>
-              <a:ext uri="{FF2B5EF4-FFF2-40B4-BE49-F238E27FC236}">
-                <a16:creationId xmlns:a16="http://schemas.microsoft.com/office/drawing/2014/main" id="{822F49D4-4751-4AFE-8CF5-128D7B22A599}"/>
-              </a:ext>
-            </a:extLst>
-          </p:cNvPr>
-          <p:cNvSpPr/>
-          <p:nvPr/>
-        </p:nvSpPr>
-        <p:spPr>
-          <a:xfrm>
-            <a:off x="8675914" y="2275114"/>
-            <a:ext cx="1220641" cy="446310"/>
-          </a:xfrm>
-          <a:prstGeom prst="roundRect">
-            <a:avLst/>
-          </a:prstGeom>
-        </p:spPr>
-        <p:style>
-          <a:lnRef idx="2">
-            <a:schemeClr val="dk1"/>
-          </a:lnRef>
-          <a:fillRef idx="1">
-            <a:schemeClr val="lt1"/>
-          </a:fillRef>
-          <a:effectRef idx="0">
-            <a:schemeClr val="dk1"/>
-          </a:effectRef>
-          <a:fontRef idx="minor">
-            <a:schemeClr val="dk1"/>
-          </a:fontRef>
-        </p:style>
-        <p:txBody>
-          <a:bodyPr rtlCol="0" anchor="ctr"/>
-          <a:lstStyle/>
-          <a:p>
-            <a:pPr algn="ctr"/>
-            <a:r>
-              <a:rPr kumimoji="1" lang="en-US" altLang="ja-JP" dirty="0"/>
-              <a:t>DMZ</a:t>
-            </a:r>
-            <a:endParaRPr kumimoji="1" lang="ja-JP" altLang="en-US" dirty="0"/>
-          </a:p>
-        </p:txBody>
-      </p:sp>
-      <p:sp>
-        <p:nvSpPr>
-          <p:cNvPr id="27" name="四角形: 角を丸くする 26">
-            <a:extLst>
-              <a:ext uri="{FF2B5EF4-FFF2-40B4-BE49-F238E27FC236}">
-                <a16:creationId xmlns:a16="http://schemas.microsoft.com/office/drawing/2014/main" id="{95B63871-86B6-407E-80D8-128377CAB836}"/>
-              </a:ext>
-            </a:extLst>
-          </p:cNvPr>
-          <p:cNvSpPr/>
-          <p:nvPr/>
-        </p:nvSpPr>
-        <p:spPr>
-          <a:xfrm>
-            <a:off x="8567059" y="4745405"/>
-            <a:ext cx="1631766" cy="1192469"/>
-          </a:xfrm>
-          <a:prstGeom prst="roundRect">
-            <a:avLst>
-              <a:gd name="adj" fmla="val 7154"/>
-            </a:avLst>
-          </a:prstGeom>
-        </p:spPr>
-        <p:style>
-          <a:lnRef idx="2">
-            <a:schemeClr val="dk1"/>
-          </a:lnRef>
-          <a:fillRef idx="1">
-            <a:schemeClr val="lt1"/>
-          </a:fillRef>
-          <a:effectRef idx="0">
-            <a:schemeClr val="dk1"/>
-          </a:effectRef>
-          <a:fontRef idx="minor">
-            <a:schemeClr val="dk1"/>
-          </a:fontRef>
-        </p:style>
-        <p:txBody>
-          <a:bodyPr rtlCol="0" anchor="ctr"/>
-          <a:lstStyle/>
-          <a:p>
-            <a:pPr algn="ctr"/>
-            <a:r>
-              <a:rPr kumimoji="1" lang="ja-JP" altLang="en-US" dirty="0"/>
-              <a:t>組織内</a:t>
-            </a:r>
-            <a:br>
-              <a:rPr kumimoji="1" lang="en-US" altLang="ja-JP" dirty="0"/>
-            </a:br>
-            <a:r>
-              <a:rPr kumimoji="1" lang="ja-JP" altLang="en-US" dirty="0"/>
-              <a:t>プライベート</a:t>
-            </a:r>
-            <a:br>
-              <a:rPr kumimoji="1" lang="en-US" altLang="ja-JP" dirty="0"/>
-            </a:br>
-            <a:r>
-              <a:rPr kumimoji="1" lang="ja-JP" altLang="en-US" dirty="0"/>
-              <a:t>ネットワーク</a:t>
-            </a:r>
-          </a:p>
-        </p:txBody>
-      </p:sp>
-      <p:cxnSp>
-        <p:nvCxnSpPr>
-          <p:cNvPr id="30" name="直線コネクタ 29">
-            <a:extLst>
-              <a:ext uri="{FF2B5EF4-FFF2-40B4-BE49-F238E27FC236}">
-                <a16:creationId xmlns:a16="http://schemas.microsoft.com/office/drawing/2014/main" id="{43351245-53A4-4F51-9CF1-213D3BE1BC61}"/>
-              </a:ext>
-            </a:extLst>
-          </p:cNvPr>
-          <p:cNvCxnSpPr>
-            <a:cxnSpLocks/>
-            <a:endCxn id="15" idx="0"/>
-          </p:cNvCxnSpPr>
-          <p:nvPr/>
-        </p:nvCxnSpPr>
-        <p:spPr>
-          <a:xfrm>
-            <a:off x="3334565" y="4923659"/>
-            <a:ext cx="1" cy="337406"/>
-          </a:xfrm>
-          <a:prstGeom prst="line">
-            <a:avLst/>
-          </a:prstGeom>
-        </p:spPr>
-        <p:style>
-          <a:lnRef idx="3">
-            <a:schemeClr val="dk1"/>
-          </a:lnRef>
-          <a:fillRef idx="0">
-            <a:schemeClr val="dk1"/>
-          </a:fillRef>
-          <a:effectRef idx="2">
-            <a:schemeClr val="dk1"/>
-          </a:effectRef>
-          <a:fontRef idx="minor">
-            <a:schemeClr val="tx1"/>
-          </a:fontRef>
-        </p:style>
-      </p:cxnSp>
-      <p:cxnSp>
-        <p:nvCxnSpPr>
-          <p:cNvPr id="33" name="直線コネクタ 32">
-            <a:extLst>
-              <a:ext uri="{FF2B5EF4-FFF2-40B4-BE49-F238E27FC236}">
-                <a16:creationId xmlns:a16="http://schemas.microsoft.com/office/drawing/2014/main" id="{7BDE4F5D-9757-4A7E-AA87-627829A6A4BB}"/>
-              </a:ext>
-            </a:extLst>
-          </p:cNvPr>
-          <p:cNvCxnSpPr>
-            <a:cxnSpLocks/>
-            <a:endCxn id="16" idx="0"/>
-          </p:cNvCxnSpPr>
-          <p:nvPr/>
-        </p:nvCxnSpPr>
-        <p:spPr>
-          <a:xfrm>
-            <a:off x="5389424" y="4920344"/>
-            <a:ext cx="1" cy="340721"/>
-          </a:xfrm>
-          <a:prstGeom prst="line">
-            <a:avLst/>
-          </a:prstGeom>
-        </p:spPr>
-        <p:style>
-          <a:lnRef idx="3">
-            <a:schemeClr val="dk1"/>
-          </a:lnRef>
-          <a:fillRef idx="0">
-            <a:schemeClr val="dk1"/>
-          </a:fillRef>
-          <a:effectRef idx="2">
-            <a:schemeClr val="dk1"/>
-          </a:effectRef>
-          <a:fontRef idx="minor">
-            <a:schemeClr val="tx1"/>
-          </a:fontRef>
-        </p:style>
-      </p:cxnSp>
-      <p:cxnSp>
-        <p:nvCxnSpPr>
-          <p:cNvPr id="36" name="直線コネクタ 35">
-            <a:extLst>
-              <a:ext uri="{FF2B5EF4-FFF2-40B4-BE49-F238E27FC236}">
-                <a16:creationId xmlns:a16="http://schemas.microsoft.com/office/drawing/2014/main" id="{CD05CD18-B7E8-4F61-BB48-D318733AF07C}"/>
-              </a:ext>
-            </a:extLst>
-          </p:cNvPr>
-          <p:cNvCxnSpPr>
-            <a:cxnSpLocks/>
-            <a:endCxn id="17" idx="0"/>
-          </p:cNvCxnSpPr>
-          <p:nvPr/>
-        </p:nvCxnSpPr>
-        <p:spPr>
-          <a:xfrm>
-            <a:off x="7444284" y="4934546"/>
-            <a:ext cx="0" cy="326519"/>
+            <a:off x="2716063" y="1051413"/>
+            <a:ext cx="873480" cy="1778"/>
           </a:xfrm>
           <a:prstGeom prst="line">
             <a:avLst/>
@@ -8015,14 +7441,243 @@
           </p:cNvPr>
           <p:cNvCxnSpPr>
             <a:cxnSpLocks/>
-            <a:endCxn id="3" idx="0"/>
+            <a:endCxn id="62" idx="3"/>
           </p:cNvCxnSpPr>
           <p:nvPr/>
         </p:nvCxnSpPr>
         <p:spPr>
+          <a:xfrm flipH="1">
+            <a:off x="7766811" y="1049682"/>
+            <a:ext cx="308406" cy="1"/>
+          </a:xfrm>
+          <a:prstGeom prst="line">
+            <a:avLst/>
+          </a:prstGeom>
+        </p:spPr>
+        <p:style>
+          <a:lnRef idx="3">
+            <a:schemeClr val="dk1"/>
+          </a:lnRef>
+          <a:fillRef idx="0">
+            <a:schemeClr val="dk1"/>
+          </a:fillRef>
+          <a:effectRef idx="2">
+            <a:schemeClr val="dk1"/>
+          </a:effectRef>
+          <a:fontRef idx="minor">
+            <a:schemeClr val="tx1"/>
+          </a:fontRef>
+        </p:style>
+      </p:cxnSp>
+      <p:sp>
+        <p:nvSpPr>
+          <p:cNvPr id="37" name="正方形/長方形 36">
+            <a:extLst>
+              <a:ext uri="{FF2B5EF4-FFF2-40B4-BE49-F238E27FC236}">
+                <a16:creationId xmlns:a16="http://schemas.microsoft.com/office/drawing/2014/main" id="{FE76702C-0AC5-4EC9-857B-BAD325A2F9D5}"/>
+              </a:ext>
+            </a:extLst>
+          </p:cNvPr>
+          <p:cNvSpPr/>
+          <p:nvPr/>
+        </p:nvSpPr>
+        <p:spPr>
           <a:xfrm>
-            <a:off x="6238057" y="3022419"/>
-            <a:ext cx="1" cy="515439"/>
+            <a:off x="3586482" y="1527420"/>
+            <a:ext cx="1103037" cy="370479"/>
+          </a:xfrm>
+          <a:prstGeom prst="rect">
+            <a:avLst/>
+          </a:prstGeom>
+        </p:spPr>
+        <p:style>
+          <a:lnRef idx="2">
+            <a:schemeClr val="dk1">
+              <a:shade val="50000"/>
+            </a:schemeClr>
+          </a:lnRef>
+          <a:fillRef idx="1">
+            <a:schemeClr val="dk1"/>
+          </a:fillRef>
+          <a:effectRef idx="0">
+            <a:schemeClr val="dk1"/>
+          </a:effectRef>
+          <a:fontRef idx="minor">
+            <a:schemeClr val="lt1"/>
+          </a:fontRef>
+        </p:style>
+        <p:txBody>
+          <a:bodyPr rtlCol="0" anchor="ctr"/>
+          <a:lstStyle/>
+          <a:p>
+            <a:pPr algn="ctr"/>
+            <a:r>
+              <a:rPr kumimoji="1" lang="ja-JP" altLang="en-US" dirty="0"/>
+              <a:t>スイッチ</a:t>
+            </a:r>
+          </a:p>
+        </p:txBody>
+      </p:sp>
+      <p:cxnSp>
+        <p:nvCxnSpPr>
+          <p:cNvPr id="38" name="直線コネクタ 37">
+            <a:extLst>
+              <a:ext uri="{FF2B5EF4-FFF2-40B4-BE49-F238E27FC236}">
+                <a16:creationId xmlns:a16="http://schemas.microsoft.com/office/drawing/2014/main" id="{A651202F-ABEF-42FF-9443-1B93D9BB1176}"/>
+              </a:ext>
+            </a:extLst>
+          </p:cNvPr>
+          <p:cNvCxnSpPr>
+            <a:cxnSpLocks/>
+            <a:stCxn id="19" idx="5"/>
+            <a:endCxn id="37" idx="1"/>
+          </p:cNvCxnSpPr>
+          <p:nvPr/>
+        </p:nvCxnSpPr>
+        <p:spPr>
+          <a:xfrm flipV="1">
+            <a:off x="2716063" y="1712660"/>
+            <a:ext cx="870419" cy="8413"/>
+          </a:xfrm>
+          <a:prstGeom prst="line">
+            <a:avLst/>
+          </a:prstGeom>
+        </p:spPr>
+        <p:style>
+          <a:lnRef idx="3">
+            <a:schemeClr val="dk1"/>
+          </a:lnRef>
+          <a:fillRef idx="0">
+            <a:schemeClr val="dk1"/>
+          </a:fillRef>
+          <a:effectRef idx="2">
+            <a:schemeClr val="dk1"/>
+          </a:effectRef>
+          <a:fontRef idx="minor">
+            <a:schemeClr val="tx1"/>
+          </a:fontRef>
+        </p:style>
+      </p:cxnSp>
+      <p:sp>
+        <p:nvSpPr>
+          <p:cNvPr id="41" name="正方形/長方形 40">
+            <a:extLst>
+              <a:ext uri="{FF2B5EF4-FFF2-40B4-BE49-F238E27FC236}">
+                <a16:creationId xmlns:a16="http://schemas.microsoft.com/office/drawing/2014/main" id="{C73A8D78-B95F-4D24-A6DF-A411D3F6FE67}"/>
+              </a:ext>
+            </a:extLst>
+          </p:cNvPr>
+          <p:cNvSpPr/>
+          <p:nvPr/>
+        </p:nvSpPr>
+        <p:spPr>
+          <a:xfrm>
+            <a:off x="5248724" y="864444"/>
+            <a:ext cx="1103037" cy="370479"/>
+          </a:xfrm>
+          <a:prstGeom prst="rect">
+            <a:avLst/>
+          </a:prstGeom>
+        </p:spPr>
+        <p:style>
+          <a:lnRef idx="2">
+            <a:schemeClr val="dk1">
+              <a:shade val="50000"/>
+            </a:schemeClr>
+          </a:lnRef>
+          <a:fillRef idx="1">
+            <a:schemeClr val="dk1"/>
+          </a:fillRef>
+          <a:effectRef idx="0">
+            <a:schemeClr val="dk1"/>
+          </a:effectRef>
+          <a:fontRef idx="minor">
+            <a:schemeClr val="lt1"/>
+          </a:fontRef>
+        </p:style>
+        <p:txBody>
+          <a:bodyPr rtlCol="0" anchor="ctr"/>
+          <a:lstStyle/>
+          <a:p>
+            <a:pPr algn="ctr"/>
+            <a:r>
+              <a:rPr kumimoji="1" lang="en-US" altLang="ja-JP" dirty="0"/>
+              <a:t>FW</a:t>
+            </a:r>
+            <a:endParaRPr kumimoji="1" lang="ja-JP" altLang="en-US" dirty="0"/>
+          </a:p>
+        </p:txBody>
+      </p:sp>
+      <p:sp>
+        <p:nvSpPr>
+          <p:cNvPr id="43" name="正方形/長方形 42">
+            <a:extLst>
+              <a:ext uri="{FF2B5EF4-FFF2-40B4-BE49-F238E27FC236}">
+                <a16:creationId xmlns:a16="http://schemas.microsoft.com/office/drawing/2014/main" id="{F777E1D2-7E23-45AB-A4F2-4549A435C62E}"/>
+              </a:ext>
+            </a:extLst>
+          </p:cNvPr>
+          <p:cNvSpPr/>
+          <p:nvPr/>
+        </p:nvSpPr>
+        <p:spPr>
+          <a:xfrm>
+            <a:off x="5245663" y="1523913"/>
+            <a:ext cx="1103037" cy="370479"/>
+          </a:xfrm>
+          <a:prstGeom prst="rect">
+            <a:avLst/>
+          </a:prstGeom>
+        </p:spPr>
+        <p:style>
+          <a:lnRef idx="2">
+            <a:schemeClr val="dk1">
+              <a:shade val="50000"/>
+            </a:schemeClr>
+          </a:lnRef>
+          <a:fillRef idx="1">
+            <a:schemeClr val="dk1"/>
+          </a:fillRef>
+          <a:effectRef idx="0">
+            <a:schemeClr val="dk1"/>
+          </a:effectRef>
+          <a:fontRef idx="minor">
+            <a:schemeClr val="lt1"/>
+          </a:fontRef>
+        </p:style>
+        <p:txBody>
+          <a:bodyPr rtlCol="0" anchor="ctr"/>
+          <a:lstStyle/>
+          <a:p>
+            <a:pPr algn="ctr"/>
+            <a:r>
+              <a:rPr kumimoji="1" lang="en-US" altLang="ja-JP" dirty="0"/>
+              <a:t>FW</a:t>
+            </a:r>
+            <a:endParaRPr kumimoji="1" lang="ja-JP" altLang="en-US" dirty="0"/>
+          </a:p>
+        </p:txBody>
+      </p:sp>
+      <p:cxnSp>
+        <p:nvCxnSpPr>
+          <p:cNvPr id="44" name="直線コネクタ 43">
+            <a:extLst>
+              <a:ext uri="{FF2B5EF4-FFF2-40B4-BE49-F238E27FC236}">
+                <a16:creationId xmlns:a16="http://schemas.microsoft.com/office/drawing/2014/main" id="{34093545-2083-4575-BCBD-8AECCB7397CB}"/>
+              </a:ext>
+            </a:extLst>
+          </p:cNvPr>
+          <p:cNvCxnSpPr>
+            <a:cxnSpLocks/>
+            <a:stCxn id="41" idx="2"/>
+            <a:endCxn id="43" idx="0"/>
+          </p:cNvCxnSpPr>
+          <p:nvPr/>
+        </p:nvCxnSpPr>
+        <p:spPr>
+          <a:xfrm flipH="1">
+            <a:off x="5797182" y="1234923"/>
+            <a:ext cx="3061" cy="288990"/>
           </a:xfrm>
           <a:prstGeom prst="line">
             <a:avLst/>
@@ -8045,23 +7700,24 @@
       </p:cxnSp>
       <p:cxnSp>
         <p:nvCxnSpPr>
-          <p:cNvPr id="42" name="直線コネクタ 41">
-            <a:extLst>
-              <a:ext uri="{FF2B5EF4-FFF2-40B4-BE49-F238E27FC236}">
-                <a16:creationId xmlns:a16="http://schemas.microsoft.com/office/drawing/2014/main" id="{1DA82964-256A-4386-8754-A117548D1521}"/>
+          <p:cNvPr id="46" name="直線コネクタ 45">
+            <a:extLst>
+              <a:ext uri="{FF2B5EF4-FFF2-40B4-BE49-F238E27FC236}">
+                <a16:creationId xmlns:a16="http://schemas.microsoft.com/office/drawing/2014/main" id="{AC9DEF78-A358-4E9C-81CD-2E24E198F56C}"/>
               </a:ext>
             </a:extLst>
           </p:cNvPr>
           <p:cNvCxnSpPr>
             <a:cxnSpLocks/>
-            <a:stCxn id="4" idx="0"/>
+            <a:stCxn id="41" idx="1"/>
+            <a:endCxn id="37" idx="3"/>
           </p:cNvCxnSpPr>
           <p:nvPr/>
         </p:nvCxnSpPr>
         <p:spPr>
-          <a:xfrm flipH="1" flipV="1">
-            <a:off x="7849143" y="3022418"/>
-            <a:ext cx="1" cy="515440"/>
+          <a:xfrm flipH="1">
+            <a:off x="4689519" y="1049684"/>
+            <a:ext cx="559205" cy="662976"/>
           </a:xfrm>
           <a:prstGeom prst="line">
             <a:avLst/>
@@ -8082,12 +7738,1163 @@
           </a:fontRef>
         </p:style>
       </p:cxnSp>
-      <p:sp>
-        <p:nvSpPr>
-          <p:cNvPr id="37" name="正方形/長方形 36">
-            <a:extLst>
-              <a:ext uri="{FF2B5EF4-FFF2-40B4-BE49-F238E27FC236}">
-                <a16:creationId xmlns:a16="http://schemas.microsoft.com/office/drawing/2014/main" id="{FE76702C-0AC5-4EC9-857B-BAD325A2F9D5}"/>
+      <p:cxnSp>
+        <p:nvCxnSpPr>
+          <p:cNvPr id="50" name="直線コネクタ 49">
+            <a:extLst>
+              <a:ext uri="{FF2B5EF4-FFF2-40B4-BE49-F238E27FC236}">
+                <a16:creationId xmlns:a16="http://schemas.microsoft.com/office/drawing/2014/main" id="{A2AC6D7E-BA4B-4A79-83C1-9C0F7B7516A4}"/>
+              </a:ext>
+            </a:extLst>
+          </p:cNvPr>
+          <p:cNvCxnSpPr>
+            <a:cxnSpLocks/>
+            <a:stCxn id="2" idx="3"/>
+            <a:endCxn id="43" idx="1"/>
+          </p:cNvCxnSpPr>
+          <p:nvPr/>
+        </p:nvCxnSpPr>
+        <p:spPr>
+          <a:xfrm>
+            <a:off x="4692580" y="1053191"/>
+            <a:ext cx="553083" cy="655962"/>
+          </a:xfrm>
+          <a:prstGeom prst="line">
+            <a:avLst/>
+          </a:prstGeom>
+        </p:spPr>
+        <p:style>
+          <a:lnRef idx="3">
+            <a:schemeClr val="dk1"/>
+          </a:lnRef>
+          <a:fillRef idx="0">
+            <a:schemeClr val="dk1"/>
+          </a:fillRef>
+          <a:effectRef idx="2">
+            <a:schemeClr val="dk1"/>
+          </a:effectRef>
+          <a:fontRef idx="minor">
+            <a:schemeClr val="tx1"/>
+          </a:fontRef>
+        </p:style>
+      </p:cxnSp>
+      <p:cxnSp>
+        <p:nvCxnSpPr>
+          <p:cNvPr id="53" name="直線コネクタ 52">
+            <a:extLst>
+              <a:ext uri="{FF2B5EF4-FFF2-40B4-BE49-F238E27FC236}">
+                <a16:creationId xmlns:a16="http://schemas.microsoft.com/office/drawing/2014/main" id="{7DF1EBD9-6D6A-44A9-9934-D521A704E710}"/>
+              </a:ext>
+            </a:extLst>
+          </p:cNvPr>
+          <p:cNvCxnSpPr>
+            <a:cxnSpLocks/>
+            <a:stCxn id="2" idx="3"/>
+            <a:endCxn id="41" idx="1"/>
+          </p:cNvCxnSpPr>
+          <p:nvPr/>
+        </p:nvCxnSpPr>
+        <p:spPr>
+          <a:xfrm flipV="1">
+            <a:off x="4692580" y="1049684"/>
+            <a:ext cx="556144" cy="3507"/>
+          </a:xfrm>
+          <a:prstGeom prst="line">
+            <a:avLst/>
+          </a:prstGeom>
+        </p:spPr>
+        <p:style>
+          <a:lnRef idx="3">
+            <a:schemeClr val="dk1"/>
+          </a:lnRef>
+          <a:fillRef idx="0">
+            <a:schemeClr val="dk1"/>
+          </a:fillRef>
+          <a:effectRef idx="2">
+            <a:schemeClr val="dk1"/>
+          </a:effectRef>
+          <a:fontRef idx="minor">
+            <a:schemeClr val="tx1"/>
+          </a:fontRef>
+        </p:style>
+      </p:cxnSp>
+      <p:cxnSp>
+        <p:nvCxnSpPr>
+          <p:cNvPr id="56" name="直線コネクタ 55">
+            <a:extLst>
+              <a:ext uri="{FF2B5EF4-FFF2-40B4-BE49-F238E27FC236}">
+                <a16:creationId xmlns:a16="http://schemas.microsoft.com/office/drawing/2014/main" id="{49CA178B-D410-44D2-B869-09BA5A3E4348}"/>
+              </a:ext>
+            </a:extLst>
+          </p:cNvPr>
+          <p:cNvCxnSpPr>
+            <a:cxnSpLocks/>
+            <a:stCxn id="37" idx="3"/>
+            <a:endCxn id="43" idx="1"/>
+          </p:cNvCxnSpPr>
+          <p:nvPr/>
+        </p:nvCxnSpPr>
+        <p:spPr>
+          <a:xfrm flipV="1">
+            <a:off x="4689519" y="1709153"/>
+            <a:ext cx="556144" cy="3507"/>
+          </a:xfrm>
+          <a:prstGeom prst="line">
+            <a:avLst/>
+          </a:prstGeom>
+        </p:spPr>
+        <p:style>
+          <a:lnRef idx="3">
+            <a:schemeClr val="dk1"/>
+          </a:lnRef>
+          <a:fillRef idx="0">
+            <a:schemeClr val="dk1"/>
+          </a:fillRef>
+          <a:effectRef idx="2">
+            <a:schemeClr val="dk1"/>
+          </a:effectRef>
+          <a:fontRef idx="minor">
+            <a:schemeClr val="tx1"/>
+          </a:fontRef>
+        </p:style>
+      </p:cxnSp>
+      <p:cxnSp>
+        <p:nvCxnSpPr>
+          <p:cNvPr id="59" name="直線コネクタ 58">
+            <a:extLst>
+              <a:ext uri="{FF2B5EF4-FFF2-40B4-BE49-F238E27FC236}">
+                <a16:creationId xmlns:a16="http://schemas.microsoft.com/office/drawing/2014/main" id="{7D625E07-FD36-4A33-9493-8E9198791C49}"/>
+              </a:ext>
+            </a:extLst>
+          </p:cNvPr>
+          <p:cNvCxnSpPr>
+            <a:cxnSpLocks/>
+            <a:stCxn id="2" idx="2"/>
+            <a:endCxn id="37" idx="0"/>
+          </p:cNvCxnSpPr>
+          <p:nvPr/>
+        </p:nvCxnSpPr>
+        <p:spPr>
+          <a:xfrm flipH="1">
+            <a:off x="4138001" y="1238430"/>
+            <a:ext cx="3061" cy="288990"/>
+          </a:xfrm>
+          <a:prstGeom prst="line">
+            <a:avLst/>
+          </a:prstGeom>
+        </p:spPr>
+        <p:style>
+          <a:lnRef idx="3">
+            <a:schemeClr val="dk1"/>
+          </a:lnRef>
+          <a:fillRef idx="0">
+            <a:schemeClr val="dk1"/>
+          </a:fillRef>
+          <a:effectRef idx="2">
+            <a:schemeClr val="dk1"/>
+          </a:effectRef>
+          <a:fontRef idx="minor">
+            <a:schemeClr val="tx1"/>
+          </a:fontRef>
+        </p:style>
+      </p:cxnSp>
+      <p:grpSp>
+        <p:nvGrpSpPr>
+          <p:cNvPr id="93" name="グループ化 92">
+            <a:extLst>
+              <a:ext uri="{FF2B5EF4-FFF2-40B4-BE49-F238E27FC236}">
+                <a16:creationId xmlns:a16="http://schemas.microsoft.com/office/drawing/2014/main" id="{9948C505-F7A9-44F4-A397-C07A5297F509}"/>
+              </a:ext>
+            </a:extLst>
+          </p:cNvPr>
+          <p:cNvGrpSpPr/>
+          <p:nvPr/>
+        </p:nvGrpSpPr>
+        <p:grpSpPr>
+          <a:xfrm>
+            <a:off x="6663773" y="773810"/>
+            <a:ext cx="1103038" cy="1211214"/>
+            <a:chOff x="6663773" y="773810"/>
+            <a:chExt cx="1103038" cy="1211214"/>
+          </a:xfrm>
+        </p:grpSpPr>
+        <p:sp>
+          <p:nvSpPr>
+            <p:cNvPr id="62" name="正方形/長方形 61">
+              <a:extLst>
+                <a:ext uri="{FF2B5EF4-FFF2-40B4-BE49-F238E27FC236}">
+                  <a16:creationId xmlns:a16="http://schemas.microsoft.com/office/drawing/2014/main" id="{53AE90B2-5655-4664-8702-E4012EFC4ACF}"/>
+                </a:ext>
+              </a:extLst>
+            </p:cNvPr>
+            <p:cNvSpPr/>
+            <p:nvPr/>
+          </p:nvSpPr>
+          <p:spPr>
+            <a:xfrm>
+              <a:off x="6663774" y="773810"/>
+              <a:ext cx="1103037" cy="551745"/>
+            </a:xfrm>
+            <a:prstGeom prst="rect">
+              <a:avLst/>
+            </a:prstGeom>
+          </p:spPr>
+          <p:style>
+            <a:lnRef idx="2">
+              <a:schemeClr val="dk1">
+                <a:shade val="50000"/>
+              </a:schemeClr>
+            </a:lnRef>
+            <a:fillRef idx="1">
+              <a:schemeClr val="dk1"/>
+            </a:fillRef>
+            <a:effectRef idx="0">
+              <a:schemeClr val="dk1"/>
+            </a:effectRef>
+            <a:fontRef idx="minor">
+              <a:schemeClr val="lt1"/>
+            </a:fontRef>
+          </p:style>
+          <p:txBody>
+            <a:bodyPr rtlCol="0" anchor="ctr"/>
+            <a:lstStyle/>
+            <a:p>
+              <a:pPr algn="ctr"/>
+              <a:r>
+                <a:rPr lang="ja-JP" altLang="en-US" dirty="0"/>
+                <a:t>ロード</a:t>
+              </a:r>
+              <a:br>
+                <a:rPr lang="en-US" altLang="ja-JP" dirty="0"/>
+              </a:br>
+              <a:r>
+                <a:rPr lang="ja-JP" altLang="en-US" dirty="0"/>
+                <a:t>バランサ</a:t>
+              </a:r>
+              <a:endParaRPr kumimoji="1" lang="ja-JP" altLang="en-US" dirty="0"/>
+            </a:p>
+          </p:txBody>
+        </p:sp>
+        <p:sp>
+          <p:nvSpPr>
+            <p:cNvPr id="63" name="正方形/長方形 62">
+              <a:extLst>
+                <a:ext uri="{FF2B5EF4-FFF2-40B4-BE49-F238E27FC236}">
+                  <a16:creationId xmlns:a16="http://schemas.microsoft.com/office/drawing/2014/main" id="{5C632EF2-EDB4-481E-8702-63B5E1775021}"/>
+                </a:ext>
+              </a:extLst>
+            </p:cNvPr>
+            <p:cNvSpPr/>
+            <p:nvPr/>
+          </p:nvSpPr>
+          <p:spPr>
+            <a:xfrm>
+              <a:off x="6663773" y="1433279"/>
+              <a:ext cx="1103037" cy="551745"/>
+            </a:xfrm>
+            <a:prstGeom prst="rect">
+              <a:avLst/>
+            </a:prstGeom>
+          </p:spPr>
+          <p:style>
+            <a:lnRef idx="2">
+              <a:schemeClr val="dk1">
+                <a:shade val="50000"/>
+              </a:schemeClr>
+            </a:lnRef>
+            <a:fillRef idx="1">
+              <a:schemeClr val="dk1"/>
+            </a:fillRef>
+            <a:effectRef idx="0">
+              <a:schemeClr val="dk1"/>
+            </a:effectRef>
+            <a:fontRef idx="minor">
+              <a:schemeClr val="lt1"/>
+            </a:fontRef>
+          </p:style>
+          <p:txBody>
+            <a:bodyPr rtlCol="0" anchor="ctr"/>
+            <a:lstStyle/>
+            <a:p>
+              <a:pPr algn="ctr"/>
+              <a:r>
+                <a:rPr lang="ja-JP" altLang="en-US" dirty="0"/>
+                <a:t>ロード</a:t>
+              </a:r>
+              <a:br>
+                <a:rPr lang="en-US" altLang="ja-JP" dirty="0"/>
+              </a:br>
+              <a:r>
+                <a:rPr lang="ja-JP" altLang="en-US" dirty="0"/>
+                <a:t>バランサ</a:t>
+              </a:r>
+              <a:endParaRPr kumimoji="1" lang="ja-JP" altLang="en-US" dirty="0"/>
+            </a:p>
+          </p:txBody>
+        </p:sp>
+      </p:grpSp>
+      <p:cxnSp>
+        <p:nvCxnSpPr>
+          <p:cNvPr id="64" name="直線コネクタ 63">
+            <a:extLst>
+              <a:ext uri="{FF2B5EF4-FFF2-40B4-BE49-F238E27FC236}">
+                <a16:creationId xmlns:a16="http://schemas.microsoft.com/office/drawing/2014/main" id="{4D2FA9FD-CA89-4DEC-A30D-EEEF242C0168}"/>
+              </a:ext>
+            </a:extLst>
+          </p:cNvPr>
+          <p:cNvCxnSpPr>
+            <a:cxnSpLocks/>
+            <a:stCxn id="62" idx="1"/>
+            <a:endCxn id="43" idx="3"/>
+          </p:cNvCxnSpPr>
+          <p:nvPr/>
+        </p:nvCxnSpPr>
+        <p:spPr>
+          <a:xfrm flipH="1">
+            <a:off x="6348700" y="1049683"/>
+            <a:ext cx="315074" cy="659470"/>
+          </a:xfrm>
+          <a:prstGeom prst="line">
+            <a:avLst/>
+          </a:prstGeom>
+        </p:spPr>
+        <p:style>
+          <a:lnRef idx="3">
+            <a:schemeClr val="dk1"/>
+          </a:lnRef>
+          <a:fillRef idx="0">
+            <a:schemeClr val="dk1"/>
+          </a:fillRef>
+          <a:effectRef idx="2">
+            <a:schemeClr val="dk1"/>
+          </a:effectRef>
+          <a:fontRef idx="minor">
+            <a:schemeClr val="tx1"/>
+          </a:fontRef>
+        </p:style>
+      </p:cxnSp>
+      <p:cxnSp>
+        <p:nvCxnSpPr>
+          <p:cNvPr id="67" name="直線コネクタ 66">
+            <a:extLst>
+              <a:ext uri="{FF2B5EF4-FFF2-40B4-BE49-F238E27FC236}">
+                <a16:creationId xmlns:a16="http://schemas.microsoft.com/office/drawing/2014/main" id="{BBA4159D-FE3F-469E-8DC0-BEA31E5EF8C7}"/>
+              </a:ext>
+            </a:extLst>
+          </p:cNvPr>
+          <p:cNvCxnSpPr>
+            <a:cxnSpLocks/>
+            <a:stCxn id="62" idx="1"/>
+            <a:endCxn id="41" idx="3"/>
+          </p:cNvCxnSpPr>
+          <p:nvPr/>
+        </p:nvCxnSpPr>
+        <p:spPr>
+          <a:xfrm flipH="1">
+            <a:off x="6351761" y="1049683"/>
+            <a:ext cx="312013" cy="1"/>
+          </a:xfrm>
+          <a:prstGeom prst="line">
+            <a:avLst/>
+          </a:prstGeom>
+        </p:spPr>
+        <p:style>
+          <a:lnRef idx="3">
+            <a:schemeClr val="dk1"/>
+          </a:lnRef>
+          <a:fillRef idx="0">
+            <a:schemeClr val="dk1"/>
+          </a:fillRef>
+          <a:effectRef idx="2">
+            <a:schemeClr val="dk1"/>
+          </a:effectRef>
+          <a:fontRef idx="minor">
+            <a:schemeClr val="tx1"/>
+          </a:fontRef>
+        </p:style>
+      </p:cxnSp>
+      <p:cxnSp>
+        <p:nvCxnSpPr>
+          <p:cNvPr id="68" name="直線コネクタ 67">
+            <a:extLst>
+              <a:ext uri="{FF2B5EF4-FFF2-40B4-BE49-F238E27FC236}">
+                <a16:creationId xmlns:a16="http://schemas.microsoft.com/office/drawing/2014/main" id="{1C51429E-97F5-4AB7-B799-90237084DFF0}"/>
+              </a:ext>
+            </a:extLst>
+          </p:cNvPr>
+          <p:cNvCxnSpPr>
+            <a:cxnSpLocks/>
+            <a:stCxn id="41" idx="3"/>
+            <a:endCxn id="63" idx="1"/>
+          </p:cNvCxnSpPr>
+          <p:nvPr/>
+        </p:nvCxnSpPr>
+        <p:spPr>
+          <a:xfrm>
+            <a:off x="6351761" y="1049684"/>
+            <a:ext cx="312012" cy="659468"/>
+          </a:xfrm>
+          <a:prstGeom prst="line">
+            <a:avLst/>
+          </a:prstGeom>
+        </p:spPr>
+        <p:style>
+          <a:lnRef idx="3">
+            <a:schemeClr val="dk1"/>
+          </a:lnRef>
+          <a:fillRef idx="0">
+            <a:schemeClr val="dk1"/>
+          </a:fillRef>
+          <a:effectRef idx="2">
+            <a:schemeClr val="dk1"/>
+          </a:effectRef>
+          <a:fontRef idx="minor">
+            <a:schemeClr val="tx1"/>
+          </a:fontRef>
+        </p:style>
+      </p:cxnSp>
+      <p:cxnSp>
+        <p:nvCxnSpPr>
+          <p:cNvPr id="69" name="直線コネクタ 68">
+            <a:extLst>
+              <a:ext uri="{FF2B5EF4-FFF2-40B4-BE49-F238E27FC236}">
+                <a16:creationId xmlns:a16="http://schemas.microsoft.com/office/drawing/2014/main" id="{E7AE9577-2D4E-42AF-A56D-C16A9610F031}"/>
+              </a:ext>
+            </a:extLst>
+          </p:cNvPr>
+          <p:cNvCxnSpPr>
+            <a:cxnSpLocks/>
+            <a:stCxn id="43" idx="3"/>
+            <a:endCxn id="63" idx="1"/>
+          </p:cNvCxnSpPr>
+          <p:nvPr/>
+        </p:nvCxnSpPr>
+        <p:spPr>
+          <a:xfrm flipV="1">
+            <a:off x="6348700" y="1709152"/>
+            <a:ext cx="315073" cy="1"/>
+          </a:xfrm>
+          <a:prstGeom prst="line">
+            <a:avLst/>
+          </a:prstGeom>
+        </p:spPr>
+        <p:style>
+          <a:lnRef idx="3">
+            <a:schemeClr val="dk1"/>
+          </a:lnRef>
+          <a:fillRef idx="0">
+            <a:schemeClr val="dk1"/>
+          </a:fillRef>
+          <a:effectRef idx="2">
+            <a:schemeClr val="dk1"/>
+          </a:effectRef>
+          <a:fontRef idx="minor">
+            <a:schemeClr val="tx1"/>
+          </a:fontRef>
+        </p:style>
+      </p:cxnSp>
+      <p:cxnSp>
+        <p:nvCxnSpPr>
+          <p:cNvPr id="70" name="直線コネクタ 69">
+            <a:extLst>
+              <a:ext uri="{FF2B5EF4-FFF2-40B4-BE49-F238E27FC236}">
+                <a16:creationId xmlns:a16="http://schemas.microsoft.com/office/drawing/2014/main" id="{7CC2F270-0BED-42E2-80F0-B823B3975C76}"/>
+              </a:ext>
+            </a:extLst>
+          </p:cNvPr>
+          <p:cNvCxnSpPr>
+            <a:cxnSpLocks/>
+            <a:stCxn id="62" idx="2"/>
+            <a:endCxn id="63" idx="0"/>
+          </p:cNvCxnSpPr>
+          <p:nvPr/>
+        </p:nvCxnSpPr>
+        <p:spPr>
+          <a:xfrm flipH="1">
+            <a:off x="7215292" y="1325555"/>
+            <a:ext cx="1" cy="107724"/>
+          </a:xfrm>
+          <a:prstGeom prst="line">
+            <a:avLst/>
+          </a:prstGeom>
+        </p:spPr>
+        <p:style>
+          <a:lnRef idx="3">
+            <a:schemeClr val="dk1"/>
+          </a:lnRef>
+          <a:fillRef idx="0">
+            <a:schemeClr val="dk1"/>
+          </a:fillRef>
+          <a:effectRef idx="2">
+            <a:schemeClr val="dk1"/>
+          </a:effectRef>
+          <a:fontRef idx="minor">
+            <a:schemeClr val="tx1"/>
+          </a:fontRef>
+        </p:style>
+      </p:cxnSp>
+      <p:cxnSp>
+        <p:nvCxnSpPr>
+          <p:cNvPr id="81" name="直線コネクタ 80">
+            <a:extLst>
+              <a:ext uri="{FF2B5EF4-FFF2-40B4-BE49-F238E27FC236}">
+                <a16:creationId xmlns:a16="http://schemas.microsoft.com/office/drawing/2014/main" id="{5AFC16FD-B760-4C75-83C0-B673AAFA0F99}"/>
+              </a:ext>
+            </a:extLst>
+          </p:cNvPr>
+          <p:cNvCxnSpPr>
+            <a:cxnSpLocks/>
+            <a:endCxn id="63" idx="3"/>
+          </p:cNvCxnSpPr>
+          <p:nvPr/>
+        </p:nvCxnSpPr>
+        <p:spPr>
+          <a:xfrm flipH="1">
+            <a:off x="7766810" y="1709150"/>
+            <a:ext cx="308407" cy="2"/>
+          </a:xfrm>
+          <a:prstGeom prst="line">
+            <a:avLst/>
+          </a:prstGeom>
+        </p:spPr>
+        <p:style>
+          <a:lnRef idx="3">
+            <a:schemeClr val="dk1"/>
+          </a:lnRef>
+          <a:fillRef idx="0">
+            <a:schemeClr val="dk1"/>
+          </a:fillRef>
+          <a:effectRef idx="2">
+            <a:schemeClr val="dk1"/>
+          </a:effectRef>
+          <a:fontRef idx="minor">
+            <a:schemeClr val="tx1"/>
+          </a:fontRef>
+        </p:style>
+      </p:cxnSp>
+      <p:cxnSp>
+        <p:nvCxnSpPr>
+          <p:cNvPr id="86" name="直線コネクタ 85">
+            <a:extLst>
+              <a:ext uri="{FF2B5EF4-FFF2-40B4-BE49-F238E27FC236}">
+                <a16:creationId xmlns:a16="http://schemas.microsoft.com/office/drawing/2014/main" id="{DC25126E-649D-4BC3-B017-7593EE7AD852}"/>
+              </a:ext>
+            </a:extLst>
+          </p:cNvPr>
+          <p:cNvCxnSpPr>
+            <a:cxnSpLocks/>
+          </p:cNvCxnSpPr>
+          <p:nvPr/>
+        </p:nvCxnSpPr>
+        <p:spPr>
+          <a:xfrm flipV="1">
+            <a:off x="8075217" y="437718"/>
+            <a:ext cx="0" cy="1891644"/>
+          </a:xfrm>
+          <a:prstGeom prst="line">
+            <a:avLst/>
+          </a:prstGeom>
+        </p:spPr>
+        <p:style>
+          <a:lnRef idx="3">
+            <a:schemeClr val="dk1"/>
+          </a:lnRef>
+          <a:fillRef idx="0">
+            <a:schemeClr val="dk1"/>
+          </a:fillRef>
+          <a:effectRef idx="2">
+            <a:schemeClr val="dk1"/>
+          </a:effectRef>
+          <a:fontRef idx="minor">
+            <a:schemeClr val="tx1"/>
+          </a:fontRef>
+        </p:style>
+      </p:cxnSp>
+      <p:grpSp>
+        <p:nvGrpSpPr>
+          <p:cNvPr id="92" name="グループ化 91">
+            <a:extLst>
+              <a:ext uri="{FF2B5EF4-FFF2-40B4-BE49-F238E27FC236}">
+                <a16:creationId xmlns:a16="http://schemas.microsoft.com/office/drawing/2014/main" id="{C7DD84D1-B319-47A5-BCD3-384EED428E0E}"/>
+              </a:ext>
+            </a:extLst>
+          </p:cNvPr>
+          <p:cNvGrpSpPr/>
+          <p:nvPr/>
+        </p:nvGrpSpPr>
+        <p:grpSpPr>
+          <a:xfrm>
+            <a:off x="8372130" y="437718"/>
+            <a:ext cx="1365874" cy="1899256"/>
+            <a:chOff x="8448401" y="404736"/>
+            <a:chExt cx="1365874" cy="1899256"/>
+          </a:xfrm>
+        </p:grpSpPr>
+        <p:sp>
+          <p:nvSpPr>
+            <p:cNvPr id="88" name="正方形/長方形 87">
+              <a:extLst>
+                <a:ext uri="{FF2B5EF4-FFF2-40B4-BE49-F238E27FC236}">
+                  <a16:creationId xmlns:a16="http://schemas.microsoft.com/office/drawing/2014/main" id="{85DC3382-0A70-4894-B36A-D23D8265D7D8}"/>
+                </a:ext>
+              </a:extLst>
+            </p:cNvPr>
+            <p:cNvSpPr/>
+            <p:nvPr/>
+          </p:nvSpPr>
+          <p:spPr>
+            <a:xfrm>
+              <a:off x="8448402" y="404736"/>
+              <a:ext cx="1365873" cy="369074"/>
+            </a:xfrm>
+            <a:prstGeom prst="rect">
+              <a:avLst/>
+            </a:prstGeom>
+          </p:spPr>
+          <p:style>
+            <a:lnRef idx="2">
+              <a:schemeClr val="dk1">
+                <a:shade val="50000"/>
+              </a:schemeClr>
+            </a:lnRef>
+            <a:fillRef idx="1">
+              <a:schemeClr val="dk1"/>
+            </a:fillRef>
+            <a:effectRef idx="0">
+              <a:schemeClr val="dk1"/>
+            </a:effectRef>
+            <a:fontRef idx="minor">
+              <a:schemeClr val="lt1"/>
+            </a:fontRef>
+          </p:style>
+          <p:txBody>
+            <a:bodyPr rtlCol="0" anchor="ctr"/>
+            <a:lstStyle/>
+            <a:p>
+              <a:pPr algn="ctr"/>
+              <a:r>
+                <a:rPr kumimoji="1" lang="en-US" altLang="ja-JP" dirty="0"/>
+                <a:t>Web</a:t>
+              </a:r>
+              <a:r>
+                <a:rPr kumimoji="1" lang="ja-JP" altLang="en-US" dirty="0"/>
+                <a:t>サーバ</a:t>
+              </a:r>
+            </a:p>
+          </p:txBody>
+        </p:sp>
+        <p:sp>
+          <p:nvSpPr>
+            <p:cNvPr id="89" name="正方形/長方形 88">
+              <a:extLst>
+                <a:ext uri="{FF2B5EF4-FFF2-40B4-BE49-F238E27FC236}">
+                  <a16:creationId xmlns:a16="http://schemas.microsoft.com/office/drawing/2014/main" id="{95B48484-306C-4351-8280-3A3945D34F6E}"/>
+                </a:ext>
+              </a:extLst>
+            </p:cNvPr>
+            <p:cNvSpPr/>
+            <p:nvPr/>
+          </p:nvSpPr>
+          <p:spPr>
+            <a:xfrm>
+              <a:off x="8448402" y="918110"/>
+              <a:ext cx="1365873" cy="369074"/>
+            </a:xfrm>
+            <a:prstGeom prst="rect">
+              <a:avLst/>
+            </a:prstGeom>
+          </p:spPr>
+          <p:style>
+            <a:lnRef idx="2">
+              <a:schemeClr val="dk1">
+                <a:shade val="50000"/>
+              </a:schemeClr>
+            </a:lnRef>
+            <a:fillRef idx="1">
+              <a:schemeClr val="dk1"/>
+            </a:fillRef>
+            <a:effectRef idx="0">
+              <a:schemeClr val="dk1"/>
+            </a:effectRef>
+            <a:fontRef idx="minor">
+              <a:schemeClr val="lt1"/>
+            </a:fontRef>
+          </p:style>
+          <p:txBody>
+            <a:bodyPr rtlCol="0" anchor="ctr"/>
+            <a:lstStyle/>
+            <a:p>
+              <a:pPr algn="ctr"/>
+              <a:r>
+                <a:rPr kumimoji="1" lang="en-US" altLang="ja-JP" dirty="0"/>
+                <a:t>Web</a:t>
+              </a:r>
+              <a:r>
+                <a:rPr kumimoji="1" lang="ja-JP" altLang="en-US" dirty="0"/>
+                <a:t>サーバ</a:t>
+              </a:r>
+            </a:p>
+          </p:txBody>
+        </p:sp>
+        <p:sp>
+          <p:nvSpPr>
+            <p:cNvPr id="90" name="正方形/長方形 89">
+              <a:extLst>
+                <a:ext uri="{FF2B5EF4-FFF2-40B4-BE49-F238E27FC236}">
+                  <a16:creationId xmlns:a16="http://schemas.microsoft.com/office/drawing/2014/main" id="{A26F2FF8-0AFC-4D5A-8721-E00E5D5780C4}"/>
+                </a:ext>
+              </a:extLst>
+            </p:cNvPr>
+            <p:cNvSpPr/>
+            <p:nvPr/>
+          </p:nvSpPr>
+          <p:spPr>
+            <a:xfrm>
+              <a:off x="8448402" y="1427448"/>
+              <a:ext cx="1365873" cy="369074"/>
+            </a:xfrm>
+            <a:prstGeom prst="rect">
+              <a:avLst/>
+            </a:prstGeom>
+          </p:spPr>
+          <p:style>
+            <a:lnRef idx="2">
+              <a:schemeClr val="dk1">
+                <a:shade val="50000"/>
+              </a:schemeClr>
+            </a:lnRef>
+            <a:fillRef idx="1">
+              <a:schemeClr val="dk1"/>
+            </a:fillRef>
+            <a:effectRef idx="0">
+              <a:schemeClr val="dk1"/>
+            </a:effectRef>
+            <a:fontRef idx="minor">
+              <a:schemeClr val="lt1"/>
+            </a:fontRef>
+          </p:style>
+          <p:txBody>
+            <a:bodyPr rtlCol="0" anchor="ctr"/>
+            <a:lstStyle/>
+            <a:p>
+              <a:pPr algn="ctr"/>
+              <a:r>
+                <a:rPr kumimoji="1" lang="en-US" altLang="ja-JP" dirty="0"/>
+                <a:t>Web</a:t>
+              </a:r>
+              <a:r>
+                <a:rPr kumimoji="1" lang="ja-JP" altLang="en-US" dirty="0"/>
+                <a:t>サーバ</a:t>
+              </a:r>
+            </a:p>
+          </p:txBody>
+        </p:sp>
+        <p:sp>
+          <p:nvSpPr>
+            <p:cNvPr id="91" name="正方形/長方形 90">
+              <a:extLst>
+                <a:ext uri="{FF2B5EF4-FFF2-40B4-BE49-F238E27FC236}">
+                  <a16:creationId xmlns:a16="http://schemas.microsoft.com/office/drawing/2014/main" id="{A62065D9-D778-45D3-A222-180FF583D992}"/>
+                </a:ext>
+              </a:extLst>
+            </p:cNvPr>
+            <p:cNvSpPr/>
+            <p:nvPr/>
+          </p:nvSpPr>
+          <p:spPr>
+            <a:xfrm>
+              <a:off x="8448401" y="1934918"/>
+              <a:ext cx="1365873" cy="369074"/>
+            </a:xfrm>
+            <a:prstGeom prst="rect">
+              <a:avLst/>
+            </a:prstGeom>
+          </p:spPr>
+          <p:style>
+            <a:lnRef idx="2">
+              <a:schemeClr val="dk1">
+                <a:shade val="50000"/>
+              </a:schemeClr>
+            </a:lnRef>
+            <a:fillRef idx="1">
+              <a:schemeClr val="dk1"/>
+            </a:fillRef>
+            <a:effectRef idx="0">
+              <a:schemeClr val="dk1"/>
+            </a:effectRef>
+            <a:fontRef idx="minor">
+              <a:schemeClr val="lt1"/>
+            </a:fontRef>
+          </p:style>
+          <p:txBody>
+            <a:bodyPr rtlCol="0" anchor="ctr"/>
+            <a:lstStyle/>
+            <a:p>
+              <a:pPr algn="ctr"/>
+              <a:r>
+                <a:rPr kumimoji="1" lang="en-US" altLang="ja-JP" dirty="0"/>
+                <a:t>Web</a:t>
+              </a:r>
+              <a:r>
+                <a:rPr kumimoji="1" lang="ja-JP" altLang="en-US" dirty="0"/>
+                <a:t>サーバ</a:t>
+              </a:r>
+            </a:p>
+          </p:txBody>
+        </p:sp>
+      </p:grpSp>
+      <p:cxnSp>
+        <p:nvCxnSpPr>
+          <p:cNvPr id="94" name="直線コネクタ 93">
+            <a:extLst>
+              <a:ext uri="{FF2B5EF4-FFF2-40B4-BE49-F238E27FC236}">
+                <a16:creationId xmlns:a16="http://schemas.microsoft.com/office/drawing/2014/main" id="{FB4F1C7C-2BD5-4A04-88C8-B26048AF9E81}"/>
+              </a:ext>
+            </a:extLst>
+          </p:cNvPr>
+          <p:cNvCxnSpPr>
+            <a:cxnSpLocks/>
+            <a:stCxn id="88" idx="1"/>
+          </p:cNvCxnSpPr>
+          <p:nvPr/>
+        </p:nvCxnSpPr>
+        <p:spPr>
+          <a:xfrm flipH="1">
+            <a:off x="8075217" y="622255"/>
+            <a:ext cx="296914" cy="0"/>
+          </a:xfrm>
+          <a:prstGeom prst="line">
+            <a:avLst/>
+          </a:prstGeom>
+        </p:spPr>
+        <p:style>
+          <a:lnRef idx="3">
+            <a:schemeClr val="dk1"/>
+          </a:lnRef>
+          <a:fillRef idx="0">
+            <a:schemeClr val="dk1"/>
+          </a:fillRef>
+          <a:effectRef idx="2">
+            <a:schemeClr val="dk1"/>
+          </a:effectRef>
+          <a:fontRef idx="minor">
+            <a:schemeClr val="tx1"/>
+          </a:fontRef>
+        </p:style>
+      </p:cxnSp>
+      <p:cxnSp>
+        <p:nvCxnSpPr>
+          <p:cNvPr id="98" name="直線コネクタ 97">
+            <a:extLst>
+              <a:ext uri="{FF2B5EF4-FFF2-40B4-BE49-F238E27FC236}">
+                <a16:creationId xmlns:a16="http://schemas.microsoft.com/office/drawing/2014/main" id="{A1E4F508-F438-4B91-9164-385321C0E4D0}"/>
+              </a:ext>
+            </a:extLst>
+          </p:cNvPr>
+          <p:cNvCxnSpPr>
+            <a:cxnSpLocks/>
+            <a:stCxn id="89" idx="1"/>
+          </p:cNvCxnSpPr>
+          <p:nvPr/>
+        </p:nvCxnSpPr>
+        <p:spPr>
+          <a:xfrm flipH="1">
+            <a:off x="8075217" y="1135629"/>
+            <a:ext cx="296914" cy="0"/>
+          </a:xfrm>
+          <a:prstGeom prst="line">
+            <a:avLst/>
+          </a:prstGeom>
+        </p:spPr>
+        <p:style>
+          <a:lnRef idx="3">
+            <a:schemeClr val="dk1"/>
+          </a:lnRef>
+          <a:fillRef idx="0">
+            <a:schemeClr val="dk1"/>
+          </a:fillRef>
+          <a:effectRef idx="2">
+            <a:schemeClr val="dk1"/>
+          </a:effectRef>
+          <a:fontRef idx="minor">
+            <a:schemeClr val="tx1"/>
+          </a:fontRef>
+        </p:style>
+      </p:cxnSp>
+      <p:cxnSp>
+        <p:nvCxnSpPr>
+          <p:cNvPr id="102" name="直線コネクタ 101">
+            <a:extLst>
+              <a:ext uri="{FF2B5EF4-FFF2-40B4-BE49-F238E27FC236}">
+                <a16:creationId xmlns:a16="http://schemas.microsoft.com/office/drawing/2014/main" id="{B62A271F-B06C-4314-BE8E-216EF174E5C5}"/>
+              </a:ext>
+            </a:extLst>
+          </p:cNvPr>
+          <p:cNvCxnSpPr>
+            <a:cxnSpLocks/>
+            <a:stCxn id="90" idx="1"/>
+          </p:cNvCxnSpPr>
+          <p:nvPr/>
+        </p:nvCxnSpPr>
+        <p:spPr>
+          <a:xfrm flipH="1">
+            <a:off x="8081883" y="1644967"/>
+            <a:ext cx="290248" cy="0"/>
+          </a:xfrm>
+          <a:prstGeom prst="line">
+            <a:avLst/>
+          </a:prstGeom>
+        </p:spPr>
+        <p:style>
+          <a:lnRef idx="3">
+            <a:schemeClr val="dk1"/>
+          </a:lnRef>
+          <a:fillRef idx="0">
+            <a:schemeClr val="dk1"/>
+          </a:fillRef>
+          <a:effectRef idx="2">
+            <a:schemeClr val="dk1"/>
+          </a:effectRef>
+          <a:fontRef idx="minor">
+            <a:schemeClr val="tx1"/>
+          </a:fontRef>
+        </p:style>
+      </p:cxnSp>
+      <p:cxnSp>
+        <p:nvCxnSpPr>
+          <p:cNvPr id="106" name="直線コネクタ 105">
+            <a:extLst>
+              <a:ext uri="{FF2B5EF4-FFF2-40B4-BE49-F238E27FC236}">
+                <a16:creationId xmlns:a16="http://schemas.microsoft.com/office/drawing/2014/main" id="{E5C97D52-94C9-46B7-988D-DE697D36FA3F}"/>
+              </a:ext>
+            </a:extLst>
+          </p:cNvPr>
+          <p:cNvCxnSpPr>
+            <a:cxnSpLocks/>
+            <a:stCxn id="91" idx="1"/>
+          </p:cNvCxnSpPr>
+          <p:nvPr/>
+        </p:nvCxnSpPr>
+        <p:spPr>
+          <a:xfrm flipH="1">
+            <a:off x="8075217" y="2152437"/>
+            <a:ext cx="296913" cy="0"/>
+          </a:xfrm>
+          <a:prstGeom prst="line">
+            <a:avLst/>
+          </a:prstGeom>
+        </p:spPr>
+        <p:style>
+          <a:lnRef idx="3">
+            <a:schemeClr val="dk1"/>
+          </a:lnRef>
+          <a:fillRef idx="0">
+            <a:schemeClr val="dk1"/>
+          </a:fillRef>
+          <a:effectRef idx="2">
+            <a:schemeClr val="dk1"/>
+          </a:effectRef>
+          <a:fontRef idx="minor">
+            <a:schemeClr val="tx1"/>
+          </a:fontRef>
+        </p:style>
+      </p:cxnSp>
+      <p:cxnSp>
+        <p:nvCxnSpPr>
+          <p:cNvPr id="111" name="直線コネクタ 110">
+            <a:extLst>
+              <a:ext uri="{FF2B5EF4-FFF2-40B4-BE49-F238E27FC236}">
+                <a16:creationId xmlns:a16="http://schemas.microsoft.com/office/drawing/2014/main" id="{C734F3DB-D1F6-45DF-B33D-D7B2971F0526}"/>
+              </a:ext>
+            </a:extLst>
+          </p:cNvPr>
+          <p:cNvCxnSpPr>
+            <a:cxnSpLocks/>
+          </p:cNvCxnSpPr>
+          <p:nvPr/>
+        </p:nvCxnSpPr>
+        <p:spPr>
+          <a:xfrm flipV="1">
+            <a:off x="10034916" y="445330"/>
+            <a:ext cx="0" cy="1891644"/>
+          </a:xfrm>
+          <a:prstGeom prst="line">
+            <a:avLst/>
+          </a:prstGeom>
+        </p:spPr>
+        <p:style>
+          <a:lnRef idx="3">
+            <a:schemeClr val="dk1"/>
+          </a:lnRef>
+          <a:fillRef idx="0">
+            <a:schemeClr val="dk1"/>
+          </a:fillRef>
+          <a:effectRef idx="2">
+            <a:schemeClr val="dk1"/>
+          </a:effectRef>
+          <a:fontRef idx="minor">
+            <a:schemeClr val="tx1"/>
+          </a:fontRef>
+        </p:style>
+      </p:cxnSp>
+      <p:cxnSp>
+        <p:nvCxnSpPr>
+          <p:cNvPr id="112" name="直線コネクタ 111">
+            <a:extLst>
+              <a:ext uri="{FF2B5EF4-FFF2-40B4-BE49-F238E27FC236}">
+                <a16:creationId xmlns:a16="http://schemas.microsoft.com/office/drawing/2014/main" id="{1321BB05-0053-488F-B851-5533264B251D}"/>
+              </a:ext>
+            </a:extLst>
+          </p:cNvPr>
+          <p:cNvCxnSpPr>
+            <a:cxnSpLocks/>
+          </p:cNvCxnSpPr>
+          <p:nvPr/>
+        </p:nvCxnSpPr>
+        <p:spPr>
+          <a:xfrm flipH="1">
+            <a:off x="9738003" y="622255"/>
+            <a:ext cx="296914" cy="0"/>
+          </a:xfrm>
+          <a:prstGeom prst="line">
+            <a:avLst/>
+          </a:prstGeom>
+        </p:spPr>
+        <p:style>
+          <a:lnRef idx="3">
+            <a:schemeClr val="dk1"/>
+          </a:lnRef>
+          <a:fillRef idx="0">
+            <a:schemeClr val="dk1"/>
+          </a:fillRef>
+          <a:effectRef idx="2">
+            <a:schemeClr val="dk1"/>
+          </a:effectRef>
+          <a:fontRef idx="minor">
+            <a:schemeClr val="tx1"/>
+          </a:fontRef>
+        </p:style>
+      </p:cxnSp>
+      <p:cxnSp>
+        <p:nvCxnSpPr>
+          <p:cNvPr id="113" name="直線コネクタ 112">
+            <a:extLst>
+              <a:ext uri="{FF2B5EF4-FFF2-40B4-BE49-F238E27FC236}">
+                <a16:creationId xmlns:a16="http://schemas.microsoft.com/office/drawing/2014/main" id="{5A260511-5971-49D4-A5EC-4D94CD960D02}"/>
+              </a:ext>
+            </a:extLst>
+          </p:cNvPr>
+          <p:cNvCxnSpPr>
+            <a:cxnSpLocks/>
+          </p:cNvCxnSpPr>
+          <p:nvPr/>
+        </p:nvCxnSpPr>
+        <p:spPr>
+          <a:xfrm flipH="1">
+            <a:off x="9738003" y="1135629"/>
+            <a:ext cx="296914" cy="0"/>
+          </a:xfrm>
+          <a:prstGeom prst="line">
+            <a:avLst/>
+          </a:prstGeom>
+        </p:spPr>
+        <p:style>
+          <a:lnRef idx="3">
+            <a:schemeClr val="dk1"/>
+          </a:lnRef>
+          <a:fillRef idx="0">
+            <a:schemeClr val="dk1"/>
+          </a:fillRef>
+          <a:effectRef idx="2">
+            <a:schemeClr val="dk1"/>
+          </a:effectRef>
+          <a:fontRef idx="minor">
+            <a:schemeClr val="tx1"/>
+          </a:fontRef>
+        </p:style>
+      </p:cxnSp>
+      <p:cxnSp>
+        <p:nvCxnSpPr>
+          <p:cNvPr id="114" name="直線コネクタ 113">
+            <a:extLst>
+              <a:ext uri="{FF2B5EF4-FFF2-40B4-BE49-F238E27FC236}">
+                <a16:creationId xmlns:a16="http://schemas.microsoft.com/office/drawing/2014/main" id="{9975B53A-515C-41D3-A8C0-3DB2A0D726E1}"/>
+              </a:ext>
+            </a:extLst>
+          </p:cNvPr>
+          <p:cNvCxnSpPr>
+            <a:cxnSpLocks/>
+          </p:cNvCxnSpPr>
+          <p:nvPr/>
+        </p:nvCxnSpPr>
+        <p:spPr>
+          <a:xfrm flipH="1">
+            <a:off x="9744669" y="1644967"/>
+            <a:ext cx="290248" cy="0"/>
+          </a:xfrm>
+          <a:prstGeom prst="line">
+            <a:avLst/>
+          </a:prstGeom>
+        </p:spPr>
+        <p:style>
+          <a:lnRef idx="3">
+            <a:schemeClr val="dk1"/>
+          </a:lnRef>
+          <a:fillRef idx="0">
+            <a:schemeClr val="dk1"/>
+          </a:fillRef>
+          <a:effectRef idx="2">
+            <a:schemeClr val="dk1"/>
+          </a:effectRef>
+          <a:fontRef idx="minor">
+            <a:schemeClr val="tx1"/>
+          </a:fontRef>
+        </p:style>
+      </p:cxnSp>
+      <p:cxnSp>
+        <p:nvCxnSpPr>
+          <p:cNvPr id="115" name="直線コネクタ 114">
+            <a:extLst>
+              <a:ext uri="{FF2B5EF4-FFF2-40B4-BE49-F238E27FC236}">
+                <a16:creationId xmlns:a16="http://schemas.microsoft.com/office/drawing/2014/main" id="{7D2C487F-0302-40C3-A73D-592D433D99C3}"/>
+              </a:ext>
+            </a:extLst>
+          </p:cNvPr>
+          <p:cNvCxnSpPr>
+            <a:cxnSpLocks/>
+          </p:cNvCxnSpPr>
+          <p:nvPr/>
+        </p:nvCxnSpPr>
+        <p:spPr>
+          <a:xfrm flipH="1">
+            <a:off x="9738003" y="2152437"/>
+            <a:ext cx="296913" cy="0"/>
+          </a:xfrm>
+          <a:prstGeom prst="line">
+            <a:avLst/>
+          </a:prstGeom>
+        </p:spPr>
+        <p:style>
+          <a:lnRef idx="3">
+            <a:schemeClr val="dk1"/>
+          </a:lnRef>
+          <a:fillRef idx="0">
+            <a:schemeClr val="dk1"/>
+          </a:fillRef>
+          <a:effectRef idx="2">
+            <a:schemeClr val="dk1"/>
+          </a:effectRef>
+          <a:fontRef idx="minor">
+            <a:schemeClr val="tx1"/>
+          </a:fontRef>
+        </p:style>
+      </p:cxnSp>
+      <p:sp>
+        <p:nvSpPr>
+          <p:cNvPr id="116" name="正方形/長方形 115">
+            <a:extLst>
+              <a:ext uri="{FF2B5EF4-FFF2-40B4-BE49-F238E27FC236}">
+                <a16:creationId xmlns:a16="http://schemas.microsoft.com/office/drawing/2014/main" id="{2BA726D1-D2EF-4525-A13E-8A0DFCBDF08F}"/>
               </a:ext>
             </a:extLst>
           </p:cNvPr>
@@ -8096,8 +8903,8 @@
         </p:nvSpPr>
         <p:spPr>
           <a:xfrm>
-            <a:off x="3586482" y="1527420"/>
-            <a:ext cx="1103037" cy="370479"/>
+            <a:off x="10398895" y="1593402"/>
+            <a:ext cx="2034320" cy="601980"/>
           </a:xfrm>
           <a:prstGeom prst="rect">
             <a:avLst/>
@@ -8126,31 +8933,30 @@
             <a:pPr algn="ctr"/>
             <a:r>
               <a:rPr kumimoji="1" lang="ja-JP" altLang="en-US" dirty="0"/>
-              <a:t>スイッチ</a:t>
+              <a:t>アプリケーションサーバ</a:t>
             </a:r>
           </a:p>
         </p:txBody>
       </p:sp>
       <p:cxnSp>
         <p:nvCxnSpPr>
-          <p:cNvPr id="38" name="直線コネクタ 37">
-            <a:extLst>
-              <a:ext uri="{FF2B5EF4-FFF2-40B4-BE49-F238E27FC236}">
-                <a16:creationId xmlns:a16="http://schemas.microsoft.com/office/drawing/2014/main" id="{A651202F-ABEF-42FF-9443-1B93D9BB1176}"/>
+          <p:cNvPr id="117" name="直線コネクタ 116">
+            <a:extLst>
+              <a:ext uri="{FF2B5EF4-FFF2-40B4-BE49-F238E27FC236}">
+                <a16:creationId xmlns:a16="http://schemas.microsoft.com/office/drawing/2014/main" id="{E18E0D3D-1B9B-4CD0-981A-726A5B2239F7}"/>
               </a:ext>
             </a:extLst>
           </p:cNvPr>
           <p:cNvCxnSpPr>
             <a:cxnSpLocks/>
-            <a:stCxn id="19" idx="5"/>
-            <a:endCxn id="37" idx="1"/>
+            <a:stCxn id="4" idx="1"/>
           </p:cNvCxnSpPr>
           <p:nvPr/>
         </p:nvCxnSpPr>
         <p:spPr>
-          <a:xfrm flipV="1">
-            <a:off x="2258539" y="1712660"/>
-            <a:ext cx="1327943" cy="8223"/>
+          <a:xfrm flipH="1">
+            <a:off x="10034916" y="912532"/>
+            <a:ext cx="363979" cy="0"/>
           </a:xfrm>
           <a:prstGeom prst="line">
             <a:avLst/>
@@ -8171,12 +8977,204 @@
           </a:fontRef>
         </p:style>
       </p:cxnSp>
-      <p:sp>
-        <p:nvSpPr>
-          <p:cNvPr id="41" name="正方形/長方形 40">
-            <a:extLst>
-              <a:ext uri="{FF2B5EF4-FFF2-40B4-BE49-F238E27FC236}">
-                <a16:creationId xmlns:a16="http://schemas.microsoft.com/office/drawing/2014/main" id="{C73A8D78-B95F-4D24-A6DF-A411D3F6FE67}"/>
+      <p:cxnSp>
+        <p:nvCxnSpPr>
+          <p:cNvPr id="120" name="直線コネクタ 119">
+            <a:extLst>
+              <a:ext uri="{FF2B5EF4-FFF2-40B4-BE49-F238E27FC236}">
+                <a16:creationId xmlns:a16="http://schemas.microsoft.com/office/drawing/2014/main" id="{68855C95-9532-4C01-8249-1F6197C44312}"/>
+              </a:ext>
+            </a:extLst>
+          </p:cNvPr>
+          <p:cNvCxnSpPr>
+            <a:cxnSpLocks/>
+            <a:stCxn id="116" idx="1"/>
+          </p:cNvCxnSpPr>
+          <p:nvPr/>
+        </p:nvCxnSpPr>
+        <p:spPr>
+          <a:xfrm flipH="1">
+            <a:off x="10034917" y="1894392"/>
+            <a:ext cx="363978" cy="0"/>
+          </a:xfrm>
+          <a:prstGeom prst="line">
+            <a:avLst/>
+          </a:prstGeom>
+        </p:spPr>
+        <p:style>
+          <a:lnRef idx="3">
+            <a:schemeClr val="dk1"/>
+          </a:lnRef>
+          <a:fillRef idx="0">
+            <a:schemeClr val="dk1"/>
+          </a:fillRef>
+          <a:effectRef idx="2">
+            <a:schemeClr val="dk1"/>
+          </a:effectRef>
+          <a:fontRef idx="minor">
+            <a:schemeClr val="tx1"/>
+          </a:fontRef>
+        </p:style>
+      </p:cxnSp>
+      <p:cxnSp>
+        <p:nvCxnSpPr>
+          <p:cNvPr id="123" name="直線コネクタ 122">
+            <a:extLst>
+              <a:ext uri="{FF2B5EF4-FFF2-40B4-BE49-F238E27FC236}">
+                <a16:creationId xmlns:a16="http://schemas.microsoft.com/office/drawing/2014/main" id="{F7BF492D-9B65-4CBA-8D9F-455BA480DBF6}"/>
+              </a:ext>
+            </a:extLst>
+          </p:cNvPr>
+          <p:cNvCxnSpPr>
+            <a:cxnSpLocks/>
+          </p:cNvCxnSpPr>
+          <p:nvPr/>
+        </p:nvCxnSpPr>
+        <p:spPr>
+          <a:xfrm flipV="1">
+            <a:off x="12797194" y="433595"/>
+            <a:ext cx="0" cy="1891644"/>
+          </a:xfrm>
+          <a:prstGeom prst="line">
+            <a:avLst/>
+          </a:prstGeom>
+        </p:spPr>
+        <p:style>
+          <a:lnRef idx="3">
+            <a:schemeClr val="dk1"/>
+          </a:lnRef>
+          <a:fillRef idx="0">
+            <a:schemeClr val="dk1"/>
+          </a:fillRef>
+          <a:effectRef idx="2">
+            <a:schemeClr val="dk1"/>
+          </a:effectRef>
+          <a:fontRef idx="minor">
+            <a:schemeClr val="tx1"/>
+          </a:fontRef>
+        </p:style>
+      </p:cxnSp>
+      <p:cxnSp>
+        <p:nvCxnSpPr>
+          <p:cNvPr id="124" name="直線コネクタ 123">
+            <a:extLst>
+              <a:ext uri="{FF2B5EF4-FFF2-40B4-BE49-F238E27FC236}">
+                <a16:creationId xmlns:a16="http://schemas.microsoft.com/office/drawing/2014/main" id="{50E55669-3CF8-4344-B065-E2B2D78B0297}"/>
+              </a:ext>
+            </a:extLst>
+          </p:cNvPr>
+          <p:cNvCxnSpPr>
+            <a:cxnSpLocks/>
+          </p:cNvCxnSpPr>
+          <p:nvPr/>
+        </p:nvCxnSpPr>
+        <p:spPr>
+          <a:xfrm flipH="1">
+            <a:off x="12433215" y="900797"/>
+            <a:ext cx="363979" cy="0"/>
+          </a:xfrm>
+          <a:prstGeom prst="line">
+            <a:avLst/>
+          </a:prstGeom>
+        </p:spPr>
+        <p:style>
+          <a:lnRef idx="3">
+            <a:schemeClr val="dk1"/>
+          </a:lnRef>
+          <a:fillRef idx="0">
+            <a:schemeClr val="dk1"/>
+          </a:fillRef>
+          <a:effectRef idx="2">
+            <a:schemeClr val="dk1"/>
+          </a:effectRef>
+          <a:fontRef idx="minor">
+            <a:schemeClr val="tx1"/>
+          </a:fontRef>
+        </p:style>
+      </p:cxnSp>
+      <p:cxnSp>
+        <p:nvCxnSpPr>
+          <p:cNvPr id="125" name="直線コネクタ 124">
+            <a:extLst>
+              <a:ext uri="{FF2B5EF4-FFF2-40B4-BE49-F238E27FC236}">
+                <a16:creationId xmlns:a16="http://schemas.microsoft.com/office/drawing/2014/main" id="{5DBA68E4-BD57-4520-B4EA-BE86E2197164}"/>
+              </a:ext>
+            </a:extLst>
+          </p:cNvPr>
+          <p:cNvCxnSpPr>
+            <a:cxnSpLocks/>
+          </p:cNvCxnSpPr>
+          <p:nvPr/>
+        </p:nvCxnSpPr>
+        <p:spPr>
+          <a:xfrm flipH="1">
+            <a:off x="12433216" y="1882657"/>
+            <a:ext cx="363978" cy="0"/>
+          </a:xfrm>
+          <a:prstGeom prst="line">
+            <a:avLst/>
+          </a:prstGeom>
+        </p:spPr>
+        <p:style>
+          <a:lnRef idx="3">
+            <a:schemeClr val="dk1"/>
+          </a:lnRef>
+          <a:fillRef idx="0">
+            <a:schemeClr val="dk1"/>
+          </a:fillRef>
+          <a:effectRef idx="2">
+            <a:schemeClr val="dk1"/>
+          </a:effectRef>
+          <a:fontRef idx="minor">
+            <a:schemeClr val="tx1"/>
+          </a:fontRef>
+        </p:style>
+      </p:cxnSp>
+      <p:cxnSp>
+        <p:nvCxnSpPr>
+          <p:cNvPr id="126" name="直線コネクタ 125">
+            <a:extLst>
+              <a:ext uri="{FF2B5EF4-FFF2-40B4-BE49-F238E27FC236}">
+                <a16:creationId xmlns:a16="http://schemas.microsoft.com/office/drawing/2014/main" id="{D8B307D4-5E22-4614-A7BD-670FE10517CC}"/>
+              </a:ext>
+            </a:extLst>
+          </p:cNvPr>
+          <p:cNvCxnSpPr>
+            <a:cxnSpLocks/>
+            <a:stCxn id="3" idx="1"/>
+          </p:cNvCxnSpPr>
+          <p:nvPr/>
+        </p:nvCxnSpPr>
+        <p:spPr>
+          <a:xfrm flipH="1">
+            <a:off x="12797193" y="1386053"/>
+            <a:ext cx="296914" cy="0"/>
+          </a:xfrm>
+          <a:prstGeom prst="line">
+            <a:avLst/>
+          </a:prstGeom>
+        </p:spPr>
+        <p:style>
+          <a:lnRef idx="3">
+            <a:schemeClr val="dk1"/>
+          </a:lnRef>
+          <a:fillRef idx="0">
+            <a:schemeClr val="dk1"/>
+          </a:fillRef>
+          <a:effectRef idx="2">
+            <a:schemeClr val="dk1"/>
+          </a:effectRef>
+          <a:fontRef idx="minor">
+            <a:schemeClr val="tx1"/>
+          </a:fontRef>
+        </p:style>
+      </p:cxnSp>
+      <p:sp>
+        <p:nvSpPr>
+          <p:cNvPr id="131" name="右中かっこ 130">
+            <a:extLst>
+              <a:ext uri="{FF2B5EF4-FFF2-40B4-BE49-F238E27FC236}">
+                <a16:creationId xmlns:a16="http://schemas.microsoft.com/office/drawing/2014/main" id="{A3AA91A5-691A-4044-9A1D-A25442B9B607}"/>
               </a:ext>
             </a:extLst>
           </p:cNvPr>
@@ -8184,28 +9182,32 @@
           <p:nvPr/>
         </p:nvSpPr>
         <p:spPr>
-          <a:xfrm>
-            <a:off x="5248724" y="864444"/>
-            <a:ext cx="1103037" cy="370479"/>
-          </a:xfrm>
-          <a:prstGeom prst="rect">
-            <a:avLst/>
-          </a:prstGeom>
+          <a:xfrm rot="5400000">
+            <a:off x="8156592" y="1267378"/>
+            <a:ext cx="317472" cy="3257543"/>
+          </a:xfrm>
+          <a:prstGeom prst="rightBrace">
+            <a:avLst>
+              <a:gd name="adj1" fmla="val 111784"/>
+              <a:gd name="adj2" fmla="val 50000"/>
+            </a:avLst>
+          </a:prstGeom>
+          <a:ln>
+            <a:prstDash val="dash"/>
+          </a:ln>
         </p:spPr>
         <p:style>
           <a:lnRef idx="2">
-            <a:schemeClr val="dk1">
-              <a:shade val="50000"/>
-            </a:schemeClr>
+            <a:schemeClr val="dk1"/>
           </a:lnRef>
-          <a:fillRef idx="1">
+          <a:fillRef idx="0">
             <a:schemeClr val="dk1"/>
           </a:fillRef>
-          <a:effectRef idx="0">
+          <a:effectRef idx="1">
             <a:schemeClr val="dk1"/>
           </a:effectRef>
           <a:fontRef idx="minor">
-            <a:schemeClr val="lt1"/>
+            <a:schemeClr val="tx1"/>
           </a:fontRef>
         </p:style>
         <p:txBody>
@@ -8213,20 +9215,16 @@
           <a:lstStyle/>
           <a:p>
             <a:pPr algn="ctr"/>
-            <a:r>
-              <a:rPr kumimoji="1" lang="en-US" altLang="ja-JP" dirty="0"/>
-              <a:t>FW</a:t>
-            </a:r>
-            <a:endParaRPr kumimoji="1" lang="ja-JP" altLang="en-US" dirty="0"/>
-          </a:p>
-        </p:txBody>
-      </p:sp>
-      <p:sp>
-        <p:nvSpPr>
-          <p:cNvPr id="43" name="正方形/長方形 42">
-            <a:extLst>
-              <a:ext uri="{FF2B5EF4-FFF2-40B4-BE49-F238E27FC236}">
-                <a16:creationId xmlns:a16="http://schemas.microsoft.com/office/drawing/2014/main" id="{F777E1D2-7E23-45AB-A4F2-4549A435C62E}"/>
+            <a:endParaRPr kumimoji="1" lang="ja-JP" altLang="en-US"/>
+          </a:p>
+        </p:txBody>
+      </p:sp>
+      <p:sp>
+        <p:nvSpPr>
+          <p:cNvPr id="132" name="正方形/長方形 131">
+            <a:extLst>
+              <a:ext uri="{FF2B5EF4-FFF2-40B4-BE49-F238E27FC236}">
+                <a16:creationId xmlns:a16="http://schemas.microsoft.com/office/drawing/2014/main" id="{CFF69DAF-3F45-46FC-B535-18ECE9244DDD}"/>
               </a:ext>
             </a:extLst>
           </p:cNvPr>
@@ -8235,27 +9233,66 @@
         </p:nvSpPr>
         <p:spPr>
           <a:xfrm>
-            <a:off x="5245663" y="1523913"/>
-            <a:ext cx="1103037" cy="370479"/>
+            <a:off x="7114241" y="3230573"/>
+            <a:ext cx="2492990" cy="369332"/>
           </a:xfrm>
           <a:prstGeom prst="rect">
             <a:avLst/>
           </a:prstGeom>
+        </p:spPr>
+        <p:txBody>
+          <a:bodyPr wrap="none">
+            <a:spAutoFit/>
+          </a:bodyPr>
+          <a:lstStyle/>
+          <a:p>
+            <a:pPr algn="ctr"/>
+            <a:r>
+              <a:rPr lang="ja-JP" altLang="en-US" dirty="0"/>
+              <a:t>プレゼンテーション層</a:t>
+            </a:r>
+          </a:p>
+        </p:txBody>
+      </p:sp>
+      <p:sp>
+        <p:nvSpPr>
+          <p:cNvPr id="133" name="右中かっこ 132">
+            <a:extLst>
+              <a:ext uri="{FF2B5EF4-FFF2-40B4-BE49-F238E27FC236}">
+                <a16:creationId xmlns:a16="http://schemas.microsoft.com/office/drawing/2014/main" id="{13EC2AD3-3617-4708-B691-03964784F37B}"/>
+              </a:ext>
+            </a:extLst>
+          </p:cNvPr>
+          <p:cNvSpPr/>
+          <p:nvPr/>
+        </p:nvSpPr>
+        <p:spPr>
+          <a:xfrm rot="5400000">
+            <a:off x="11213493" y="1675454"/>
+            <a:ext cx="317472" cy="2492991"/>
+          </a:xfrm>
+          <a:prstGeom prst="rightBrace">
+            <a:avLst>
+              <a:gd name="adj1" fmla="val 111784"/>
+              <a:gd name="adj2" fmla="val 50000"/>
+            </a:avLst>
+          </a:prstGeom>
+          <a:ln>
+            <a:prstDash val="dash"/>
+          </a:ln>
         </p:spPr>
         <p:style>
           <a:lnRef idx="2">
-            <a:schemeClr val="dk1">
-              <a:shade val="50000"/>
-            </a:schemeClr>
+            <a:schemeClr val="dk1"/>
           </a:lnRef>
-          <a:fillRef idx="1">
+          <a:fillRef idx="0">
             <a:schemeClr val="dk1"/>
           </a:fillRef>
-          <a:effectRef idx="0">
+          <a:effectRef idx="1">
             <a:schemeClr val="dk1"/>
           </a:effectRef>
           <a:fontRef idx="minor">
-            <a:schemeClr val="lt1"/>
+            <a:schemeClr val="tx1"/>
           </a:fontRef>
         </p:style>
         <p:txBody>
@@ -8263,11 +9300,127 @@
           <a:lstStyle/>
           <a:p>
             <a:pPr algn="ctr"/>
-            <a:r>
-              <a:rPr kumimoji="1" lang="en-US" altLang="ja-JP" dirty="0"/>
-              <a:t>FW</a:t>
-            </a:r>
-            <a:endParaRPr kumimoji="1" lang="ja-JP" altLang="en-US" dirty="0"/>
+            <a:endParaRPr kumimoji="1" lang="ja-JP" altLang="en-US"/>
+          </a:p>
+        </p:txBody>
+      </p:sp>
+      <p:sp>
+        <p:nvSpPr>
+          <p:cNvPr id="134" name="正方形/長方形 133">
+            <a:extLst>
+              <a:ext uri="{FF2B5EF4-FFF2-40B4-BE49-F238E27FC236}">
+                <a16:creationId xmlns:a16="http://schemas.microsoft.com/office/drawing/2014/main" id="{9CF0D2E4-32F2-4FE2-8FEF-39D1D7480EE1}"/>
+              </a:ext>
+            </a:extLst>
+          </p:cNvPr>
+          <p:cNvSpPr/>
+          <p:nvPr/>
+        </p:nvSpPr>
+        <p:spPr>
+          <a:xfrm>
+            <a:off x="10241150" y="3244334"/>
+            <a:ext cx="2262158" cy="369332"/>
+          </a:xfrm>
+          <a:prstGeom prst="rect">
+            <a:avLst/>
+          </a:prstGeom>
+        </p:spPr>
+        <p:txBody>
+          <a:bodyPr wrap="none">
+            <a:spAutoFit/>
+          </a:bodyPr>
+          <a:lstStyle/>
+          <a:p>
+            <a:pPr algn="ctr"/>
+            <a:r>
+              <a:rPr lang="ja-JP" altLang="en-US" dirty="0"/>
+              <a:t>アプリケーション層</a:t>
+            </a:r>
+          </a:p>
+        </p:txBody>
+      </p:sp>
+      <p:sp>
+        <p:nvSpPr>
+          <p:cNvPr id="135" name="右中かっこ 134">
+            <a:extLst>
+              <a:ext uri="{FF2B5EF4-FFF2-40B4-BE49-F238E27FC236}">
+                <a16:creationId xmlns:a16="http://schemas.microsoft.com/office/drawing/2014/main" id="{54925771-BDAA-435D-9E46-591F27C76A85}"/>
+              </a:ext>
+            </a:extLst>
+          </p:cNvPr>
+          <p:cNvSpPr/>
+          <p:nvPr/>
+        </p:nvSpPr>
+        <p:spPr>
+          <a:xfrm rot="5400000">
+            <a:off x="13449314" y="2293301"/>
+            <a:ext cx="317472" cy="1257299"/>
+          </a:xfrm>
+          <a:prstGeom prst="rightBrace">
+            <a:avLst>
+              <a:gd name="adj1" fmla="val 111784"/>
+              <a:gd name="adj2" fmla="val 50000"/>
+            </a:avLst>
+          </a:prstGeom>
+          <a:ln>
+            <a:prstDash val="dash"/>
+          </a:ln>
+        </p:spPr>
+        <p:style>
+          <a:lnRef idx="2">
+            <a:schemeClr val="dk1"/>
+          </a:lnRef>
+          <a:fillRef idx="0">
+            <a:schemeClr val="dk1"/>
+          </a:fillRef>
+          <a:effectRef idx="1">
+            <a:schemeClr val="dk1"/>
+          </a:effectRef>
+          <a:fontRef idx="minor">
+            <a:schemeClr val="tx1"/>
+          </a:fontRef>
+        </p:style>
+        <p:txBody>
+          <a:bodyPr rtlCol="0" anchor="ctr"/>
+          <a:lstStyle/>
+          <a:p>
+            <a:pPr algn="ctr"/>
+            <a:endParaRPr kumimoji="1" lang="ja-JP" altLang="en-US"/>
+          </a:p>
+        </p:txBody>
+      </p:sp>
+      <p:sp>
+        <p:nvSpPr>
+          <p:cNvPr id="136" name="正方形/長方形 135">
+            <a:extLst>
+              <a:ext uri="{FF2B5EF4-FFF2-40B4-BE49-F238E27FC236}">
+                <a16:creationId xmlns:a16="http://schemas.microsoft.com/office/drawing/2014/main" id="{CFDFE20C-4204-4711-AFAF-127AEB0C358D}"/>
+              </a:ext>
+            </a:extLst>
+          </p:cNvPr>
+          <p:cNvSpPr/>
+          <p:nvPr/>
+        </p:nvSpPr>
+        <p:spPr>
+          <a:xfrm>
+            <a:off x="12706808" y="3244334"/>
+            <a:ext cx="1802484" cy="369332"/>
+          </a:xfrm>
+          <a:prstGeom prst="rect">
+            <a:avLst/>
+          </a:prstGeom>
+        </p:spPr>
+        <p:txBody>
+          <a:bodyPr wrap="square">
+            <a:spAutoFit/>
+          </a:bodyPr>
+          <a:lstStyle/>
+          <a:p>
+            <a:pPr algn="ctr"/>
+            <a:r>
+              <a:rPr lang="ja-JP" altLang="en-US" dirty="0"/>
+              <a:t>データベース層</a:t>
+            </a:r>
           </a:p>
         </p:txBody>
       </p:sp>
